--- a/NLP Presentation.pptx
+++ b/NLP Presentation.pptx
@@ -22,30 +22,39 @@
     <p:sldId id="267" r:id="rId18"/>
     <p:sldId id="268" r:id="rId19"/>
     <p:sldId id="269" r:id="rId20"/>
+    <p:sldId id="270" r:id="rId21"/>
+    <p:sldId id="271" r:id="rId22"/>
   </p:sldIdLst>
   <p:sldSz cy="5143500" cx="9144000"/>
   <p:notesSz cx="6858000" cy="9144000"/>
   <p:embeddedFontLst>
     <p:embeddedFont>
       <p:font typeface="Economica"/>
-      <p:regular r:id="rId21"/>
-      <p:bold r:id="rId22"/>
-      <p:italic r:id="rId23"/>
-      <p:boldItalic r:id="rId24"/>
+      <p:regular r:id="rId23"/>
+      <p:bold r:id="rId24"/>
+      <p:italic r:id="rId25"/>
+      <p:boldItalic r:id="rId26"/>
     </p:embeddedFont>
     <p:embeddedFont>
       <p:font typeface="Roboto"/>
-      <p:regular r:id="rId25"/>
-      <p:bold r:id="rId26"/>
-      <p:italic r:id="rId27"/>
-      <p:boldItalic r:id="rId28"/>
+      <p:regular r:id="rId27"/>
+      <p:bold r:id="rId28"/>
+      <p:italic r:id="rId29"/>
+      <p:boldItalic r:id="rId30"/>
+    </p:embeddedFont>
+    <p:embeddedFont>
+      <p:font typeface="Roboto Medium"/>
+      <p:regular r:id="rId31"/>
+      <p:bold r:id="rId32"/>
+      <p:italic r:id="rId33"/>
+      <p:boldItalic r:id="rId34"/>
     </p:embeddedFont>
     <p:embeddedFont>
       <p:font typeface="Open Sans"/>
-      <p:regular r:id="rId29"/>
-      <p:bold r:id="rId30"/>
-      <p:italic r:id="rId31"/>
-      <p:boldItalic r:id="rId32"/>
+      <p:regular r:id="rId35"/>
+      <p:bold r:id="rId36"/>
+      <p:italic r:id="rId37"/>
+      <p:boldItalic r:id="rId38"/>
     </p:embeddedFont>
   </p:embeddedFontLst>
   <p:defaultTextStyle>
@@ -826,7 +835,7 @@
   <p:cSld>
     <p:spTree>
       <p:nvGrpSpPr>
-        <p:cNvPr id="172" name="Shape 172"/>
+        <p:cNvPr id="160" name="Shape 160"/>
         <p:cNvGrpSpPr/>
         <p:nvPr/>
       </p:nvGrpSpPr>
@@ -840,7 +849,7 @@
       </p:grpSpPr>
       <p:sp>
         <p:nvSpPr>
-          <p:cNvPr id="173" name="Google Shape;173;g1b877ee46c3_4_0:notes"/>
+          <p:cNvPr id="161" name="Google Shape;161;g1b877ee46c3_2_5:notes"/>
           <p:cNvSpPr/>
           <p:nvPr>
             <p:ph idx="2" type="sldImg"/>
@@ -875,7 +884,7 @@
       </p:sp>
       <p:sp>
         <p:nvSpPr>
-          <p:cNvPr id="174" name="Google Shape;174;g1b877ee46c3_4_0:notes"/>
+          <p:cNvPr id="162" name="Google Shape;162;g1b877ee46c3_2_5:notes"/>
           <p:cNvSpPr txBox="1"/>
           <p:nvPr>
             <p:ph idx="1" type="body"/>
@@ -925,7 +934,7 @@
   <p:cSld>
     <p:spTree>
       <p:nvGrpSpPr>
-        <p:cNvPr id="181" name="Shape 181"/>
+        <p:cNvPr id="180" name="Shape 180"/>
         <p:cNvGrpSpPr/>
         <p:nvPr/>
       </p:nvGrpSpPr>
@@ -939,7 +948,7 @@
       </p:grpSpPr>
       <p:sp>
         <p:nvSpPr>
-          <p:cNvPr id="182" name="Google Shape;182;g1b5e63736a0_0_20:notes"/>
+          <p:cNvPr id="181" name="Google Shape;181;g1b877ee46c3_4_0:notes"/>
           <p:cNvSpPr/>
           <p:nvPr>
             <p:ph idx="2" type="sldImg"/>
@@ -974,7 +983,7 @@
       </p:sp>
       <p:sp>
         <p:nvSpPr>
-          <p:cNvPr id="183" name="Google Shape;183;g1b5e63736a0_0_20:notes"/>
+          <p:cNvPr id="182" name="Google Shape;182;g1b877ee46c3_4_0:notes"/>
           <p:cNvSpPr txBox="1"/>
           <p:nvPr>
             <p:ph idx="1" type="body"/>
@@ -1024,7 +1033,7 @@
   <p:cSld>
     <p:spTree>
       <p:nvGrpSpPr>
-        <p:cNvPr id="187" name="Shape 187"/>
+        <p:cNvPr id="189" name="Shape 189"/>
         <p:cNvGrpSpPr/>
         <p:nvPr/>
       </p:nvGrpSpPr>
@@ -1038,7 +1047,7 @@
       </p:grpSpPr>
       <p:sp>
         <p:nvSpPr>
-          <p:cNvPr id="188" name="Google Shape;188;g1b877ee46c3_0_2662:notes"/>
+          <p:cNvPr id="190" name="Google Shape;190;g1b5e63736a0_0_20:notes"/>
           <p:cNvSpPr/>
           <p:nvPr>
             <p:ph idx="2" type="sldImg"/>
@@ -1073,7 +1082,7 @@
       </p:sp>
       <p:sp>
         <p:nvSpPr>
-          <p:cNvPr id="189" name="Google Shape;189;g1b877ee46c3_0_2662:notes"/>
+          <p:cNvPr id="191" name="Google Shape;191;g1b5e63736a0_0_20:notes"/>
           <p:cNvSpPr txBox="1"/>
           <p:nvPr>
             <p:ph idx="1" type="body"/>
@@ -1123,7 +1132,7 @@
   <p:cSld>
     <p:spTree>
       <p:nvGrpSpPr>
-        <p:cNvPr id="193" name="Shape 193"/>
+        <p:cNvPr id="195" name="Shape 195"/>
         <p:cNvGrpSpPr/>
         <p:nvPr/>
       </p:nvGrpSpPr>
@@ -1137,7 +1146,7 @@
       </p:grpSpPr>
       <p:sp>
         <p:nvSpPr>
-          <p:cNvPr id="194" name="Google Shape;194;g1b5e63736a0_0_30:notes"/>
+          <p:cNvPr id="196" name="Google Shape;196;g1b877ee46c3_0_2662:notes"/>
           <p:cNvSpPr/>
           <p:nvPr>
             <p:ph idx="2" type="sldImg"/>
@@ -1172,7 +1181,7 @@
       </p:sp>
       <p:sp>
         <p:nvSpPr>
-          <p:cNvPr id="195" name="Google Shape;195;g1b5e63736a0_0_30:notes"/>
+          <p:cNvPr id="197" name="Google Shape;197;g1b877ee46c3_0_2662:notes"/>
           <p:cNvSpPr txBox="1"/>
           <p:nvPr>
             <p:ph idx="1" type="body"/>
@@ -1203,7 +1212,8 @@
               <a:buNone/>
             </a:pPr>
             <a:r>
-              <a:t/>
+              <a:rPr lang="en"/>
+              <a:t>https://www.eecg.utoronto.ca/~jayar/ece324/2020/download/toxiccommentclassifier.pdf</a:t>
             </a:r>
             <a:endParaRPr/>
           </a:p>
@@ -1222,7 +1232,7 @@
   <p:cSld>
     <p:spTree>
       <p:nvGrpSpPr>
-        <p:cNvPr id="199" name="Shape 199"/>
+        <p:cNvPr id="202" name="Shape 202"/>
         <p:cNvGrpSpPr/>
         <p:nvPr/>
       </p:nvGrpSpPr>
@@ -1236,7 +1246,7 @@
       </p:grpSpPr>
       <p:sp>
         <p:nvSpPr>
-          <p:cNvPr id="200" name="Google Shape;200;g1b877ee46c3_0_848:notes"/>
+          <p:cNvPr id="203" name="Google Shape;203;g1b9d80fcd9d_0_5:notes"/>
           <p:cNvSpPr/>
           <p:nvPr>
             <p:ph idx="2" type="sldImg"/>
@@ -1271,7 +1281,7 @@
       </p:sp>
       <p:sp>
         <p:nvSpPr>
-          <p:cNvPr id="201" name="Google Shape;201;g1b877ee46c3_0_848:notes"/>
+          <p:cNvPr id="204" name="Google Shape;204;g1b9d80fcd9d_0_5:notes"/>
           <p:cNvSpPr txBox="1"/>
           <p:nvPr>
             <p:ph idx="1" type="body"/>
@@ -1316,12 +1326,12 @@
 </p:notes>
 </file>
 
-<file path=ppt/notesSlides/notesSlide2.xml><?xml version="1.0" encoding="utf-8"?>
+<file path=ppt/notesSlides/notesSlide15.xml><?xml version="1.0" encoding="utf-8"?>
 <p:notes xmlns:a="http://schemas.openxmlformats.org/drawingml/2006/main" xmlns:r="http://schemas.openxmlformats.org/officeDocument/2006/relationships" xmlns:mc="http://schemas.openxmlformats.org/markup-compatibility/2006" xmlns:mv="urn:schemas-microsoft-com:mac:vml" xmlns:p="http://schemas.openxmlformats.org/presentationml/2006/main" xmlns:c="http://schemas.openxmlformats.org/drawingml/2006/chart" xmlns:dgm="http://schemas.openxmlformats.org/drawingml/2006/diagram" xmlns:o="urn:schemas-microsoft-com:office:office" xmlns:v="urn:schemas-microsoft-com:vml" xmlns:pvml="urn:schemas-microsoft-com:office:powerpoint" xmlns:com="http://schemas.openxmlformats.org/drawingml/2006/compatibility" xmlns:p14="http://schemas.microsoft.com/office/powerpoint/2010/main" xmlns:p15="http://schemas.microsoft.com/office/powerpoint/2012/main" xmlns:ahyp="http://schemas.microsoft.com/office/drawing/2018/hyperlinkcolor" showMasterPhAnim="0" showMasterSp="0">
   <p:cSld>
     <p:spTree>
       <p:nvGrpSpPr>
-        <p:cNvPr id="64" name="Shape 64"/>
+        <p:cNvPr id="208" name="Shape 208"/>
         <p:cNvGrpSpPr/>
         <p:nvPr/>
       </p:nvGrpSpPr>
@@ -1335,7 +1345,7 @@
       </p:grpSpPr>
       <p:sp>
         <p:nvSpPr>
-          <p:cNvPr id="65" name="Google Shape;65;g1b877ee46c3_0_2627:notes"/>
+          <p:cNvPr id="209" name="Google Shape;209;g1b5e63736a0_0_30:notes"/>
           <p:cNvSpPr/>
           <p:nvPr>
             <p:ph idx="2" type="sldImg"/>
@@ -1370,7 +1380,7 @@
       </p:sp>
       <p:sp>
         <p:nvSpPr>
-          <p:cNvPr id="66" name="Google Shape;66;g1b877ee46c3_0_2627:notes"/>
+          <p:cNvPr id="210" name="Google Shape;210;g1b5e63736a0_0_30:notes"/>
           <p:cNvSpPr txBox="1"/>
           <p:nvPr>
             <p:ph idx="1" type="body"/>
@@ -1401,119 +1411,6 @@
               <a:buNone/>
             </a:pPr>
             <a:r>
-              <a:rPr lang="en"/>
-              <a:t>Social media users have been increasing rapidly, with an average annual growth rate of about 10% in the last two years. As of 2021, there are 4.2 billion users.</a:t>
-            </a:r>
-            <a:endParaRPr/>
-          </a:p>
-          <a:p>
-            <a:pPr indent="0" lvl="0" marL="0" rtl="0" algn="l">
-              <a:spcBef>
-                <a:spcPts val="0"/>
-              </a:spcBef>
-              <a:spcAft>
-                <a:spcPts val="0"/>
-              </a:spcAft>
-              <a:buNone/>
-            </a:pPr>
-            <a:r>
-              <a:rPr lang="en"/>
-              <a:t>As the </a:t>
-            </a:r>
-            <a:r>
-              <a:rPr lang="en"/>
-              <a:t>number</a:t>
-            </a:r>
-            <a:r>
-              <a:rPr lang="en"/>
-              <a:t> of users increase the production and consumption of the content created by them also increases. Along with this comes content moderation challenges. </a:t>
-            </a:r>
-            <a:endParaRPr/>
-          </a:p>
-          <a:p>
-            <a:pPr indent="0" lvl="0" marL="0" rtl="0" algn="l">
-              <a:spcBef>
-                <a:spcPts val="0"/>
-              </a:spcBef>
-              <a:spcAft>
-                <a:spcPts val="0"/>
-              </a:spcAft>
-              <a:buNone/>
-            </a:pPr>
-            <a:r>
-              <a:rPr lang="en"/>
-              <a:t>According to a study done in 2015, about 67% of people in the US </a:t>
-            </a:r>
-            <a:r>
-              <a:rPr lang="en"/>
-              <a:t>agreed</a:t>
-            </a:r>
-            <a:r>
-              <a:rPr lang="en"/>
-              <a:t> that “People should be able to make statements that are offensive to minority groups publicly”. This implies that more than half the population belie</a:t>
-            </a:r>
-            <a:r>
-              <a:rPr lang="en"/>
-              <a:t>ves more in free speech than content moderation. This brings in new challenges for everyone in the society where social media can be used to disrupt peace and cause political tensions. Even more so is the impact on online platforms that face huge liabilities if unchecked toxic content on their website causes catastrophic events. They are burdened with lawsuits, bad image connotations and consequent reduction in revenues.</a:t>
-            </a:r>
-            <a:endParaRPr/>
-          </a:p>
-          <a:p>
-            <a:pPr indent="0" lvl="0" marL="0" rtl="0" algn="l">
-              <a:spcBef>
-                <a:spcPts val="0"/>
-              </a:spcBef>
-              <a:spcAft>
-                <a:spcPts val="0"/>
-              </a:spcAft>
-              <a:buNone/>
-            </a:pPr>
-            <a:r>
-              <a:t/>
-            </a:r>
-            <a:endParaRPr/>
-          </a:p>
-          <a:p>
-            <a:pPr indent="0" lvl="0" marL="0" rtl="0" algn="l">
-              <a:spcBef>
-                <a:spcPts val="0"/>
-              </a:spcBef>
-              <a:spcAft>
-                <a:spcPts val="0"/>
-              </a:spcAft>
-              <a:buNone/>
-            </a:pPr>
-            <a:r>
-              <a:rPr lang="en" u="sng">
-                <a:solidFill>
-                  <a:schemeClr val="hlink"/>
-                </a:solidFill>
-                <a:hlinkClick r:id="rId2"/>
-              </a:rPr>
-              <a:t>h</a:t>
-            </a:r>
-            <a:r>
-              <a:rPr lang="en" u="sng">
-                <a:solidFill>
-                  <a:schemeClr val="hlink"/>
-                </a:solidFill>
-                <a:hlinkClick r:id="rId3"/>
-              </a:rPr>
-              <a:t>ttps://www.cfr.org/backgrounder/hate-speech-social-media-global-comparisons#chapter-title-0-4</a:t>
-            </a:r>
-            <a:endParaRPr/>
-          </a:p>
-          <a:p>
-            <a:pPr indent="0" lvl="0" marL="0" rtl="0" algn="l">
-              <a:spcBef>
-                <a:spcPts val="0"/>
-              </a:spcBef>
-              <a:spcAft>
-                <a:spcPts val="0"/>
-              </a:spcAft>
-              <a:buNone/>
-            </a:pPr>
-            <a:r>
               <a:t/>
             </a:r>
             <a:endParaRPr/>
@@ -1528,12 +1425,12 @@
 </p:notes>
 </file>
 
-<file path=ppt/notesSlides/notesSlide3.xml><?xml version="1.0" encoding="utf-8"?>
+<file path=ppt/notesSlides/notesSlide16.xml><?xml version="1.0" encoding="utf-8"?>
 <p:notes xmlns:a="http://schemas.openxmlformats.org/drawingml/2006/main" xmlns:r="http://schemas.openxmlformats.org/officeDocument/2006/relationships" xmlns:mc="http://schemas.openxmlformats.org/markup-compatibility/2006" xmlns:mv="urn:schemas-microsoft-com:mac:vml" xmlns:p="http://schemas.openxmlformats.org/presentationml/2006/main" xmlns:c="http://schemas.openxmlformats.org/drawingml/2006/chart" xmlns:dgm="http://schemas.openxmlformats.org/drawingml/2006/diagram" xmlns:o="urn:schemas-microsoft-com:office:office" xmlns:v="urn:schemas-microsoft-com:vml" xmlns:pvml="urn:schemas-microsoft-com:office:powerpoint" xmlns:com="http://schemas.openxmlformats.org/drawingml/2006/compatibility" xmlns:p14="http://schemas.microsoft.com/office/powerpoint/2010/main" xmlns:p15="http://schemas.microsoft.com/office/powerpoint/2012/main" xmlns:ahyp="http://schemas.microsoft.com/office/drawing/2018/hyperlinkcolor" showMasterPhAnim="0" showMasterSp="0">
   <p:cSld>
     <p:spTree>
       <p:nvGrpSpPr>
-        <p:cNvPr id="78" name="Shape 78"/>
+        <p:cNvPr id="214" name="Shape 214"/>
         <p:cNvGrpSpPr/>
         <p:nvPr/>
       </p:nvGrpSpPr>
@@ -1547,7 +1444,7 @@
       </p:grpSpPr>
       <p:sp>
         <p:nvSpPr>
-          <p:cNvPr id="79" name="Google Shape;79;g1b5e63736a0_0_0:notes"/>
+          <p:cNvPr id="215" name="Google Shape;215;g1b877ee46c3_0_848:notes"/>
           <p:cNvSpPr/>
           <p:nvPr>
             <p:ph idx="2" type="sldImg"/>
@@ -1582,7 +1479,318 @@
       </p:sp>
       <p:sp>
         <p:nvSpPr>
+          <p:cNvPr id="216" name="Google Shape;216;g1b877ee46c3_0_848:notes"/>
+          <p:cNvSpPr txBox="1"/>
+          <p:nvPr>
+            <p:ph idx="1" type="body"/>
+          </p:nvPr>
+        </p:nvSpPr>
+        <p:spPr>
+          <a:xfrm>
+            <a:off x="685800" y="4343400"/>
+            <a:ext cx="5486400" cy="4114800"/>
+          </a:xfrm>
+          <a:prstGeom prst="rect">
+            <a:avLst/>
+          </a:prstGeom>
+        </p:spPr>
+        <p:txBody>
+          <a:bodyPr anchorCtr="0" anchor="t" bIns="91425" lIns="91425" spcFirstLastPara="1" rIns="91425" wrap="square" tIns="91425">
+            <a:noAutofit/>
+          </a:bodyPr>
+          <a:lstStyle/>
+          <a:p>
+            <a:pPr indent="0" lvl="0" marL="0" rtl="0" algn="l">
+              <a:spcBef>
+                <a:spcPts val="0"/>
+              </a:spcBef>
+              <a:spcAft>
+                <a:spcPts val="0"/>
+              </a:spcAft>
+              <a:buNone/>
+            </a:pPr>
+            <a:r>
+              <a:t/>
+            </a:r>
+            <a:endParaRPr/>
+          </a:p>
+        </p:txBody>
+      </p:sp>
+    </p:spTree>
+  </p:cSld>
+  <p:clrMapOvr>
+    <a:masterClrMapping/>
+  </p:clrMapOvr>
+</p:notes>
+</file>
+
+<file path=ppt/notesSlides/notesSlide2.xml><?xml version="1.0" encoding="utf-8"?>
+<p:notes xmlns:a="http://schemas.openxmlformats.org/drawingml/2006/main" xmlns:r="http://schemas.openxmlformats.org/officeDocument/2006/relationships" xmlns:mc="http://schemas.openxmlformats.org/markup-compatibility/2006" xmlns:mv="urn:schemas-microsoft-com:mac:vml" xmlns:p="http://schemas.openxmlformats.org/presentationml/2006/main" xmlns:c="http://schemas.openxmlformats.org/drawingml/2006/chart" xmlns:dgm="http://schemas.openxmlformats.org/drawingml/2006/diagram" xmlns:o="urn:schemas-microsoft-com:office:office" xmlns:v="urn:schemas-microsoft-com:vml" xmlns:pvml="urn:schemas-microsoft-com:office:powerpoint" xmlns:com="http://schemas.openxmlformats.org/drawingml/2006/compatibility" xmlns:p14="http://schemas.microsoft.com/office/powerpoint/2010/main" xmlns:p15="http://schemas.microsoft.com/office/powerpoint/2012/main" xmlns:ahyp="http://schemas.microsoft.com/office/drawing/2018/hyperlinkcolor" showMasterPhAnim="0" showMasterSp="0">
+  <p:cSld>
+    <p:spTree>
+      <p:nvGrpSpPr>
+        <p:cNvPr id="65" name="Shape 65"/>
+        <p:cNvGrpSpPr/>
+        <p:nvPr/>
+      </p:nvGrpSpPr>
+      <p:grpSpPr>
+        <a:xfrm>
+          <a:off x="0" y="0"/>
+          <a:ext cx="0" cy="0"/>
+          <a:chOff x="0" y="0"/>
+          <a:chExt cx="0" cy="0"/>
+        </a:xfrm>
+      </p:grpSpPr>
+      <p:sp>
+        <p:nvSpPr>
+          <p:cNvPr id="66" name="Google Shape;66;g1b877ee46c3_0_2627:notes"/>
+          <p:cNvSpPr/>
+          <p:nvPr>
+            <p:ph idx="2" type="sldImg"/>
+          </p:nvPr>
+        </p:nvSpPr>
+        <p:spPr>
+          <a:xfrm>
+            <a:off x="381300" y="685800"/>
+            <a:ext cx="6096000" cy="3429000"/>
+          </a:xfrm>
+          <a:custGeom>
+            <a:rect b="b" l="l" r="r" t="t"/>
+            <a:pathLst>
+              <a:path extrusionOk="0" h="120000" w="120000">
+                <a:moveTo>
+                  <a:pt x="0" y="0"/>
+                </a:moveTo>
+                <a:lnTo>
+                  <a:pt x="120000" y="0"/>
+                </a:lnTo>
+                <a:lnTo>
+                  <a:pt x="120000" y="120000"/>
+                </a:lnTo>
+                <a:lnTo>
+                  <a:pt x="0" y="120000"/>
+                </a:lnTo>
+                <a:close/>
+              </a:path>
+            </a:pathLst>
+          </a:custGeom>
+        </p:spPr>
+      </p:sp>
+      <p:sp>
+        <p:nvSpPr>
+          <p:cNvPr id="67" name="Google Shape;67;g1b877ee46c3_0_2627:notes"/>
+          <p:cNvSpPr txBox="1"/>
+          <p:nvPr>
+            <p:ph idx="1" type="body"/>
+          </p:nvPr>
+        </p:nvSpPr>
+        <p:spPr>
+          <a:xfrm>
+            <a:off x="685800" y="4343400"/>
+            <a:ext cx="5486400" cy="4114800"/>
+          </a:xfrm>
+          <a:prstGeom prst="rect">
+            <a:avLst/>
+          </a:prstGeom>
+        </p:spPr>
+        <p:txBody>
+          <a:bodyPr anchorCtr="0" anchor="t" bIns="91425" lIns="91425" spcFirstLastPara="1" rIns="91425" wrap="square" tIns="91425">
+            <a:noAutofit/>
+          </a:bodyPr>
+          <a:lstStyle/>
+          <a:p>
+            <a:pPr indent="0" lvl="0" marL="0" rtl="0" algn="l">
+              <a:spcBef>
+                <a:spcPts val="0"/>
+              </a:spcBef>
+              <a:spcAft>
+                <a:spcPts val="0"/>
+              </a:spcAft>
+              <a:buNone/>
+            </a:pPr>
+            <a:r>
+              <a:rPr lang="en"/>
+              <a:t>Social media users have been increasing rapidly, with an average annual growth rate of about 10% in the last two years. As of 2021, there are 4.2 billion users.</a:t>
+            </a:r>
+            <a:endParaRPr/>
+          </a:p>
+          <a:p>
+            <a:pPr indent="0" lvl="0" marL="0" rtl="0" algn="l">
+              <a:spcBef>
+                <a:spcPts val="0"/>
+              </a:spcBef>
+              <a:spcAft>
+                <a:spcPts val="0"/>
+              </a:spcAft>
+              <a:buNone/>
+            </a:pPr>
+            <a:r>
+              <a:rPr lang="en"/>
+              <a:t>As the </a:t>
+            </a:r>
+            <a:r>
+              <a:rPr lang="en"/>
+              <a:t>number</a:t>
+            </a:r>
+            <a:r>
+              <a:rPr lang="en"/>
+              <a:t> of users increase the production and consumption of the content created by them also increases. Along with this comes content moderation challenges. </a:t>
+            </a:r>
+            <a:endParaRPr/>
+          </a:p>
+          <a:p>
+            <a:pPr indent="0" lvl="0" marL="0" rtl="0" algn="l">
+              <a:spcBef>
+                <a:spcPts val="0"/>
+              </a:spcBef>
+              <a:spcAft>
+                <a:spcPts val="0"/>
+              </a:spcAft>
+              <a:buNone/>
+            </a:pPr>
+            <a:r>
+              <a:rPr lang="en"/>
+              <a:t>According to a study done in 2015, about 67% of people in the US </a:t>
+            </a:r>
+            <a:r>
+              <a:rPr lang="en"/>
+              <a:t>agreed</a:t>
+            </a:r>
+            <a:r>
+              <a:rPr lang="en"/>
+              <a:t> that “People should be able to make statements that are offensive to minority groups publicly”. This implies that more than half the population would prefer</a:t>
+            </a:r>
+            <a:r>
+              <a:rPr lang="en"/>
+              <a:t> free speech over moderated content. This brings in new challenges for everyone in the society where social media can be used to disrupt peace and cause political tensions. Even more so is the impact on online platforms that face huge liabilities if unchecked toxic content on their website causes catastrophic events. They are burdened with lawsuits, bad image connotations and consequent reduction in revenues.</a:t>
+            </a:r>
+            <a:endParaRPr/>
+          </a:p>
+          <a:p>
+            <a:pPr indent="0" lvl="0" marL="0" rtl="0" algn="l">
+              <a:spcBef>
+                <a:spcPts val="0"/>
+              </a:spcBef>
+              <a:spcAft>
+                <a:spcPts val="0"/>
+              </a:spcAft>
+              <a:buNone/>
+            </a:pPr>
+            <a:r>
+              <a:t/>
+            </a:r>
+            <a:endParaRPr/>
+          </a:p>
+          <a:p>
+            <a:pPr indent="0" lvl="0" marL="0" rtl="0" algn="l">
+              <a:spcBef>
+                <a:spcPts val="0"/>
+              </a:spcBef>
+              <a:spcAft>
+                <a:spcPts val="0"/>
+              </a:spcAft>
+              <a:buNone/>
+            </a:pPr>
+            <a:r>
+              <a:rPr lang="en" u="sng">
+                <a:solidFill>
+                  <a:schemeClr val="hlink"/>
+                </a:solidFill>
+                <a:hlinkClick r:id="rId2"/>
+              </a:rPr>
+              <a:t>h</a:t>
+            </a:r>
+            <a:r>
+              <a:rPr lang="en" u="sng">
+                <a:solidFill>
+                  <a:schemeClr val="hlink"/>
+                </a:solidFill>
+                <a:hlinkClick r:id="rId3"/>
+              </a:rPr>
+              <a:t>ttps://www.cfr.org/backgrounder/hate-speech-social-media-global-comparisons#chapter-title-0-4</a:t>
+            </a:r>
+            <a:endParaRPr/>
+          </a:p>
+          <a:p>
+            <a:pPr indent="0" lvl="0" marL="0" rtl="0" algn="l">
+              <a:spcBef>
+                <a:spcPts val="0"/>
+              </a:spcBef>
+              <a:spcAft>
+                <a:spcPts val="0"/>
+              </a:spcAft>
+              <a:buNone/>
+            </a:pPr>
+            <a:r>
+              <a:t/>
+            </a:r>
+            <a:endParaRPr/>
+          </a:p>
+        </p:txBody>
+      </p:sp>
+    </p:spTree>
+  </p:cSld>
+  <p:clrMapOvr>
+    <a:masterClrMapping/>
+  </p:clrMapOvr>
+</p:notes>
+</file>
+
+<file path=ppt/notesSlides/notesSlide3.xml><?xml version="1.0" encoding="utf-8"?>
+<p:notes xmlns:a="http://schemas.openxmlformats.org/drawingml/2006/main" xmlns:r="http://schemas.openxmlformats.org/officeDocument/2006/relationships" xmlns:mc="http://schemas.openxmlformats.org/markup-compatibility/2006" xmlns:mv="urn:schemas-microsoft-com:mac:vml" xmlns:p="http://schemas.openxmlformats.org/presentationml/2006/main" xmlns:c="http://schemas.openxmlformats.org/drawingml/2006/chart" xmlns:dgm="http://schemas.openxmlformats.org/drawingml/2006/diagram" xmlns:o="urn:schemas-microsoft-com:office:office" xmlns:v="urn:schemas-microsoft-com:vml" xmlns:pvml="urn:schemas-microsoft-com:office:powerpoint" xmlns:com="http://schemas.openxmlformats.org/drawingml/2006/compatibility" xmlns:p14="http://schemas.microsoft.com/office/powerpoint/2010/main" xmlns:p15="http://schemas.microsoft.com/office/powerpoint/2012/main" xmlns:ahyp="http://schemas.microsoft.com/office/drawing/2018/hyperlinkcolor" showMasterPhAnim="0" showMasterSp="0">
+  <p:cSld>
+    <p:spTree>
+      <p:nvGrpSpPr>
+        <p:cNvPr id="79" name="Shape 79"/>
+        <p:cNvGrpSpPr/>
+        <p:nvPr/>
+      </p:nvGrpSpPr>
+      <p:grpSpPr>
+        <a:xfrm>
+          <a:off x="0" y="0"/>
+          <a:ext cx="0" cy="0"/>
+          <a:chOff x="0" y="0"/>
+          <a:chExt cx="0" cy="0"/>
+        </a:xfrm>
+      </p:grpSpPr>
+      <p:sp>
+        <p:nvSpPr>
           <p:cNvPr id="80" name="Google Shape;80;g1b5e63736a0_0_0:notes"/>
+          <p:cNvSpPr/>
+          <p:nvPr>
+            <p:ph idx="2" type="sldImg"/>
+          </p:nvPr>
+        </p:nvSpPr>
+        <p:spPr>
+          <a:xfrm>
+            <a:off x="381300" y="685800"/>
+            <a:ext cx="6096000" cy="3429000"/>
+          </a:xfrm>
+          <a:custGeom>
+            <a:rect b="b" l="l" r="r" t="t"/>
+            <a:pathLst>
+              <a:path extrusionOk="0" h="120000" w="120000">
+                <a:moveTo>
+                  <a:pt x="0" y="0"/>
+                </a:moveTo>
+                <a:lnTo>
+                  <a:pt x="120000" y="0"/>
+                </a:lnTo>
+                <a:lnTo>
+                  <a:pt x="120000" y="120000"/>
+                </a:lnTo>
+                <a:lnTo>
+                  <a:pt x="0" y="120000"/>
+                </a:lnTo>
+                <a:close/>
+              </a:path>
+            </a:pathLst>
+          </a:custGeom>
+        </p:spPr>
+      </p:sp>
+      <p:sp>
+        <p:nvSpPr>
+          <p:cNvPr id="81" name="Google Shape;81;g1b5e63736a0_0_0:notes"/>
           <p:cNvSpPr txBox="1"/>
           <p:nvPr>
             <p:ph idx="1" type="body"/>
@@ -1656,7 +1864,7 @@
   <p:cSld>
     <p:spTree>
       <p:nvGrpSpPr>
-        <p:cNvPr id="84" name="Shape 84"/>
+        <p:cNvPr id="85" name="Shape 85"/>
         <p:cNvGrpSpPr/>
         <p:nvPr/>
       </p:nvGrpSpPr>
@@ -1670,7 +1878,7 @@
       </p:grpSpPr>
       <p:sp>
         <p:nvSpPr>
-          <p:cNvPr id="85" name="Google Shape;85;g1b5e63736a0_0_5:notes"/>
+          <p:cNvPr id="86" name="Google Shape;86;g1b5e63736a0_0_5:notes"/>
           <p:cNvSpPr/>
           <p:nvPr>
             <p:ph idx="2" type="sldImg"/>
@@ -1705,7 +1913,7 @@
       </p:sp>
       <p:sp>
         <p:nvSpPr>
-          <p:cNvPr id="86" name="Google Shape;86;g1b5e63736a0_0_5:notes"/>
+          <p:cNvPr id="87" name="Google Shape;87;g1b5e63736a0_0_5:notes"/>
           <p:cNvSpPr txBox="1"/>
           <p:nvPr>
             <p:ph idx="1" type="body"/>
@@ -1755,7 +1963,7 @@
   <p:cSld>
     <p:spTree>
       <p:nvGrpSpPr>
-        <p:cNvPr id="94" name="Shape 94"/>
+        <p:cNvPr id="95" name="Shape 95"/>
         <p:cNvGrpSpPr/>
         <p:nvPr/>
       </p:nvGrpSpPr>
@@ -1769,7 +1977,7 @@
       </p:grpSpPr>
       <p:sp>
         <p:nvSpPr>
-          <p:cNvPr id="95" name="Google Shape;95;g1b5e63736a0_0_10:notes"/>
+          <p:cNvPr id="96" name="Google Shape;96;g1b5e63736a0_0_10:notes"/>
           <p:cNvSpPr/>
           <p:nvPr>
             <p:ph idx="2" type="sldImg"/>
@@ -1804,7 +2012,7 @@
       </p:sp>
       <p:sp>
         <p:nvSpPr>
-          <p:cNvPr id="96" name="Google Shape;96;g1b5e63736a0_0_10:notes"/>
+          <p:cNvPr id="97" name="Google Shape;97;g1b5e63736a0_0_10:notes"/>
           <p:cNvSpPr txBox="1"/>
           <p:nvPr>
             <p:ph idx="1" type="body"/>
@@ -1855,7 +2063,7 @@
   <p:cSld>
     <p:spTree>
       <p:nvGrpSpPr>
-        <p:cNvPr id="111" name="Shape 111"/>
+        <p:cNvPr id="112" name="Shape 112"/>
         <p:cNvGrpSpPr/>
         <p:nvPr/>
       </p:nvGrpSpPr>
@@ -1869,7 +2077,7 @@
       </p:grpSpPr>
       <p:sp>
         <p:nvSpPr>
-          <p:cNvPr id="112" name="Google Shape;112;g1b877ee46c3_0_829:notes"/>
+          <p:cNvPr id="113" name="Google Shape;113;g1b877ee46c3_0_829:notes"/>
           <p:cNvSpPr/>
           <p:nvPr>
             <p:ph idx="2" type="sldImg"/>
@@ -1904,7 +2112,7 @@
       </p:sp>
       <p:sp>
         <p:nvSpPr>
-          <p:cNvPr id="113" name="Google Shape;113;g1b877ee46c3_0_829:notes"/>
+          <p:cNvPr id="114" name="Google Shape;114;g1b877ee46c3_0_829:notes"/>
           <p:cNvSpPr txBox="1"/>
           <p:nvPr>
             <p:ph idx="1" type="body"/>
@@ -1987,7 +2195,7 @@
   <p:cSld>
     <p:spTree>
       <p:nvGrpSpPr>
-        <p:cNvPr id="119" name="Shape 119"/>
+        <p:cNvPr id="120" name="Shape 120"/>
         <p:cNvGrpSpPr/>
         <p:nvPr/>
       </p:nvGrpSpPr>
@@ -2001,7 +2209,7 @@
       </p:grpSpPr>
       <p:sp>
         <p:nvSpPr>
-          <p:cNvPr id="120" name="Google Shape;120;g1b5e63736a0_0_15:notes"/>
+          <p:cNvPr id="121" name="Google Shape;121;g1b5e63736a0_0_15:notes"/>
           <p:cNvSpPr/>
           <p:nvPr>
             <p:ph idx="2" type="sldImg"/>
@@ -2036,7 +2244,7 @@
       </p:sp>
       <p:sp>
         <p:nvSpPr>
-          <p:cNvPr id="121" name="Google Shape;121;g1b5e63736a0_0_15:notes"/>
+          <p:cNvPr id="122" name="Google Shape;122;g1b5e63736a0_0_15:notes"/>
           <p:cNvSpPr txBox="1"/>
           <p:nvPr>
             <p:ph idx="1" type="body"/>
@@ -2086,7 +2294,7 @@
   <p:cSld>
     <p:spTree>
       <p:nvGrpSpPr>
-        <p:cNvPr id="145" name="Shape 145"/>
+        <p:cNvPr id="146" name="Shape 146"/>
         <p:cNvGrpSpPr/>
         <p:nvPr/>
       </p:nvGrpSpPr>
@@ -2100,7 +2308,7 @@
       </p:grpSpPr>
       <p:sp>
         <p:nvSpPr>
-          <p:cNvPr id="146" name="Google Shape;146;g1b877ee46c3_2_0:notes"/>
+          <p:cNvPr id="147" name="Google Shape;147;g1b877ee46c3_2_0:notes"/>
           <p:cNvSpPr/>
           <p:nvPr>
             <p:ph idx="2" type="sldImg"/>
@@ -2135,7 +2343,7 @@
       </p:sp>
       <p:sp>
         <p:nvSpPr>
-          <p:cNvPr id="147" name="Google Shape;147;g1b877ee46c3_2_0:notes"/>
+          <p:cNvPr id="148" name="Google Shape;148;g1b877ee46c3_2_0:notes"/>
           <p:cNvSpPr txBox="1"/>
           <p:nvPr>
             <p:ph idx="1" type="body"/>
@@ -2185,7 +2393,7 @@
   <p:cSld>
     <p:spTree>
       <p:nvGrpSpPr>
-        <p:cNvPr id="152" name="Shape 152"/>
+        <p:cNvPr id="153" name="Shape 153"/>
         <p:cNvGrpSpPr/>
         <p:nvPr/>
       </p:nvGrpSpPr>
@@ -2199,7 +2407,7 @@
       </p:grpSpPr>
       <p:sp>
         <p:nvSpPr>
-          <p:cNvPr id="153" name="Google Shape;153;g1b877ee46c3_2_5:notes"/>
+          <p:cNvPr id="154" name="Google Shape;154;g1b9d80fcd9d_0_0:notes"/>
           <p:cNvSpPr/>
           <p:nvPr>
             <p:ph idx="2" type="sldImg"/>
@@ -2234,7 +2442,7 @@
       </p:sp>
       <p:sp>
         <p:nvSpPr>
-          <p:cNvPr id="154" name="Google Shape;154;g1b877ee46c3_2_5:notes"/>
+          <p:cNvPr id="155" name="Google Shape;155;g1b9d80fcd9d_0_0:notes"/>
           <p:cNvSpPr txBox="1"/>
           <p:nvPr>
             <p:ph idx="1" type="body"/>
@@ -2256,16 +2464,201 @@
           <a:lstStyle/>
           <a:p>
             <a:pPr indent="0" lvl="0" marL="0" rtl="0" algn="l">
-              <a:spcBef>
-                <a:spcPts val="0"/>
-              </a:spcBef>
-              <a:spcAft>
-                <a:spcPts val="0"/>
-              </a:spcAft>
+              <a:lnSpc>
+                <a:spcPct val="115000"/>
+              </a:lnSpc>
+              <a:spcBef>
+                <a:spcPts val="0"/>
+              </a:spcBef>
+              <a:spcAft>
+                <a:spcPts val="0"/>
+              </a:spcAft>
+              <a:buClr>
+                <a:schemeClr val="dk1"/>
+              </a:buClr>
+              <a:buSzPts val="1100"/>
+              <a:buFont typeface="Arial"/>
               <a:buNone/>
             </a:pPr>
             <a:r>
-              <a:t/>
+              <a:rPr lang="en" sz="1200">
+                <a:solidFill>
+                  <a:schemeClr val="dk1"/>
+                </a:solidFill>
+                <a:latin typeface="Roboto"/>
+                <a:ea typeface="Roboto"/>
+                <a:cs typeface="Roboto"/>
+                <a:sym typeface="Roboto"/>
+              </a:rPr>
+              <a:t>roc_auc_score: </a:t>
+            </a:r>
+            <a:r>
+              <a:rPr b="1" lang="en" sz="1200">
+                <a:solidFill>
+                  <a:schemeClr val="dk1"/>
+                </a:solidFill>
+                <a:latin typeface="Roboto"/>
+                <a:ea typeface="Roboto"/>
+                <a:cs typeface="Roboto"/>
+                <a:sym typeface="Roboto"/>
+              </a:rPr>
+              <a:t>0.95</a:t>
+            </a:r>
+            <a:endParaRPr sz="1200">
+              <a:solidFill>
+                <a:schemeClr val="dk1"/>
+              </a:solidFill>
+              <a:latin typeface="Roboto"/>
+              <a:ea typeface="Roboto"/>
+              <a:cs typeface="Roboto"/>
+              <a:sym typeface="Roboto"/>
+            </a:endParaRPr>
+          </a:p>
+          <a:p>
+            <a:pPr indent="0" lvl="0" marL="0" rtl="0" algn="l">
+              <a:lnSpc>
+                <a:spcPct val="115000"/>
+              </a:lnSpc>
+              <a:spcBef>
+                <a:spcPts val="0"/>
+              </a:spcBef>
+              <a:spcAft>
+                <a:spcPts val="0"/>
+              </a:spcAft>
+              <a:buClr>
+                <a:schemeClr val="dk1"/>
+              </a:buClr>
+              <a:buSzPts val="1100"/>
+              <a:buFont typeface="Arial"/>
+              <a:buNone/>
+            </a:pPr>
+            <a:r>
+              <a:rPr lang="en" sz="1200">
+                <a:solidFill>
+                  <a:schemeClr val="dk1"/>
+                </a:solidFill>
+                <a:latin typeface="Roboto"/>
+                <a:ea typeface="Roboto"/>
+                <a:cs typeface="Roboto"/>
+                <a:sym typeface="Roboto"/>
+              </a:rPr>
+              <a:t>Recall: </a:t>
+            </a:r>
+            <a:r>
+              <a:rPr b="1" lang="en" sz="1200">
+                <a:solidFill>
+                  <a:schemeClr val="dk1"/>
+                </a:solidFill>
+                <a:latin typeface="Roboto"/>
+                <a:ea typeface="Roboto"/>
+                <a:cs typeface="Roboto"/>
+                <a:sym typeface="Roboto"/>
+              </a:rPr>
+              <a:t>0.56</a:t>
+            </a:r>
+            <a:endParaRPr sz="1200">
+              <a:solidFill>
+                <a:schemeClr val="dk1"/>
+              </a:solidFill>
+              <a:latin typeface="Roboto"/>
+              <a:ea typeface="Roboto"/>
+              <a:cs typeface="Roboto"/>
+              <a:sym typeface="Roboto"/>
+            </a:endParaRPr>
+          </a:p>
+          <a:p>
+            <a:pPr indent="0" lvl="0" marL="0" rtl="0" algn="l">
+              <a:lnSpc>
+                <a:spcPct val="115000"/>
+              </a:lnSpc>
+              <a:spcBef>
+                <a:spcPts val="0"/>
+              </a:spcBef>
+              <a:spcAft>
+                <a:spcPts val="0"/>
+              </a:spcAft>
+              <a:buClr>
+                <a:schemeClr val="dk1"/>
+              </a:buClr>
+              <a:buSzPts val="1100"/>
+              <a:buFont typeface="Arial"/>
+              <a:buNone/>
+            </a:pPr>
+            <a:r>
+              <a:rPr lang="en" sz="1200">
+                <a:solidFill>
+                  <a:schemeClr val="dk1"/>
+                </a:solidFill>
+                <a:latin typeface="Roboto"/>
+                <a:ea typeface="Roboto"/>
+                <a:cs typeface="Roboto"/>
+                <a:sym typeface="Roboto"/>
+              </a:rPr>
+              <a:t>Precision: </a:t>
+            </a:r>
+            <a:r>
+              <a:rPr b="1" lang="en" sz="1200">
+                <a:solidFill>
+                  <a:schemeClr val="dk1"/>
+                </a:solidFill>
+                <a:latin typeface="Roboto"/>
+                <a:ea typeface="Roboto"/>
+                <a:cs typeface="Roboto"/>
+                <a:sym typeface="Roboto"/>
+              </a:rPr>
+              <a:t>0.82</a:t>
+            </a:r>
+            <a:endParaRPr sz="1200">
+              <a:solidFill>
+                <a:schemeClr val="dk1"/>
+              </a:solidFill>
+              <a:latin typeface="Roboto"/>
+              <a:ea typeface="Roboto"/>
+              <a:cs typeface="Roboto"/>
+              <a:sym typeface="Roboto"/>
+            </a:endParaRPr>
+          </a:p>
+          <a:p>
+            <a:pPr indent="0" lvl="0" marL="0" rtl="0" algn="l">
+              <a:lnSpc>
+                <a:spcPct val="115000"/>
+              </a:lnSpc>
+              <a:spcBef>
+                <a:spcPts val="0"/>
+              </a:spcBef>
+              <a:spcAft>
+                <a:spcPts val="0"/>
+              </a:spcAft>
+              <a:buClr>
+                <a:schemeClr val="dk1"/>
+              </a:buClr>
+              <a:buSzPts val="1100"/>
+              <a:buFont typeface="Arial"/>
+              <a:buNone/>
+            </a:pPr>
+            <a:r>
+              <a:rPr lang="en" sz="1200">
+                <a:solidFill>
+                  <a:schemeClr val="dk1"/>
+                </a:solidFill>
+                <a:latin typeface="Roboto"/>
+                <a:ea typeface="Roboto"/>
+                <a:cs typeface="Roboto"/>
+                <a:sym typeface="Roboto"/>
+              </a:rPr>
+              <a:t>F1_score: </a:t>
+            </a:r>
+            <a:r>
+              <a:rPr b="1" lang="en" sz="1200">
+                <a:solidFill>
+                  <a:schemeClr val="dk1"/>
+                </a:solidFill>
+                <a:latin typeface="Roboto"/>
+                <a:ea typeface="Roboto"/>
+                <a:cs typeface="Roboto"/>
+                <a:sym typeface="Roboto"/>
+              </a:rPr>
+              <a:t>0.66</a:t>
             </a:r>
             <a:endParaRPr/>
           </a:p>
@@ -7801,6 +8194,198 @@
           </a:p>
         </p:txBody>
       </p:sp>
+      <p:sp>
+        <p:nvSpPr>
+          <p:cNvPr id="64" name="Google Shape;64;p13"/>
+          <p:cNvSpPr txBox="1"/>
+          <p:nvPr/>
+        </p:nvSpPr>
+        <p:spPr>
+          <a:xfrm>
+            <a:off x="7314000" y="3268975"/>
+            <a:ext cx="1830000" cy="1754700"/>
+          </a:xfrm>
+          <a:prstGeom prst="rect">
+            <a:avLst/>
+          </a:prstGeom>
+          <a:noFill/>
+          <a:ln>
+            <a:noFill/>
+          </a:ln>
+        </p:spPr>
+        <p:txBody>
+          <a:bodyPr anchorCtr="0" anchor="t" bIns="91425" lIns="91425" spcFirstLastPara="1" rIns="91425" wrap="square" tIns="91425">
+            <a:spAutoFit/>
+          </a:bodyPr>
+          <a:lstStyle/>
+          <a:p>
+            <a:pPr indent="0" lvl="0" marL="0" rtl="0" algn="l">
+              <a:spcBef>
+                <a:spcPts val="0"/>
+              </a:spcBef>
+              <a:spcAft>
+                <a:spcPts val="0"/>
+              </a:spcAft>
+              <a:buNone/>
+            </a:pPr>
+            <a:r>
+              <a:rPr b="1" lang="en" sz="1700">
+                <a:latin typeface="Economica"/>
+                <a:ea typeface="Economica"/>
+                <a:cs typeface="Economica"/>
+                <a:sym typeface="Economica"/>
+              </a:rPr>
+              <a:t>Team Blue:</a:t>
+            </a:r>
+            <a:endParaRPr b="1" sz="1700">
+              <a:latin typeface="Economica"/>
+              <a:ea typeface="Economica"/>
+              <a:cs typeface="Economica"/>
+              <a:sym typeface="Economica"/>
+            </a:endParaRPr>
+          </a:p>
+          <a:p>
+            <a:pPr indent="0" lvl="0" marL="0" rtl="0" algn="l">
+              <a:spcBef>
+                <a:spcPts val="0"/>
+              </a:spcBef>
+              <a:spcAft>
+                <a:spcPts val="0"/>
+              </a:spcAft>
+              <a:buNone/>
+            </a:pPr>
+            <a:r>
+              <a:rPr lang="en" sz="1700">
+                <a:latin typeface="Economica"/>
+                <a:ea typeface="Economica"/>
+                <a:cs typeface="Economica"/>
+                <a:sym typeface="Economica"/>
+              </a:rPr>
+              <a:t>Amrita Ligga</a:t>
+            </a:r>
+            <a:endParaRPr sz="1700">
+              <a:latin typeface="Economica"/>
+              <a:ea typeface="Economica"/>
+              <a:cs typeface="Economica"/>
+              <a:sym typeface="Economica"/>
+            </a:endParaRPr>
+          </a:p>
+          <a:p>
+            <a:pPr indent="0" lvl="0" marL="0" rtl="0" algn="l">
+              <a:spcBef>
+                <a:spcPts val="0"/>
+              </a:spcBef>
+              <a:spcAft>
+                <a:spcPts val="0"/>
+              </a:spcAft>
+              <a:buNone/>
+            </a:pPr>
+            <a:r>
+              <a:rPr lang="en" sz="1700">
+                <a:latin typeface="Economica"/>
+                <a:ea typeface="Economica"/>
+                <a:cs typeface="Economica"/>
+                <a:sym typeface="Economica"/>
+              </a:rPr>
+              <a:t>Rizabek Zhumkenov</a:t>
+            </a:r>
+            <a:endParaRPr sz="1700">
+              <a:latin typeface="Economica"/>
+              <a:ea typeface="Economica"/>
+              <a:cs typeface="Economica"/>
+              <a:sym typeface="Economica"/>
+            </a:endParaRPr>
+          </a:p>
+          <a:p>
+            <a:pPr indent="0" lvl="0" marL="0" rtl="0" algn="l">
+              <a:spcBef>
+                <a:spcPts val="0"/>
+              </a:spcBef>
+              <a:spcAft>
+                <a:spcPts val="0"/>
+              </a:spcAft>
+              <a:buClr>
+                <a:schemeClr val="dk1"/>
+              </a:buClr>
+              <a:buSzPts val="1100"/>
+              <a:buFont typeface="Arial"/>
+              <a:buNone/>
+            </a:pPr>
+            <a:r>
+              <a:rPr lang="en" sz="1700">
+                <a:latin typeface="Economica"/>
+                <a:ea typeface="Economica"/>
+                <a:cs typeface="Economica"/>
+                <a:sym typeface="Economica"/>
+              </a:rPr>
+              <a:t>Scott Wais</a:t>
+            </a:r>
+            <a:endParaRPr sz="1700">
+              <a:latin typeface="Economica"/>
+              <a:ea typeface="Economica"/>
+              <a:cs typeface="Economica"/>
+              <a:sym typeface="Economica"/>
+            </a:endParaRPr>
+          </a:p>
+          <a:p>
+            <a:pPr indent="0" lvl="0" marL="0" rtl="0" algn="l">
+              <a:spcBef>
+                <a:spcPts val="0"/>
+              </a:spcBef>
+              <a:spcAft>
+                <a:spcPts val="0"/>
+              </a:spcAft>
+              <a:buClr>
+                <a:schemeClr val="dk1"/>
+              </a:buClr>
+              <a:buSzPts val="1100"/>
+              <a:buFont typeface="Arial"/>
+              <a:buNone/>
+            </a:pPr>
+            <a:r>
+              <a:rPr lang="en" sz="1700">
+                <a:latin typeface="Economica"/>
+                <a:ea typeface="Economica"/>
+                <a:cs typeface="Economica"/>
+                <a:sym typeface="Economica"/>
+              </a:rPr>
+              <a:t>Sudhanshu Rai</a:t>
+            </a:r>
+            <a:endParaRPr sz="1700">
+              <a:latin typeface="Economica"/>
+              <a:ea typeface="Economica"/>
+              <a:cs typeface="Economica"/>
+              <a:sym typeface="Economica"/>
+            </a:endParaRPr>
+          </a:p>
+          <a:p>
+            <a:pPr indent="0" lvl="0" marL="0" rtl="0" algn="l">
+              <a:spcBef>
+                <a:spcPts val="0"/>
+              </a:spcBef>
+              <a:spcAft>
+                <a:spcPts val="0"/>
+              </a:spcAft>
+              <a:buNone/>
+            </a:pPr>
+            <a:r>
+              <a:rPr lang="en" sz="1700">
+                <a:latin typeface="Economica"/>
+                <a:ea typeface="Economica"/>
+                <a:cs typeface="Economica"/>
+                <a:sym typeface="Economica"/>
+              </a:rPr>
+              <a:t>Sumeet Duddagi</a:t>
+            </a:r>
+            <a:endParaRPr sz="1700">
+              <a:latin typeface="Open Sans"/>
+              <a:ea typeface="Open Sans"/>
+              <a:cs typeface="Open Sans"/>
+              <a:sym typeface="Open Sans"/>
+            </a:endParaRPr>
+          </a:p>
+        </p:txBody>
+      </p:sp>
     </p:spTree>
   </p:cSld>
   <p:clrMapOvr>
@@ -7814,7 +8399,7 @@
   <p:cSld>
     <p:spTree>
       <p:nvGrpSpPr>
-        <p:cNvPr id="175" name="Shape 175"/>
+        <p:cNvPr id="163" name="Shape 163"/>
         <p:cNvGrpSpPr/>
         <p:nvPr/>
       </p:nvGrpSpPr>
@@ -7828,7 +8413,1510 @@
       </p:grpSpPr>
       <p:sp>
         <p:nvSpPr>
-          <p:cNvPr id="176" name="Google Shape;176;p22"/>
+          <p:cNvPr id="164" name="Google Shape;164;p22"/>
+          <p:cNvSpPr txBox="1"/>
+          <p:nvPr>
+            <p:ph type="title"/>
+          </p:nvPr>
+        </p:nvSpPr>
+        <p:spPr>
+          <a:xfrm>
+            <a:off x="311700" y="315925"/>
+            <a:ext cx="8520600" cy="831300"/>
+          </a:xfrm>
+          <a:prstGeom prst="rect">
+            <a:avLst/>
+          </a:prstGeom>
+        </p:spPr>
+        <p:txBody>
+          <a:bodyPr anchorCtr="0" anchor="b" bIns="91425" lIns="91425" spcFirstLastPara="1" rIns="91425" wrap="square" tIns="91425">
+            <a:normAutofit fontScale="90000"/>
+          </a:bodyPr>
+          <a:lstStyle/>
+          <a:p>
+            <a:pPr indent="0" lvl="0" marL="0" rtl="0" algn="l">
+              <a:spcBef>
+                <a:spcPts val="0"/>
+              </a:spcBef>
+              <a:spcAft>
+                <a:spcPts val="0"/>
+              </a:spcAft>
+              <a:buNone/>
+            </a:pPr>
+            <a:r>
+              <a:rPr lang="en"/>
+              <a:t>Deep learning</a:t>
+            </a:r>
+            <a:r>
+              <a:rPr lang="en"/>
+              <a:t> model using pre-trained word embedding</a:t>
+            </a:r>
+            <a:endParaRPr/>
+          </a:p>
+        </p:txBody>
+      </p:sp>
+      <p:grpSp>
+        <p:nvGrpSpPr>
+          <p:cNvPr id="165" name="Google Shape;165;p22"/>
+          <p:cNvGrpSpPr/>
+          <p:nvPr/>
+        </p:nvGrpSpPr>
+        <p:grpSpPr>
+          <a:xfrm>
+            <a:off x="0" y="1189989"/>
+            <a:ext cx="2214600" cy="3217636"/>
+            <a:chOff x="0" y="1189989"/>
+            <a:chExt cx="2214600" cy="3217636"/>
+          </a:xfrm>
+        </p:grpSpPr>
+        <p:sp>
+          <p:nvSpPr>
+            <p:cNvPr id="166" name="Google Shape;166;p22"/>
+            <p:cNvSpPr/>
+            <p:nvPr/>
+          </p:nvSpPr>
+          <p:spPr>
+            <a:xfrm>
+              <a:off x="0" y="1189989"/>
+              <a:ext cx="2214600" cy="669000"/>
+            </a:xfrm>
+            <a:prstGeom prst="homePlate">
+              <a:avLst>
+                <a:gd fmla="val 50000" name="adj"/>
+              </a:avLst>
+            </a:prstGeom>
+            <a:solidFill>
+              <a:srgbClr val="7F6000"/>
+            </a:solidFill>
+            <a:ln>
+              <a:noFill/>
+            </a:ln>
+            <a:effectLst>
+              <a:reflection blurRad="0" dir="5400000" dist="38100" endA="0" endPos="30000" fadeDir="5400012" kx="0" rotWithShape="0" algn="bl" stPos="0" sy="-100000" ky="0"/>
+            </a:effectLst>
+          </p:spPr>
+          <p:txBody>
+            <a:bodyPr anchorCtr="0" anchor="ctr" bIns="91425" lIns="91425" spcFirstLastPara="1" rIns="91425" wrap="square" tIns="91425">
+              <a:noAutofit/>
+            </a:bodyPr>
+            <a:lstStyle/>
+            <a:p>
+              <a:pPr indent="0" lvl="0" marL="0" rtl="0" algn="ctr">
+                <a:spcBef>
+                  <a:spcPts val="0"/>
+                </a:spcBef>
+                <a:spcAft>
+                  <a:spcPts val="0"/>
+                </a:spcAft>
+                <a:buNone/>
+              </a:pPr>
+              <a:r>
+                <a:rPr lang="en">
+                  <a:solidFill>
+                    <a:srgbClr val="FFFFFF"/>
+                  </a:solidFill>
+                  <a:latin typeface="Roboto"/>
+                  <a:ea typeface="Roboto"/>
+                  <a:cs typeface="Roboto"/>
+                  <a:sym typeface="Roboto"/>
+                </a:rPr>
+                <a:t>Input data</a:t>
+              </a:r>
+              <a:endParaRPr>
+                <a:solidFill>
+                  <a:srgbClr val="FFFFFF"/>
+                </a:solidFill>
+                <a:latin typeface="Roboto"/>
+                <a:ea typeface="Roboto"/>
+                <a:cs typeface="Roboto"/>
+                <a:sym typeface="Roboto"/>
+              </a:endParaRPr>
+            </a:p>
+          </p:txBody>
+        </p:sp>
+        <p:sp>
+          <p:nvSpPr>
+            <p:cNvPr id="167" name="Google Shape;167;p22"/>
+            <p:cNvSpPr txBox="1"/>
+            <p:nvPr/>
+          </p:nvSpPr>
+          <p:spPr>
+            <a:xfrm>
+              <a:off x="295050" y="2057125"/>
+              <a:ext cx="1624500" cy="2350500"/>
+            </a:xfrm>
+            <a:prstGeom prst="rect">
+              <a:avLst/>
+            </a:prstGeom>
+            <a:noFill/>
+            <a:ln>
+              <a:noFill/>
+            </a:ln>
+          </p:spPr>
+          <p:txBody>
+            <a:bodyPr anchorCtr="0" anchor="t" bIns="91425" lIns="91425" spcFirstLastPara="1" rIns="91425" wrap="square" tIns="91425">
+              <a:noAutofit/>
+            </a:bodyPr>
+            <a:lstStyle/>
+            <a:p>
+              <a:pPr indent="0" lvl="0" marL="0" rtl="0" algn="l">
+                <a:lnSpc>
+                  <a:spcPct val="115000"/>
+                </a:lnSpc>
+                <a:spcBef>
+                  <a:spcPts val="0"/>
+                </a:spcBef>
+                <a:spcAft>
+                  <a:spcPts val="0"/>
+                </a:spcAft>
+                <a:buNone/>
+              </a:pPr>
+              <a:r>
+                <a:rPr lang="en" sz="1200">
+                  <a:latin typeface="Roboto"/>
+                  <a:ea typeface="Roboto"/>
+                  <a:cs typeface="Roboto"/>
+                  <a:sym typeface="Roboto"/>
+                </a:rPr>
+                <a:t>Training data set contains </a:t>
+              </a:r>
+              <a:r>
+                <a:rPr b="1" lang="en" sz="1200">
+                  <a:latin typeface="Roboto"/>
+                  <a:ea typeface="Roboto"/>
+                  <a:cs typeface="Roboto"/>
+                  <a:sym typeface="Roboto"/>
+                </a:rPr>
+                <a:t>127,656</a:t>
+              </a:r>
+              <a:r>
+                <a:rPr lang="en" sz="1200">
+                  <a:latin typeface="Roboto"/>
+                  <a:ea typeface="Roboto"/>
+                  <a:cs typeface="Roboto"/>
+                  <a:sym typeface="Roboto"/>
+                </a:rPr>
+                <a:t> words (</a:t>
+              </a:r>
+              <a:r>
+                <a:rPr lang="en" sz="1200">
+                  <a:latin typeface="Roboto"/>
+                  <a:ea typeface="Roboto"/>
+                  <a:cs typeface="Roboto"/>
+                  <a:sym typeface="Roboto"/>
+                </a:rPr>
+                <a:t>lemmatized</a:t>
+              </a:r>
+              <a:r>
+                <a:rPr lang="en" sz="1200">
+                  <a:latin typeface="Roboto"/>
+                  <a:ea typeface="Roboto"/>
+                  <a:cs typeface="Roboto"/>
+                  <a:sym typeface="Roboto"/>
+                </a:rPr>
+                <a:t>). We set the padding length </a:t>
+              </a:r>
+              <a:r>
+                <a:rPr b="1" lang="en" sz="1200">
+                  <a:latin typeface="Roboto"/>
+                  <a:ea typeface="Roboto"/>
+                  <a:cs typeface="Roboto"/>
+                  <a:sym typeface="Roboto"/>
+                </a:rPr>
+                <a:t>200 </a:t>
+              </a:r>
+              <a:r>
+                <a:rPr lang="en" sz="1200">
+                  <a:latin typeface="Roboto"/>
+                  <a:ea typeface="Roboto"/>
+                  <a:cs typeface="Roboto"/>
+                  <a:sym typeface="Roboto"/>
+                </a:rPr>
+                <a:t>based on histogram below.</a:t>
+              </a:r>
+              <a:endParaRPr sz="1200">
+                <a:latin typeface="Roboto"/>
+                <a:ea typeface="Roboto"/>
+                <a:cs typeface="Roboto"/>
+                <a:sym typeface="Roboto"/>
+              </a:endParaRPr>
+            </a:p>
+            <a:p>
+              <a:pPr indent="0" lvl="0" marL="0" rtl="0" algn="l">
+                <a:lnSpc>
+                  <a:spcPct val="115000"/>
+                </a:lnSpc>
+                <a:spcBef>
+                  <a:spcPts val="0"/>
+                </a:spcBef>
+                <a:spcAft>
+                  <a:spcPts val="0"/>
+                </a:spcAft>
+                <a:buNone/>
+              </a:pPr>
+              <a:r>
+                <a:rPr lang="en" sz="1200">
+                  <a:latin typeface="Roboto"/>
+                  <a:ea typeface="Roboto"/>
+                  <a:cs typeface="Roboto"/>
+                  <a:sym typeface="Roboto"/>
+                </a:rPr>
+                <a:t>Input matrix size is</a:t>
+              </a:r>
+              <a:endParaRPr sz="1200">
+                <a:latin typeface="Roboto"/>
+                <a:ea typeface="Roboto"/>
+                <a:cs typeface="Roboto"/>
+                <a:sym typeface="Roboto"/>
+              </a:endParaRPr>
+            </a:p>
+            <a:p>
+              <a:pPr indent="0" lvl="0" marL="0" rtl="0" algn="l">
+                <a:lnSpc>
+                  <a:spcPct val="115000"/>
+                </a:lnSpc>
+                <a:spcBef>
+                  <a:spcPts val="0"/>
+                </a:spcBef>
+                <a:spcAft>
+                  <a:spcPts val="0"/>
+                </a:spcAft>
+                <a:buNone/>
+              </a:pPr>
+              <a:r>
+                <a:rPr lang="en" sz="1200">
+                  <a:latin typeface="Roboto"/>
+                  <a:ea typeface="Roboto"/>
+                  <a:cs typeface="Roboto"/>
+                  <a:sym typeface="Roboto"/>
+                </a:rPr>
+                <a:t>127,656x200</a:t>
+              </a:r>
+              <a:endParaRPr sz="1200">
+                <a:latin typeface="Roboto"/>
+                <a:ea typeface="Roboto"/>
+                <a:cs typeface="Roboto"/>
+                <a:sym typeface="Roboto"/>
+              </a:endParaRPr>
+            </a:p>
+          </p:txBody>
+        </p:sp>
+      </p:grpSp>
+      <p:grpSp>
+        <p:nvGrpSpPr>
+          <p:cNvPr id="168" name="Google Shape;168;p22"/>
+          <p:cNvGrpSpPr/>
+          <p:nvPr/>
+        </p:nvGrpSpPr>
+        <p:grpSpPr>
+          <a:xfrm>
+            <a:off x="1838325" y="1189775"/>
+            <a:ext cx="2064000" cy="3217850"/>
+            <a:chOff x="1838325" y="1189775"/>
+            <a:chExt cx="2064000" cy="3217850"/>
+          </a:xfrm>
+        </p:grpSpPr>
+        <p:sp>
+          <p:nvSpPr>
+            <p:cNvPr id="169" name="Google Shape;169;p22"/>
+            <p:cNvSpPr/>
+            <p:nvPr/>
+          </p:nvSpPr>
+          <p:spPr>
+            <a:xfrm>
+              <a:off x="1838325" y="1189775"/>
+              <a:ext cx="2064000" cy="669000"/>
+            </a:xfrm>
+            <a:prstGeom prst="chevron">
+              <a:avLst>
+                <a:gd fmla="val 50000" name="adj"/>
+              </a:avLst>
+            </a:prstGeom>
+            <a:solidFill>
+              <a:srgbClr val="BF9000"/>
+            </a:solidFill>
+            <a:ln>
+              <a:noFill/>
+            </a:ln>
+            <a:effectLst>
+              <a:reflection blurRad="0" dir="5400000" dist="38100" endA="0" endPos="30000" fadeDir="5400012" kx="0" rotWithShape="0" algn="bl" stPos="0" sy="-100000" ky="0"/>
+            </a:effectLst>
+          </p:spPr>
+          <p:txBody>
+            <a:bodyPr anchorCtr="0" anchor="ctr" bIns="91425" lIns="91425" spcFirstLastPara="1" rIns="91425" wrap="square" tIns="91425">
+              <a:noAutofit/>
+            </a:bodyPr>
+            <a:lstStyle/>
+            <a:p>
+              <a:pPr indent="0" lvl="0" marL="0" rtl="0" algn="ctr">
+                <a:spcBef>
+                  <a:spcPts val="0"/>
+                </a:spcBef>
+                <a:spcAft>
+                  <a:spcPts val="0"/>
+                </a:spcAft>
+                <a:buNone/>
+              </a:pPr>
+              <a:r>
+                <a:rPr lang="en">
+                  <a:solidFill>
+                    <a:srgbClr val="FFFFFF"/>
+                  </a:solidFill>
+                  <a:latin typeface="Roboto"/>
+                  <a:ea typeface="Roboto"/>
+                  <a:cs typeface="Roboto"/>
+                  <a:sym typeface="Roboto"/>
+                </a:rPr>
+                <a:t>Embeddings</a:t>
+              </a:r>
+              <a:endParaRPr>
+                <a:solidFill>
+                  <a:srgbClr val="FFFFFF"/>
+                </a:solidFill>
+                <a:latin typeface="Roboto"/>
+                <a:ea typeface="Roboto"/>
+                <a:cs typeface="Roboto"/>
+                <a:sym typeface="Roboto"/>
+              </a:endParaRPr>
+            </a:p>
+          </p:txBody>
+        </p:sp>
+        <p:sp>
+          <p:nvSpPr>
+            <p:cNvPr id="170" name="Google Shape;170;p22"/>
+            <p:cNvSpPr txBox="1"/>
+            <p:nvPr/>
+          </p:nvSpPr>
+          <p:spPr>
+            <a:xfrm>
+              <a:off x="2017250" y="2057125"/>
+              <a:ext cx="1624500" cy="2350500"/>
+            </a:xfrm>
+            <a:prstGeom prst="rect">
+              <a:avLst/>
+            </a:prstGeom>
+            <a:noFill/>
+            <a:ln>
+              <a:noFill/>
+            </a:ln>
+          </p:spPr>
+          <p:txBody>
+            <a:bodyPr anchorCtr="0" anchor="t" bIns="91425" lIns="91425" spcFirstLastPara="1" rIns="91425" wrap="square" tIns="91425">
+              <a:noAutofit/>
+            </a:bodyPr>
+            <a:lstStyle/>
+            <a:p>
+              <a:pPr indent="0" lvl="0" marL="0" rtl="0" algn="l">
+                <a:lnSpc>
+                  <a:spcPct val="115000"/>
+                </a:lnSpc>
+                <a:spcBef>
+                  <a:spcPts val="0"/>
+                </a:spcBef>
+                <a:spcAft>
+                  <a:spcPts val="0"/>
+                </a:spcAft>
+                <a:buNone/>
+              </a:pPr>
+              <a:r>
+                <a:rPr lang="en" sz="1200">
+                  <a:latin typeface="Roboto"/>
+                  <a:ea typeface="Roboto"/>
+                  <a:cs typeface="Roboto"/>
+                  <a:sym typeface="Roboto"/>
+                </a:rPr>
+                <a:t>We used </a:t>
+              </a:r>
+              <a:r>
+                <a:rPr b="1" i="1" lang="en" sz="1200">
+                  <a:latin typeface="Roboto"/>
+                  <a:ea typeface="Roboto"/>
+                  <a:cs typeface="Roboto"/>
+                  <a:sym typeface="Roboto"/>
+                </a:rPr>
+                <a:t>glova</a:t>
+              </a:r>
+              <a:r>
+                <a:rPr lang="en" sz="1200">
+                  <a:latin typeface="Roboto"/>
+                  <a:ea typeface="Roboto"/>
+                  <a:cs typeface="Roboto"/>
+                  <a:sym typeface="Roboto"/>
+                </a:rPr>
+                <a:t> embedding that has size </a:t>
+              </a:r>
+              <a:r>
+                <a:rPr b="1" lang="en" sz="1200">
+                  <a:latin typeface="Roboto"/>
+                  <a:ea typeface="Roboto"/>
+                  <a:cs typeface="Roboto"/>
+                  <a:sym typeface="Roboto"/>
+                </a:rPr>
+                <a:t>100</a:t>
+              </a:r>
+              <a:r>
+                <a:rPr lang="en" sz="1200">
+                  <a:latin typeface="Roboto"/>
+                  <a:ea typeface="Roboto"/>
+                  <a:cs typeface="Roboto"/>
+                  <a:sym typeface="Roboto"/>
+                </a:rPr>
+                <a:t>.</a:t>
+              </a:r>
+              <a:endParaRPr sz="1200">
+                <a:latin typeface="Roboto"/>
+                <a:ea typeface="Roboto"/>
+                <a:cs typeface="Roboto"/>
+                <a:sym typeface="Roboto"/>
+              </a:endParaRPr>
+            </a:p>
+            <a:p>
+              <a:pPr indent="0" lvl="0" marL="0" rtl="0" algn="l">
+                <a:lnSpc>
+                  <a:spcPct val="115000"/>
+                </a:lnSpc>
+                <a:spcBef>
+                  <a:spcPts val="0"/>
+                </a:spcBef>
+                <a:spcAft>
+                  <a:spcPts val="0"/>
+                </a:spcAft>
+                <a:buNone/>
+              </a:pPr>
+              <a:r>
+                <a:t/>
+              </a:r>
+              <a:endParaRPr sz="1200">
+                <a:latin typeface="Roboto"/>
+                <a:ea typeface="Roboto"/>
+                <a:cs typeface="Roboto"/>
+                <a:sym typeface="Roboto"/>
+              </a:endParaRPr>
+            </a:p>
+            <a:p>
+              <a:pPr indent="0" lvl="0" marL="0" rtl="0" algn="l">
+                <a:lnSpc>
+                  <a:spcPct val="115000"/>
+                </a:lnSpc>
+                <a:spcBef>
+                  <a:spcPts val="0"/>
+                </a:spcBef>
+                <a:spcAft>
+                  <a:spcPts val="0"/>
+                </a:spcAft>
+                <a:buNone/>
+              </a:pPr>
+              <a:r>
+                <a:rPr lang="en" sz="1200">
+                  <a:latin typeface="Roboto"/>
+                  <a:ea typeface="Roboto"/>
+                  <a:cs typeface="Roboto"/>
+                  <a:sym typeface="Roboto"/>
+                </a:rPr>
+                <a:t>Vocab size of </a:t>
+              </a:r>
+              <a:r>
+                <a:rPr lang="en" sz="1200">
+                  <a:latin typeface="Roboto"/>
+                  <a:ea typeface="Roboto"/>
+                  <a:cs typeface="Roboto"/>
+                  <a:sym typeface="Roboto"/>
+                </a:rPr>
+                <a:t>training</a:t>
+              </a:r>
+              <a:r>
+                <a:rPr lang="en" sz="1200">
+                  <a:latin typeface="Roboto"/>
+                  <a:ea typeface="Roboto"/>
+                  <a:cs typeface="Roboto"/>
+                  <a:sym typeface="Roboto"/>
+                </a:rPr>
+                <a:t> set is 138,467.</a:t>
+              </a:r>
+              <a:endParaRPr sz="1200">
+                <a:latin typeface="Roboto"/>
+                <a:ea typeface="Roboto"/>
+                <a:cs typeface="Roboto"/>
+                <a:sym typeface="Roboto"/>
+              </a:endParaRPr>
+            </a:p>
+            <a:p>
+              <a:pPr indent="0" lvl="0" marL="0" rtl="0" algn="l">
+                <a:lnSpc>
+                  <a:spcPct val="115000"/>
+                </a:lnSpc>
+                <a:spcBef>
+                  <a:spcPts val="0"/>
+                </a:spcBef>
+                <a:spcAft>
+                  <a:spcPts val="0"/>
+                </a:spcAft>
+                <a:buNone/>
+              </a:pPr>
+              <a:r>
+                <a:t/>
+              </a:r>
+              <a:endParaRPr sz="1200">
+                <a:latin typeface="Roboto"/>
+                <a:ea typeface="Roboto"/>
+                <a:cs typeface="Roboto"/>
+                <a:sym typeface="Roboto"/>
+              </a:endParaRPr>
+            </a:p>
+            <a:p>
+              <a:pPr indent="0" lvl="0" marL="0" rtl="0" algn="l">
+                <a:lnSpc>
+                  <a:spcPct val="115000"/>
+                </a:lnSpc>
+                <a:spcBef>
+                  <a:spcPts val="0"/>
+                </a:spcBef>
+                <a:spcAft>
+                  <a:spcPts val="0"/>
+                </a:spcAft>
+                <a:buNone/>
+              </a:pPr>
+              <a:r>
+                <a:rPr lang="en" sz="1200">
+                  <a:latin typeface="Roboto"/>
+                  <a:ea typeface="Roboto"/>
+                  <a:cs typeface="Roboto"/>
+                  <a:sym typeface="Roboto"/>
+                </a:rPr>
+                <a:t>Embedding</a:t>
+              </a:r>
+              <a:r>
+                <a:rPr lang="en" sz="1200">
+                  <a:latin typeface="Roboto"/>
+                  <a:ea typeface="Roboto"/>
+                  <a:cs typeface="Roboto"/>
+                  <a:sym typeface="Roboto"/>
+                </a:rPr>
+                <a:t> matrix is </a:t>
+              </a:r>
+              <a:endParaRPr sz="1200">
+                <a:latin typeface="Roboto"/>
+                <a:ea typeface="Roboto"/>
+                <a:cs typeface="Roboto"/>
+                <a:sym typeface="Roboto"/>
+              </a:endParaRPr>
+            </a:p>
+            <a:p>
+              <a:pPr indent="0" lvl="0" marL="0" rtl="0" algn="l">
+                <a:lnSpc>
+                  <a:spcPct val="115000"/>
+                </a:lnSpc>
+                <a:spcBef>
+                  <a:spcPts val="0"/>
+                </a:spcBef>
+                <a:spcAft>
+                  <a:spcPts val="0"/>
+                </a:spcAft>
+                <a:buNone/>
+              </a:pPr>
+              <a:r>
+                <a:rPr lang="en" sz="1200">
+                  <a:solidFill>
+                    <a:schemeClr val="dk1"/>
+                  </a:solidFill>
+                  <a:latin typeface="Roboto"/>
+                  <a:ea typeface="Roboto"/>
+                  <a:cs typeface="Roboto"/>
+                  <a:sym typeface="Roboto"/>
+                </a:rPr>
+                <a:t>138,467 x 100 x 200</a:t>
+              </a:r>
+              <a:endParaRPr sz="1200">
+                <a:solidFill>
+                  <a:schemeClr val="dk1"/>
+                </a:solidFill>
+                <a:latin typeface="Roboto"/>
+                <a:ea typeface="Roboto"/>
+                <a:cs typeface="Roboto"/>
+                <a:sym typeface="Roboto"/>
+              </a:endParaRPr>
+            </a:p>
+            <a:p>
+              <a:pPr indent="0" lvl="0" marL="0" rtl="0" algn="l">
+                <a:lnSpc>
+                  <a:spcPct val="115000"/>
+                </a:lnSpc>
+                <a:spcBef>
+                  <a:spcPts val="0"/>
+                </a:spcBef>
+                <a:spcAft>
+                  <a:spcPts val="0"/>
+                </a:spcAft>
+                <a:buNone/>
+              </a:pPr>
+              <a:r>
+                <a:t/>
+              </a:r>
+              <a:endParaRPr sz="1200">
+                <a:solidFill>
+                  <a:schemeClr val="dk1"/>
+                </a:solidFill>
+                <a:latin typeface="Roboto"/>
+                <a:ea typeface="Roboto"/>
+                <a:cs typeface="Roboto"/>
+                <a:sym typeface="Roboto"/>
+              </a:endParaRPr>
+            </a:p>
+            <a:p>
+              <a:pPr indent="0" lvl="0" marL="0" rtl="0" algn="l">
+                <a:lnSpc>
+                  <a:spcPct val="115000"/>
+                </a:lnSpc>
+                <a:spcBef>
+                  <a:spcPts val="0"/>
+                </a:spcBef>
+                <a:spcAft>
+                  <a:spcPts val="0"/>
+                </a:spcAft>
+                <a:buClr>
+                  <a:schemeClr val="dk1"/>
+                </a:buClr>
+                <a:buSzPts val="1100"/>
+                <a:buFont typeface="Arial"/>
+                <a:buNone/>
+              </a:pPr>
+              <a:r>
+                <a:t/>
+              </a:r>
+              <a:endParaRPr sz="1200">
+                <a:solidFill>
+                  <a:schemeClr val="dk1"/>
+                </a:solidFill>
+                <a:latin typeface="Roboto"/>
+                <a:ea typeface="Roboto"/>
+                <a:cs typeface="Roboto"/>
+                <a:sym typeface="Roboto"/>
+              </a:endParaRPr>
+            </a:p>
+          </p:txBody>
+        </p:sp>
+      </p:grpSp>
+      <p:grpSp>
+        <p:nvGrpSpPr>
+          <p:cNvPr id="171" name="Google Shape;171;p22"/>
+          <p:cNvGrpSpPr/>
+          <p:nvPr/>
+        </p:nvGrpSpPr>
+        <p:grpSpPr>
+          <a:xfrm>
+            <a:off x="3516750" y="1189775"/>
+            <a:ext cx="2064000" cy="3217850"/>
+            <a:chOff x="3516750" y="1189775"/>
+            <a:chExt cx="2064000" cy="3217850"/>
+          </a:xfrm>
+        </p:grpSpPr>
+        <p:sp>
+          <p:nvSpPr>
+            <p:cNvPr id="172" name="Google Shape;172;p22"/>
+            <p:cNvSpPr/>
+            <p:nvPr/>
+          </p:nvSpPr>
+          <p:spPr>
+            <a:xfrm>
+              <a:off x="3516750" y="1189775"/>
+              <a:ext cx="2064000" cy="669000"/>
+            </a:xfrm>
+            <a:prstGeom prst="chevron">
+              <a:avLst>
+                <a:gd fmla="val 50000" name="adj"/>
+              </a:avLst>
+            </a:prstGeom>
+            <a:solidFill>
+              <a:schemeClr val="lt2"/>
+            </a:solidFill>
+            <a:ln>
+              <a:noFill/>
+            </a:ln>
+            <a:effectLst>
+              <a:reflection blurRad="0" dir="5400000" dist="38100" endA="0" endPos="30000" fadeDir="5400012" kx="0" rotWithShape="0" algn="bl" stPos="0" sy="-100000" ky="0"/>
+            </a:effectLst>
+          </p:spPr>
+          <p:txBody>
+            <a:bodyPr anchorCtr="0" anchor="ctr" bIns="91425" lIns="91425" spcFirstLastPara="1" rIns="91425" wrap="square" tIns="91425">
+              <a:noAutofit/>
+            </a:bodyPr>
+            <a:lstStyle/>
+            <a:p>
+              <a:pPr indent="0" lvl="0" marL="0" rtl="0" algn="ctr">
+                <a:spcBef>
+                  <a:spcPts val="0"/>
+                </a:spcBef>
+                <a:spcAft>
+                  <a:spcPts val="0"/>
+                </a:spcAft>
+                <a:buNone/>
+              </a:pPr>
+              <a:r>
+                <a:rPr lang="en">
+                  <a:solidFill>
+                    <a:srgbClr val="FFFFFF"/>
+                  </a:solidFill>
+                  <a:latin typeface="Roboto"/>
+                  <a:ea typeface="Roboto"/>
+                  <a:cs typeface="Roboto"/>
+                  <a:sym typeface="Roboto"/>
+                </a:rPr>
+                <a:t>Document embeddings</a:t>
+              </a:r>
+              <a:endParaRPr>
+                <a:solidFill>
+                  <a:srgbClr val="FFFFFF"/>
+                </a:solidFill>
+                <a:latin typeface="Roboto"/>
+                <a:ea typeface="Roboto"/>
+                <a:cs typeface="Roboto"/>
+                <a:sym typeface="Roboto"/>
+              </a:endParaRPr>
+            </a:p>
+          </p:txBody>
+        </p:sp>
+        <p:sp>
+          <p:nvSpPr>
+            <p:cNvPr id="173" name="Google Shape;173;p22"/>
+            <p:cNvSpPr txBox="1"/>
+            <p:nvPr/>
+          </p:nvSpPr>
+          <p:spPr>
+            <a:xfrm>
+              <a:off x="3739450" y="2057125"/>
+              <a:ext cx="1624500" cy="2350500"/>
+            </a:xfrm>
+            <a:prstGeom prst="rect">
+              <a:avLst/>
+            </a:prstGeom>
+            <a:noFill/>
+            <a:ln>
+              <a:noFill/>
+            </a:ln>
+          </p:spPr>
+          <p:txBody>
+            <a:bodyPr anchorCtr="0" anchor="t" bIns="91425" lIns="91425" spcFirstLastPara="1" rIns="91425" wrap="square" tIns="91425">
+              <a:noAutofit/>
+            </a:bodyPr>
+            <a:lstStyle/>
+            <a:p>
+              <a:pPr indent="0" lvl="0" marL="0" rtl="0" algn="l">
+                <a:lnSpc>
+                  <a:spcPct val="115000"/>
+                </a:lnSpc>
+                <a:spcBef>
+                  <a:spcPts val="0"/>
+                </a:spcBef>
+                <a:spcAft>
+                  <a:spcPts val="0"/>
+                </a:spcAft>
+                <a:buNone/>
+              </a:pPr>
+              <a:r>
+                <a:rPr lang="en" sz="1200">
+                  <a:latin typeface="Roboto"/>
+                  <a:ea typeface="Roboto"/>
+                  <a:cs typeface="Roboto"/>
+                  <a:sym typeface="Roboto"/>
+                </a:rPr>
+                <a:t>We defined that </a:t>
+              </a:r>
+              <a:r>
+                <a:rPr b="1" lang="en" sz="1200">
+                  <a:solidFill>
+                    <a:schemeClr val="dk1"/>
+                  </a:solidFill>
+                  <a:latin typeface="Roboto"/>
+                  <a:ea typeface="Roboto"/>
+                  <a:cs typeface="Roboto"/>
+                  <a:sym typeface="Roboto"/>
+                </a:rPr>
+                <a:t>138,467 x 100 </a:t>
+              </a:r>
+              <a:r>
+                <a:rPr lang="en" sz="1200">
+                  <a:solidFill>
+                    <a:schemeClr val="dk1"/>
+                  </a:solidFill>
+                  <a:latin typeface="Roboto"/>
+                  <a:ea typeface="Roboto"/>
+                  <a:cs typeface="Roboto"/>
+                  <a:sym typeface="Roboto"/>
+                </a:rPr>
+                <a:t>parameters as </a:t>
+              </a:r>
+              <a:r>
+                <a:rPr b="1" lang="en" sz="1200">
+                  <a:solidFill>
+                    <a:schemeClr val="dk1"/>
+                  </a:solidFill>
+                  <a:latin typeface="Roboto"/>
+                  <a:ea typeface="Roboto"/>
+                  <a:cs typeface="Roboto"/>
+                  <a:sym typeface="Roboto"/>
+                </a:rPr>
+                <a:t>non-trainable.</a:t>
+              </a:r>
+              <a:endParaRPr b="1" sz="1200">
+                <a:solidFill>
+                  <a:schemeClr val="dk1"/>
+                </a:solidFill>
+                <a:latin typeface="Roboto"/>
+                <a:ea typeface="Roboto"/>
+                <a:cs typeface="Roboto"/>
+                <a:sym typeface="Roboto"/>
+              </a:endParaRPr>
+            </a:p>
+            <a:p>
+              <a:pPr indent="0" lvl="0" marL="0" rtl="0" algn="l">
+                <a:lnSpc>
+                  <a:spcPct val="115000"/>
+                </a:lnSpc>
+                <a:spcBef>
+                  <a:spcPts val="0"/>
+                </a:spcBef>
+                <a:spcAft>
+                  <a:spcPts val="0"/>
+                </a:spcAft>
+                <a:buNone/>
+              </a:pPr>
+              <a:r>
+                <a:t/>
+              </a:r>
+              <a:endParaRPr sz="1200">
+                <a:solidFill>
+                  <a:schemeClr val="dk1"/>
+                </a:solidFill>
+                <a:latin typeface="Roboto"/>
+                <a:ea typeface="Roboto"/>
+                <a:cs typeface="Roboto"/>
+                <a:sym typeface="Roboto"/>
+              </a:endParaRPr>
+            </a:p>
+          </p:txBody>
+        </p:sp>
+      </p:grpSp>
+      <p:grpSp>
+        <p:nvGrpSpPr>
+          <p:cNvPr id="174" name="Google Shape;174;p22"/>
+          <p:cNvGrpSpPr/>
+          <p:nvPr/>
+        </p:nvGrpSpPr>
+        <p:grpSpPr>
+          <a:xfrm>
+            <a:off x="6874025" y="1189775"/>
+            <a:ext cx="2064000" cy="3217850"/>
+            <a:chOff x="6874025" y="1189775"/>
+            <a:chExt cx="2064000" cy="3217850"/>
+          </a:xfrm>
+        </p:grpSpPr>
+        <p:sp>
+          <p:nvSpPr>
+            <p:cNvPr id="175" name="Google Shape;175;p22"/>
+            <p:cNvSpPr/>
+            <p:nvPr/>
+          </p:nvSpPr>
+          <p:spPr>
+            <a:xfrm>
+              <a:off x="6874025" y="1189775"/>
+              <a:ext cx="2064000" cy="669000"/>
+            </a:xfrm>
+            <a:prstGeom prst="chevron">
+              <a:avLst>
+                <a:gd fmla="val 50000" name="adj"/>
+              </a:avLst>
+            </a:prstGeom>
+            <a:solidFill>
+              <a:schemeClr val="dk2"/>
+            </a:solidFill>
+            <a:ln>
+              <a:noFill/>
+            </a:ln>
+            <a:effectLst>
+              <a:reflection blurRad="0" dir="5400000" dist="38100" endA="0" endPos="30000" fadeDir="5400012" kx="0" rotWithShape="0" algn="bl" stPos="0" sy="-100000" ky="0"/>
+            </a:effectLst>
+          </p:spPr>
+          <p:txBody>
+            <a:bodyPr anchorCtr="0" anchor="ctr" bIns="91425" lIns="91425" spcFirstLastPara="1" rIns="91425" wrap="square" tIns="91425">
+              <a:noAutofit/>
+            </a:bodyPr>
+            <a:lstStyle/>
+            <a:p>
+              <a:pPr indent="0" lvl="0" marL="0" rtl="0" algn="ctr">
+                <a:spcBef>
+                  <a:spcPts val="0"/>
+                </a:spcBef>
+                <a:spcAft>
+                  <a:spcPts val="0"/>
+                </a:spcAft>
+                <a:buNone/>
+              </a:pPr>
+              <a:r>
+                <a:rPr lang="en">
+                  <a:solidFill>
+                    <a:srgbClr val="FFFFFF"/>
+                  </a:solidFill>
+                  <a:latin typeface="Roboto"/>
+                  <a:ea typeface="Roboto"/>
+                  <a:cs typeface="Roboto"/>
+                  <a:sym typeface="Roboto"/>
+                </a:rPr>
+                <a:t>Testing result</a:t>
+              </a:r>
+              <a:endParaRPr>
+                <a:solidFill>
+                  <a:srgbClr val="FFFFFF"/>
+                </a:solidFill>
+                <a:latin typeface="Roboto"/>
+                <a:ea typeface="Roboto"/>
+                <a:cs typeface="Roboto"/>
+                <a:sym typeface="Roboto"/>
+              </a:endParaRPr>
+            </a:p>
+          </p:txBody>
+        </p:sp>
+        <p:sp>
+          <p:nvSpPr>
+            <p:cNvPr id="176" name="Google Shape;176;p22"/>
+            <p:cNvSpPr txBox="1"/>
+            <p:nvPr/>
+          </p:nvSpPr>
+          <p:spPr>
+            <a:xfrm>
+              <a:off x="7183850" y="2057125"/>
+              <a:ext cx="1624500" cy="2350500"/>
+            </a:xfrm>
+            <a:prstGeom prst="rect">
+              <a:avLst/>
+            </a:prstGeom>
+            <a:noFill/>
+            <a:ln>
+              <a:noFill/>
+            </a:ln>
+          </p:spPr>
+          <p:txBody>
+            <a:bodyPr anchorCtr="0" anchor="t" bIns="91425" lIns="91425" spcFirstLastPara="1" rIns="91425" wrap="square" tIns="91425">
+              <a:noAutofit/>
+            </a:bodyPr>
+            <a:lstStyle/>
+            <a:p>
+              <a:pPr indent="0" lvl="0" marL="0" rtl="0" algn="l">
+                <a:lnSpc>
+                  <a:spcPct val="115000"/>
+                </a:lnSpc>
+                <a:spcBef>
+                  <a:spcPts val="0"/>
+                </a:spcBef>
+                <a:spcAft>
+                  <a:spcPts val="0"/>
+                </a:spcAft>
+                <a:buNone/>
+              </a:pPr>
+              <a:r>
+                <a:rPr lang="en" sz="1200">
+                  <a:latin typeface="Roboto"/>
+                  <a:ea typeface="Roboto"/>
+                  <a:cs typeface="Roboto"/>
+                  <a:sym typeface="Roboto"/>
+                </a:rPr>
+                <a:t>r</a:t>
+              </a:r>
+              <a:r>
+                <a:rPr lang="en" sz="1200">
+                  <a:latin typeface="Roboto"/>
+                  <a:ea typeface="Roboto"/>
+                  <a:cs typeface="Roboto"/>
+                  <a:sym typeface="Roboto"/>
+                </a:rPr>
+                <a:t>oc_auc_score: </a:t>
+              </a:r>
+              <a:r>
+                <a:rPr b="1" lang="en" sz="1200">
+                  <a:latin typeface="Roboto"/>
+                  <a:ea typeface="Roboto"/>
+                  <a:cs typeface="Roboto"/>
+                  <a:sym typeface="Roboto"/>
+                </a:rPr>
+                <a:t>0.87</a:t>
+              </a:r>
+              <a:endParaRPr b="1" sz="1200">
+                <a:latin typeface="Roboto"/>
+                <a:ea typeface="Roboto"/>
+                <a:cs typeface="Roboto"/>
+                <a:sym typeface="Roboto"/>
+              </a:endParaRPr>
+            </a:p>
+            <a:p>
+              <a:pPr indent="0" lvl="0" marL="0" rtl="0" algn="l">
+                <a:lnSpc>
+                  <a:spcPct val="115000"/>
+                </a:lnSpc>
+                <a:spcBef>
+                  <a:spcPts val="0"/>
+                </a:spcBef>
+                <a:spcAft>
+                  <a:spcPts val="0"/>
+                </a:spcAft>
+                <a:buNone/>
+              </a:pPr>
+              <a:r>
+                <a:t/>
+              </a:r>
+              <a:endParaRPr sz="1200">
+                <a:latin typeface="Roboto"/>
+                <a:ea typeface="Roboto"/>
+                <a:cs typeface="Roboto"/>
+                <a:sym typeface="Roboto"/>
+              </a:endParaRPr>
+            </a:p>
+            <a:p>
+              <a:pPr indent="0" lvl="0" marL="0" rtl="0" algn="l">
+                <a:lnSpc>
+                  <a:spcPct val="115000"/>
+                </a:lnSpc>
+                <a:spcBef>
+                  <a:spcPts val="0"/>
+                </a:spcBef>
+                <a:spcAft>
+                  <a:spcPts val="0"/>
+                </a:spcAft>
+                <a:buNone/>
+              </a:pPr>
+              <a:r>
+                <a:rPr lang="en" sz="1200">
+                  <a:latin typeface="Roboto"/>
+                  <a:ea typeface="Roboto"/>
+                  <a:cs typeface="Roboto"/>
+                  <a:sym typeface="Roboto"/>
+                </a:rPr>
+                <a:t>Recall: </a:t>
+              </a:r>
+              <a:r>
+                <a:rPr b="1" lang="en" sz="1200">
+                  <a:latin typeface="Roboto"/>
+                  <a:ea typeface="Roboto"/>
+                  <a:cs typeface="Roboto"/>
+                  <a:sym typeface="Roboto"/>
+                </a:rPr>
+                <a:t>0.52</a:t>
+              </a:r>
+              <a:endParaRPr b="1" sz="1200">
+                <a:latin typeface="Roboto"/>
+                <a:ea typeface="Roboto"/>
+                <a:cs typeface="Roboto"/>
+                <a:sym typeface="Roboto"/>
+              </a:endParaRPr>
+            </a:p>
+            <a:p>
+              <a:pPr indent="0" lvl="0" marL="0" rtl="0" algn="l">
+                <a:lnSpc>
+                  <a:spcPct val="115000"/>
+                </a:lnSpc>
+                <a:spcBef>
+                  <a:spcPts val="0"/>
+                </a:spcBef>
+                <a:spcAft>
+                  <a:spcPts val="0"/>
+                </a:spcAft>
+                <a:buNone/>
+              </a:pPr>
+              <a:r>
+                <a:t/>
+              </a:r>
+              <a:endParaRPr sz="1200">
+                <a:latin typeface="Roboto"/>
+                <a:ea typeface="Roboto"/>
+                <a:cs typeface="Roboto"/>
+                <a:sym typeface="Roboto"/>
+              </a:endParaRPr>
+            </a:p>
+            <a:p>
+              <a:pPr indent="0" lvl="0" marL="0" rtl="0" algn="l">
+                <a:lnSpc>
+                  <a:spcPct val="115000"/>
+                </a:lnSpc>
+                <a:spcBef>
+                  <a:spcPts val="0"/>
+                </a:spcBef>
+                <a:spcAft>
+                  <a:spcPts val="0"/>
+                </a:spcAft>
+                <a:buNone/>
+              </a:pPr>
+              <a:r>
+                <a:rPr lang="en" sz="1200">
+                  <a:latin typeface="Roboto"/>
+                  <a:ea typeface="Roboto"/>
+                  <a:cs typeface="Roboto"/>
+                  <a:sym typeface="Roboto"/>
+                </a:rPr>
+                <a:t>Precision: </a:t>
+              </a:r>
+              <a:r>
+                <a:rPr b="1" lang="en" sz="1200">
+                  <a:latin typeface="Roboto"/>
+                  <a:ea typeface="Roboto"/>
+                  <a:cs typeface="Roboto"/>
+                  <a:sym typeface="Roboto"/>
+                </a:rPr>
+                <a:t>0.67</a:t>
+              </a:r>
+              <a:endParaRPr b="1" sz="1200">
+                <a:latin typeface="Roboto"/>
+                <a:ea typeface="Roboto"/>
+                <a:cs typeface="Roboto"/>
+                <a:sym typeface="Roboto"/>
+              </a:endParaRPr>
+            </a:p>
+            <a:p>
+              <a:pPr indent="0" lvl="0" marL="0" rtl="0" algn="l">
+                <a:lnSpc>
+                  <a:spcPct val="115000"/>
+                </a:lnSpc>
+                <a:spcBef>
+                  <a:spcPts val="0"/>
+                </a:spcBef>
+                <a:spcAft>
+                  <a:spcPts val="0"/>
+                </a:spcAft>
+                <a:buNone/>
+              </a:pPr>
+              <a:r>
+                <a:t/>
+              </a:r>
+              <a:endParaRPr sz="1200">
+                <a:latin typeface="Roboto"/>
+                <a:ea typeface="Roboto"/>
+                <a:cs typeface="Roboto"/>
+                <a:sym typeface="Roboto"/>
+              </a:endParaRPr>
+            </a:p>
+            <a:p>
+              <a:pPr indent="0" lvl="0" marL="0" rtl="0" algn="l">
+                <a:lnSpc>
+                  <a:spcPct val="115000"/>
+                </a:lnSpc>
+                <a:spcBef>
+                  <a:spcPts val="0"/>
+                </a:spcBef>
+                <a:spcAft>
+                  <a:spcPts val="0"/>
+                </a:spcAft>
+                <a:buNone/>
+              </a:pPr>
+              <a:r>
+                <a:rPr lang="en" sz="1200">
+                  <a:latin typeface="Roboto"/>
+                  <a:ea typeface="Roboto"/>
+                  <a:cs typeface="Roboto"/>
+                  <a:sym typeface="Roboto"/>
+                </a:rPr>
+                <a:t>F1_score: </a:t>
+              </a:r>
+              <a:r>
+                <a:rPr b="1" lang="en" sz="1200">
+                  <a:latin typeface="Roboto"/>
+                  <a:ea typeface="Roboto"/>
+                  <a:cs typeface="Roboto"/>
+                  <a:sym typeface="Roboto"/>
+                </a:rPr>
+                <a:t>0.52</a:t>
+              </a:r>
+              <a:endParaRPr b="1" sz="1200">
+                <a:latin typeface="Roboto"/>
+                <a:ea typeface="Roboto"/>
+                <a:cs typeface="Roboto"/>
+                <a:sym typeface="Roboto"/>
+              </a:endParaRPr>
+            </a:p>
+          </p:txBody>
+        </p:sp>
+      </p:grpSp>
+      <p:grpSp>
+        <p:nvGrpSpPr>
+          <p:cNvPr id="177" name="Google Shape;177;p22"/>
+          <p:cNvGrpSpPr/>
+          <p:nvPr/>
+        </p:nvGrpSpPr>
+        <p:grpSpPr>
+          <a:xfrm>
+            <a:off x="5195350" y="1189775"/>
+            <a:ext cx="2064000" cy="3217850"/>
+            <a:chOff x="5195350" y="1189775"/>
+            <a:chExt cx="2064000" cy="3217850"/>
+          </a:xfrm>
+        </p:grpSpPr>
+        <p:sp>
+          <p:nvSpPr>
+            <p:cNvPr id="178" name="Google Shape;178;p22"/>
+            <p:cNvSpPr/>
+            <p:nvPr/>
+          </p:nvSpPr>
+          <p:spPr>
+            <a:xfrm>
+              <a:off x="5195350" y="1189775"/>
+              <a:ext cx="2064000" cy="669000"/>
+            </a:xfrm>
+            <a:prstGeom prst="chevron">
+              <a:avLst>
+                <a:gd fmla="val 50000" name="adj"/>
+              </a:avLst>
+            </a:prstGeom>
+            <a:solidFill>
+              <a:srgbClr val="F1C232"/>
+            </a:solidFill>
+            <a:ln>
+              <a:noFill/>
+            </a:ln>
+            <a:effectLst>
+              <a:reflection blurRad="0" dir="5400000" dist="38100" endA="0" endPos="30000" fadeDir="5400012" kx="0" rotWithShape="0" algn="bl" stPos="0" sy="-100000" ky="0"/>
+            </a:effectLst>
+          </p:spPr>
+          <p:txBody>
+            <a:bodyPr anchorCtr="0" anchor="ctr" bIns="91425" lIns="91425" spcFirstLastPara="1" rIns="91425" wrap="square" tIns="91425">
+              <a:noAutofit/>
+            </a:bodyPr>
+            <a:lstStyle/>
+            <a:p>
+              <a:pPr indent="0" lvl="0" marL="0" rtl="0" algn="ctr">
+                <a:spcBef>
+                  <a:spcPts val="0"/>
+                </a:spcBef>
+                <a:spcAft>
+                  <a:spcPts val="0"/>
+                </a:spcAft>
+                <a:buNone/>
+              </a:pPr>
+              <a:r>
+                <a:rPr lang="en">
+                  <a:solidFill>
+                    <a:srgbClr val="FFFFFF"/>
+                  </a:solidFill>
+                  <a:latin typeface="Roboto"/>
+                  <a:ea typeface="Roboto"/>
+                  <a:cs typeface="Roboto"/>
+                  <a:sym typeface="Roboto"/>
+                </a:rPr>
+                <a:t>Flatten and Dense</a:t>
+              </a:r>
+              <a:endParaRPr>
+                <a:solidFill>
+                  <a:srgbClr val="FFFFFF"/>
+                </a:solidFill>
+                <a:latin typeface="Roboto"/>
+                <a:ea typeface="Roboto"/>
+                <a:cs typeface="Roboto"/>
+                <a:sym typeface="Roboto"/>
+              </a:endParaRPr>
+            </a:p>
+          </p:txBody>
+        </p:sp>
+        <p:sp>
+          <p:nvSpPr>
+            <p:cNvPr id="179" name="Google Shape;179;p22"/>
+            <p:cNvSpPr txBox="1"/>
+            <p:nvPr/>
+          </p:nvSpPr>
+          <p:spPr>
+            <a:xfrm>
+              <a:off x="5461650" y="2057125"/>
+              <a:ext cx="1624500" cy="2350500"/>
+            </a:xfrm>
+            <a:prstGeom prst="rect">
+              <a:avLst/>
+            </a:prstGeom>
+            <a:noFill/>
+            <a:ln>
+              <a:noFill/>
+            </a:ln>
+          </p:spPr>
+          <p:txBody>
+            <a:bodyPr anchorCtr="0" anchor="t" bIns="91425" lIns="91425" spcFirstLastPara="1" rIns="91425" wrap="square" tIns="91425">
+              <a:noAutofit/>
+            </a:bodyPr>
+            <a:lstStyle/>
+            <a:p>
+              <a:pPr indent="0" lvl="0" marL="0" rtl="0" algn="l">
+                <a:lnSpc>
+                  <a:spcPct val="115000"/>
+                </a:lnSpc>
+                <a:spcBef>
+                  <a:spcPts val="0"/>
+                </a:spcBef>
+                <a:spcAft>
+                  <a:spcPts val="0"/>
+                </a:spcAft>
+                <a:buNone/>
+              </a:pPr>
+              <a:r>
+                <a:rPr lang="en" sz="1200">
+                  <a:latin typeface="Roboto"/>
+                  <a:ea typeface="Roboto"/>
+                  <a:cs typeface="Roboto"/>
+                  <a:sym typeface="Roboto"/>
+                </a:rPr>
+                <a:t>Flatten layer has 20,000 parameters (200 x 100).</a:t>
+              </a:r>
+              <a:endParaRPr sz="1200">
+                <a:latin typeface="Roboto"/>
+                <a:ea typeface="Roboto"/>
+                <a:cs typeface="Roboto"/>
+                <a:sym typeface="Roboto"/>
+              </a:endParaRPr>
+            </a:p>
+            <a:p>
+              <a:pPr indent="0" lvl="0" marL="0" rtl="0" algn="l">
+                <a:lnSpc>
+                  <a:spcPct val="115000"/>
+                </a:lnSpc>
+                <a:spcBef>
+                  <a:spcPts val="0"/>
+                </a:spcBef>
+                <a:spcAft>
+                  <a:spcPts val="0"/>
+                </a:spcAft>
+                <a:buNone/>
+              </a:pPr>
+              <a:r>
+                <a:t/>
+              </a:r>
+              <a:endParaRPr sz="1200">
+                <a:latin typeface="Roboto"/>
+                <a:ea typeface="Roboto"/>
+                <a:cs typeface="Roboto"/>
+                <a:sym typeface="Roboto"/>
+              </a:endParaRPr>
+            </a:p>
+            <a:p>
+              <a:pPr indent="0" lvl="0" marL="0" rtl="0" algn="l">
+                <a:lnSpc>
+                  <a:spcPct val="115000"/>
+                </a:lnSpc>
+                <a:spcBef>
+                  <a:spcPts val="0"/>
+                </a:spcBef>
+                <a:spcAft>
+                  <a:spcPts val="0"/>
+                </a:spcAft>
+                <a:buNone/>
+              </a:pPr>
+              <a:r>
+                <a:rPr lang="en" sz="1200">
+                  <a:latin typeface="Roboto"/>
+                  <a:ea typeface="Roboto"/>
+                  <a:cs typeface="Roboto"/>
+                  <a:sym typeface="Roboto"/>
+                </a:rPr>
+                <a:t>Dense = 1</a:t>
+              </a:r>
+              <a:endParaRPr sz="1200">
+                <a:latin typeface="Roboto"/>
+                <a:ea typeface="Roboto"/>
+                <a:cs typeface="Roboto"/>
+                <a:sym typeface="Roboto"/>
+              </a:endParaRPr>
+            </a:p>
+            <a:p>
+              <a:pPr indent="0" lvl="0" marL="0" rtl="0" algn="l">
+                <a:lnSpc>
+                  <a:spcPct val="115000"/>
+                </a:lnSpc>
+                <a:spcBef>
+                  <a:spcPts val="0"/>
+                </a:spcBef>
+                <a:spcAft>
+                  <a:spcPts val="0"/>
+                </a:spcAft>
+                <a:buNone/>
+              </a:pPr>
+              <a:r>
+                <a:t/>
+              </a:r>
+              <a:endParaRPr sz="1200">
+                <a:latin typeface="Roboto"/>
+                <a:ea typeface="Roboto"/>
+                <a:cs typeface="Roboto"/>
+                <a:sym typeface="Roboto"/>
+              </a:endParaRPr>
+            </a:p>
+            <a:p>
+              <a:pPr indent="0" lvl="0" marL="0" rtl="0" algn="l">
+                <a:lnSpc>
+                  <a:spcPct val="115000"/>
+                </a:lnSpc>
+                <a:spcBef>
+                  <a:spcPts val="0"/>
+                </a:spcBef>
+                <a:spcAft>
+                  <a:spcPts val="0"/>
+                </a:spcAft>
+                <a:buNone/>
+              </a:pPr>
+              <a:r>
+                <a:rPr lang="en" sz="1200">
+                  <a:latin typeface="Roboto"/>
+                  <a:ea typeface="Roboto"/>
+                  <a:cs typeface="Roboto"/>
+                  <a:sym typeface="Roboto"/>
+                </a:rPr>
+                <a:t>Total </a:t>
+              </a:r>
+              <a:r>
+                <a:rPr b="1" lang="en" sz="1200">
+                  <a:latin typeface="Roboto"/>
+                  <a:ea typeface="Roboto"/>
+                  <a:cs typeface="Roboto"/>
+                  <a:sym typeface="Roboto"/>
+                </a:rPr>
+                <a:t>20,001 trainable</a:t>
+              </a:r>
+              <a:r>
+                <a:rPr lang="en" sz="1200">
+                  <a:latin typeface="Roboto"/>
+                  <a:ea typeface="Roboto"/>
+                  <a:cs typeface="Roboto"/>
+                  <a:sym typeface="Roboto"/>
+                </a:rPr>
+                <a:t> parameters. </a:t>
+              </a:r>
+              <a:endParaRPr sz="1200">
+                <a:latin typeface="Roboto"/>
+                <a:ea typeface="Roboto"/>
+                <a:cs typeface="Roboto"/>
+                <a:sym typeface="Roboto"/>
+              </a:endParaRPr>
+            </a:p>
+          </p:txBody>
+        </p:sp>
+      </p:grpSp>
+    </p:spTree>
+  </p:cSld>
+  <p:clrMapOvr>
+    <a:masterClrMapping/>
+  </p:clrMapOvr>
+</p:sld>
+</file>
+
+<file path=ppt/slides/slide11.xml><?xml version="1.0" encoding="utf-8"?>
+<p:sld xmlns:a="http://schemas.openxmlformats.org/drawingml/2006/main" xmlns:r="http://schemas.openxmlformats.org/officeDocument/2006/relationships" xmlns:mc="http://schemas.openxmlformats.org/markup-compatibility/2006" xmlns:mv="urn:schemas-microsoft-com:mac:vml" xmlns:p="http://schemas.openxmlformats.org/presentationml/2006/main" xmlns:c="http://schemas.openxmlformats.org/drawingml/2006/chart" xmlns:dgm="http://schemas.openxmlformats.org/drawingml/2006/diagram" xmlns:o="urn:schemas-microsoft-com:office:office" xmlns:v="urn:schemas-microsoft-com:vml" xmlns:pvml="urn:schemas-microsoft-com:office:powerpoint" xmlns:com="http://schemas.openxmlformats.org/drawingml/2006/compatibility" xmlns:p14="http://schemas.microsoft.com/office/powerpoint/2010/main" xmlns:p15="http://schemas.microsoft.com/office/powerpoint/2012/main" xmlns:ahyp="http://schemas.microsoft.com/office/drawing/2018/hyperlinkcolor">
+  <p:cSld>
+    <p:spTree>
+      <p:nvGrpSpPr>
+        <p:cNvPr id="183" name="Shape 183"/>
+        <p:cNvGrpSpPr/>
+        <p:nvPr/>
+      </p:nvGrpSpPr>
+      <p:grpSpPr>
+        <a:xfrm>
+          <a:off x="0" y="0"/>
+          <a:ext cx="0" cy="0"/>
+          <a:chOff x="0" y="0"/>
+          <a:chExt cx="0" cy="0"/>
+        </a:xfrm>
+      </p:grpSpPr>
+      <p:sp>
+        <p:nvSpPr>
+          <p:cNvPr id="184" name="Google Shape;184;p23"/>
           <p:cNvSpPr txBox="1"/>
           <p:nvPr>
             <p:ph type="title"/>
@@ -7868,7 +9956,7 @@
       </p:sp>
       <p:sp>
         <p:nvSpPr>
-          <p:cNvPr id="177" name="Google Shape;177;p22"/>
+          <p:cNvPr id="185" name="Google Shape;185;p23"/>
           <p:cNvSpPr txBox="1"/>
           <p:nvPr>
             <p:ph idx="1" type="body"/>
@@ -7991,7 +10079,7 @@
       </p:sp>
       <p:graphicFrame>
         <p:nvGraphicFramePr>
-          <p:cNvPr id="178" name="Google Shape;178;p22"/>
+          <p:cNvPr id="186" name="Google Shape;186;p23"/>
           <p:cNvGraphicFramePr/>
           <p:nvPr/>
         </p:nvGraphicFramePr>
@@ -8004,7 +10092,7 @@
             <a:tbl>
               <a:tblPr>
                 <a:noFill/>
-                <a:tableStyleId>{893F770F-80C0-4CCF-B094-6CA2FD48C16E}</a:tableStyleId>
+                <a:tableStyleId>{6EB03115-C78E-4F44-9ACC-38D46992305E}</a:tableStyleId>
               </a:tblPr>
               <a:tblGrid>
                 <a:gridCol w="4267100"/>
@@ -8376,7 +10464,7 @@
       </p:graphicFrame>
       <p:pic>
         <p:nvPicPr>
-          <p:cNvPr id="179" name="Google Shape;179;p22"/>
+          <p:cNvPr id="187" name="Google Shape;187;p23"/>
           <p:cNvPicPr preferRelativeResize="0"/>
           <p:nvPr/>
         </p:nvPicPr>
@@ -8404,7 +10492,7 @@
       </p:pic>
       <p:pic>
         <p:nvPicPr>
-          <p:cNvPr id="180" name="Google Shape;180;p22"/>
+          <p:cNvPr id="188" name="Google Shape;188;p23"/>
           <p:cNvPicPr preferRelativeResize="0"/>
           <p:nvPr/>
         </p:nvPicPr>
@@ -8438,12 +10526,12 @@
 </p:sld>
 </file>
 
-<file path=ppt/slides/slide11.xml><?xml version="1.0" encoding="utf-8"?>
+<file path=ppt/slides/slide12.xml><?xml version="1.0" encoding="utf-8"?>
 <p:sld xmlns:a="http://schemas.openxmlformats.org/drawingml/2006/main" xmlns:r="http://schemas.openxmlformats.org/officeDocument/2006/relationships" xmlns:mc="http://schemas.openxmlformats.org/markup-compatibility/2006" xmlns:mv="urn:schemas-microsoft-com:mac:vml" xmlns:p="http://schemas.openxmlformats.org/presentationml/2006/main" xmlns:c="http://schemas.openxmlformats.org/drawingml/2006/chart" xmlns:dgm="http://schemas.openxmlformats.org/drawingml/2006/diagram" xmlns:o="urn:schemas-microsoft-com:office:office" xmlns:v="urn:schemas-microsoft-com:vml" xmlns:pvml="urn:schemas-microsoft-com:office:powerpoint" xmlns:com="http://schemas.openxmlformats.org/drawingml/2006/compatibility" xmlns:p14="http://schemas.microsoft.com/office/powerpoint/2010/main" xmlns:p15="http://schemas.microsoft.com/office/powerpoint/2012/main" xmlns:ahyp="http://schemas.microsoft.com/office/drawing/2018/hyperlinkcolor">
   <p:cSld>
     <p:spTree>
       <p:nvGrpSpPr>
-        <p:cNvPr id="184" name="Shape 184"/>
+        <p:cNvPr id="192" name="Shape 192"/>
         <p:cNvGrpSpPr/>
         <p:nvPr/>
       </p:nvGrpSpPr>
@@ -8457,7 +10545,7 @@
       </p:grpSpPr>
       <p:sp>
         <p:nvSpPr>
-          <p:cNvPr id="185" name="Google Shape;185;p23"/>
+          <p:cNvPr id="193" name="Google Shape;193;p24"/>
           <p:cNvSpPr txBox="1"/>
           <p:nvPr>
             <p:ph type="title"/>
@@ -8465,7 +10553,7 @@
         </p:nvSpPr>
         <p:spPr>
           <a:xfrm>
-            <a:off x="311700" y="315925"/>
+            <a:off x="311700" y="87325"/>
             <a:ext cx="8520600" cy="831300"/>
           </a:xfrm>
           <a:prstGeom prst="rect">
@@ -8497,12 +10585,12 @@
       </p:sp>
       <p:graphicFrame>
         <p:nvGraphicFramePr>
-          <p:cNvPr id="186" name="Google Shape;186;p23"/>
+          <p:cNvPr id="194" name="Google Shape;194;p24"/>
           <p:cNvGraphicFramePr/>
           <p:nvPr/>
         </p:nvGraphicFramePr>
         <p:xfrm>
-          <a:off x="812875" y="1045025"/>
+          <a:off x="812875" y="892625"/>
           <a:ext cx="3000000" cy="3000000"/>
         </p:xfrm>
         <a:graphic>
@@ -8510,22 +10598,22 @@
             <a:tbl>
               <a:tblPr>
                 <a:noFill/>
-                <a:tableStyleId>{893F770F-80C0-4CCF-B094-6CA2FD48C16E}</a:tableStyleId>
+                <a:tableStyleId>{6EB03115-C78E-4F44-9ACC-38D46992305E}</a:tableStyleId>
               </a:tblPr>
               <a:tblGrid>
-                <a:gridCol w="1447800"/>
-                <a:gridCol w="1447800"/>
-                <a:gridCol w="1447800"/>
-                <a:gridCol w="1447800"/>
+                <a:gridCol w="1966875"/>
+                <a:gridCol w="1078000"/>
+                <a:gridCol w="1454600"/>
+                <a:gridCol w="1291725"/>
                 <a:gridCol w="1447800"/>
               </a:tblGrid>
-              <a:tr h="381000">
+              <a:tr h="558875">
                 <a:tc>
                   <a:txBody>
                     <a:bodyPr/>
                     <a:lstStyle/>
                     <a:p>
-                      <a:pPr indent="0" lvl="0" marL="0" rtl="0" algn="l">
+                      <a:pPr indent="0" lvl="0" marL="0" rtl="0" algn="ctr">
                         <a:spcBef>
                           <a:spcPts val="0"/>
                         </a:spcBef>
@@ -8548,7 +10636,7 @@
                     <a:bodyPr/>
                     <a:lstStyle/>
                     <a:p>
-                      <a:pPr indent="0" lvl="0" marL="0" rtl="0" algn="l">
+                      <a:pPr indent="0" lvl="0" marL="0" rtl="0" algn="ctr">
                         <a:spcBef>
                           <a:spcPts val="0"/>
                         </a:spcBef>
@@ -8571,7 +10659,7 @@
                     <a:bodyPr/>
                     <a:lstStyle/>
                     <a:p>
-                      <a:pPr indent="0" lvl="0" marL="0" rtl="0" algn="l">
+                      <a:pPr indent="0" lvl="0" marL="0" rtl="0" algn="ctr">
                         <a:spcBef>
                           <a:spcPts val="0"/>
                         </a:spcBef>
@@ -8594,7 +10682,7 @@
                     <a:bodyPr/>
                     <a:lstStyle/>
                     <a:p>
-                      <a:pPr indent="0" lvl="0" marL="0" rtl="0" algn="l">
+                      <a:pPr indent="0" lvl="0" marL="0" rtl="0" algn="ctr">
                         <a:spcBef>
                           <a:spcPts val="0"/>
                         </a:spcBef>
@@ -8617,7 +10705,7 @@
                     <a:bodyPr/>
                     <a:lstStyle/>
                     <a:p>
-                      <a:pPr indent="0" lvl="0" marL="0" rtl="0" algn="l">
+                      <a:pPr indent="0" lvl="0" marL="0" rtl="0" algn="ctr">
                         <a:spcBef>
                           <a:spcPts val="0"/>
                         </a:spcBef>
@@ -8636,7 +10724,7 @@
                   <a:tcPr marT="91425" marB="91425" marR="91425" marL="91425"/>
                 </a:tc>
               </a:tr>
-              <a:tr h="381000">
+              <a:tr h="754475">
                 <a:tc>
                   <a:txBody>
                     <a:bodyPr/>
@@ -8653,7 +10741,31 @@
                       </a:pPr>
                       <a:r>
                         <a:rPr b="1" lang="en"/>
-                        <a:t>Word2Vec</a:t>
+                        <a:t>Logistic Regression</a:t>
+                      </a:r>
+                      <a:endParaRPr b="1"/>
+                    </a:p>
+                    <a:p>
+                      <a:pPr indent="0" lvl="0" marL="0" rtl="0" algn="l">
+                        <a:spcBef>
+                          <a:spcPts val="0"/>
+                        </a:spcBef>
+                        <a:spcAft>
+                          <a:spcPts val="0"/>
+                        </a:spcAft>
+                        <a:buNone/>
+                      </a:pPr>
+                      <a:r>
+                        <a:rPr b="1" lang="en"/>
+                        <a:t>(</a:t>
+                      </a:r>
+                      <a:r>
+                        <a:rPr b="1" lang="en">
+                          <a:solidFill>
+                            <a:schemeClr val="dk1"/>
+                          </a:solidFill>
+                        </a:rPr>
+                        <a:t>Word2Vec embeddings)</a:t>
                       </a:r>
                       <a:endParaRPr b="1"/>
                     </a:p>
@@ -8773,7 +10885,7 @@
                   </a:tcPr>
                 </a:tc>
               </a:tr>
-              <a:tr h="381000">
+              <a:tr h="530925">
                 <a:tc>
                   <a:txBody>
                     <a:bodyPr/>
@@ -8910,7 +11022,7 @@
                   <a:tcPr marT="91425" marB="91425" marR="91425" marL="91425"/>
                 </a:tc>
               </a:tr>
-              <a:tr h="381000">
+              <a:tr h="712575">
                 <a:tc>
                   <a:txBody>
                     <a:bodyPr/>
@@ -8923,11 +11035,51 @@
                         <a:spcAft>
                           <a:spcPts val="0"/>
                         </a:spcAft>
+                        <a:buClr>
+                          <a:schemeClr val="dk1"/>
+                        </a:buClr>
+                        <a:buSzPts val="1100"/>
+                        <a:buFont typeface="Arial"/>
+                        <a:buNone/>
+                      </a:pPr>
+                      <a:r>
+                        <a:rPr lang="en" sz="1300">
+                          <a:solidFill>
+                            <a:schemeClr val="dk1"/>
+                          </a:solidFill>
+                        </a:rPr>
+                        <a:t>Logistic Regression</a:t>
+                      </a:r>
+                      <a:endParaRPr sz="1300"/>
+                    </a:p>
+                    <a:p>
+                      <a:pPr indent="0" lvl="0" marL="0" rtl="0" algn="l">
+                        <a:spcBef>
+                          <a:spcPts val="0"/>
+                        </a:spcBef>
+                        <a:spcAft>
+                          <a:spcPts val="0"/>
+                        </a:spcAft>
                         <a:buNone/>
                       </a:pPr>
                       <a:r>
                         <a:rPr lang="en" sz="1300"/>
-                        <a:t>CountVectorizer( Logistic Regression)</a:t>
+                        <a:t>(CountVectorizer)</a:t>
+                      </a:r>
+                      <a:endParaRPr sz="1300"/>
+                    </a:p>
+                    <a:p>
+                      <a:pPr indent="0" lvl="0" marL="0" rtl="0" algn="l">
+                        <a:spcBef>
+                          <a:spcPts val="0"/>
+                        </a:spcBef>
+                        <a:spcAft>
+                          <a:spcPts val="0"/>
+                        </a:spcAft>
+                        <a:buNone/>
+                      </a:pPr>
+                      <a:r>
+                        <a:t/>
                       </a:r>
                       <a:endParaRPr sz="1300"/>
                     </a:p>
@@ -9027,7 +11179,7 @@
                   <a:tcPr marT="91425" marB="91425" marR="91425" marL="91425"/>
                 </a:tc>
               </a:tr>
-              <a:tr h="381000">
+              <a:tr h="530925">
                 <a:tc>
                   <a:txBody>
                     <a:bodyPr/>
@@ -9044,7 +11196,15 @@
                       </a:pPr>
                       <a:r>
                         <a:rPr lang="en" sz="1300"/>
-                        <a:t>TF-IDF (Logistic Regression)</a:t>
+                        <a:t>Logistic Regression (</a:t>
+                      </a:r>
+                      <a:r>
+                        <a:rPr lang="en" sz="1300">
+                          <a:solidFill>
+                            <a:schemeClr val="dk1"/>
+                          </a:solidFill>
+                        </a:rPr>
+                        <a:t>TF-IDF)</a:t>
                       </a:r>
                       <a:endParaRPr sz="1300"/>
                     </a:p>
@@ -9144,119 +11304,7 @@
                   <a:tcPr marT="91425" marB="91425" marR="91425" marL="91425"/>
                 </a:tc>
               </a:tr>
-              <a:tr h="381000">
-                <a:tc>
-                  <a:txBody>
-                    <a:bodyPr/>
-                    <a:lstStyle/>
-                    <a:p>
-                      <a:pPr indent="0" lvl="0" marL="0" rtl="0" algn="l">
-                        <a:spcBef>
-                          <a:spcPts val="0"/>
-                        </a:spcBef>
-                        <a:spcAft>
-                          <a:spcPts val="0"/>
-                        </a:spcAft>
-                        <a:buNone/>
-                      </a:pPr>
-                      <a:r>
-                        <a:t/>
-                      </a:r>
-                      <a:endParaRPr sz="1300"/>
-                    </a:p>
-                  </a:txBody>
-                  <a:tcPr marT="91425" marB="91425" marR="91425" marL="91425"/>
-                </a:tc>
-                <a:tc>
-                  <a:txBody>
-                    <a:bodyPr/>
-                    <a:lstStyle/>
-                    <a:p>
-                      <a:pPr indent="0" lvl="0" marL="0" rtl="0" algn="ctr">
-                        <a:spcBef>
-                          <a:spcPts val="0"/>
-                        </a:spcBef>
-                        <a:spcAft>
-                          <a:spcPts val="0"/>
-                        </a:spcAft>
-                        <a:buNone/>
-                      </a:pPr>
-                      <a:r>
-                        <a:t/>
-                      </a:r>
-                      <a:endParaRPr sz="1300"/>
-                    </a:p>
-                  </a:txBody>
-                  <a:tcPr marT="91425" marB="91425" marR="91425" marL="91425"/>
-                </a:tc>
-                <a:tc>
-                  <a:txBody>
-                    <a:bodyPr/>
-                    <a:lstStyle/>
-                    <a:p>
-                      <a:pPr indent="0" lvl="0" marL="0" rtl="0" algn="ctr">
-                        <a:spcBef>
-                          <a:spcPts val="0"/>
-                        </a:spcBef>
-                        <a:spcAft>
-                          <a:spcPts val="0"/>
-                        </a:spcAft>
-                        <a:buNone/>
-                      </a:pPr>
-                      <a:r>
-                        <a:t/>
-                      </a:r>
-                      <a:endParaRPr sz="1300"/>
-                    </a:p>
-                  </a:txBody>
-                  <a:tcPr marT="91425" marB="91425" marR="91425" marL="91425"/>
-                </a:tc>
-                <a:tc>
-                  <a:txBody>
-                    <a:bodyPr/>
-                    <a:lstStyle/>
-                    <a:p>
-                      <a:pPr indent="0" lvl="0" marL="0" rtl="0" algn="ctr">
-                        <a:spcBef>
-                          <a:spcPts val="0"/>
-                        </a:spcBef>
-                        <a:spcAft>
-                          <a:spcPts val="0"/>
-                        </a:spcAft>
-                        <a:buNone/>
-                      </a:pPr>
-                      <a:r>
-                        <a:t/>
-                      </a:r>
-                      <a:endParaRPr sz="1300"/>
-                    </a:p>
-                  </a:txBody>
-                  <a:tcPr marT="91425" marB="91425" marR="91425" marL="91425"/>
-                </a:tc>
-                <a:tc>
-                  <a:txBody>
-                    <a:bodyPr/>
-                    <a:lstStyle/>
-                    <a:p>
-                      <a:pPr indent="0" lvl="0" marL="0" rtl="0" algn="ctr">
-                        <a:spcBef>
-                          <a:spcPts val="0"/>
-                        </a:spcBef>
-                        <a:spcAft>
-                          <a:spcPts val="0"/>
-                        </a:spcAft>
-                        <a:buNone/>
-                      </a:pPr>
-                      <a:r>
-                        <a:t/>
-                      </a:r>
-                      <a:endParaRPr sz="1300"/>
-                    </a:p>
-                  </a:txBody>
-                  <a:tcPr marT="91425" marB="91425" marR="91425" marL="91425"/>
-                </a:tc>
-              </a:tr>
-              <a:tr h="381000">
+              <a:tr h="349300">
                 <a:tc>
                   <a:txBody>
                     <a:bodyPr/>
@@ -9373,7 +11421,7 @@
                   <a:tcPr marT="91425" marB="91425" marR="91425" marL="91425"/>
                 </a:tc>
               </a:tr>
-              <a:tr h="381000">
+              <a:tr h="349300">
                 <a:tc>
                   <a:txBody>
                     <a:bodyPr/>
@@ -9502,12 +11550,12 @@
 </p:sld>
 </file>
 
-<file path=ppt/slides/slide12.xml><?xml version="1.0" encoding="utf-8"?>
+<file path=ppt/slides/slide13.xml><?xml version="1.0" encoding="utf-8"?>
 <p:sld xmlns:a="http://schemas.openxmlformats.org/drawingml/2006/main" xmlns:r="http://schemas.openxmlformats.org/officeDocument/2006/relationships" xmlns:mc="http://schemas.openxmlformats.org/markup-compatibility/2006" xmlns:mv="urn:schemas-microsoft-com:mac:vml" xmlns:p="http://schemas.openxmlformats.org/presentationml/2006/main" xmlns:c="http://schemas.openxmlformats.org/drawingml/2006/chart" xmlns:dgm="http://schemas.openxmlformats.org/drawingml/2006/diagram" xmlns:o="urn:schemas-microsoft-com:office:office" xmlns:v="urn:schemas-microsoft-com:vml" xmlns:pvml="urn:schemas-microsoft-com:office:powerpoint" xmlns:com="http://schemas.openxmlformats.org/drawingml/2006/compatibility" xmlns:p14="http://schemas.microsoft.com/office/powerpoint/2010/main" xmlns:p15="http://schemas.microsoft.com/office/powerpoint/2012/main" xmlns:ahyp="http://schemas.microsoft.com/office/drawing/2018/hyperlinkcolor">
   <p:cSld>
     <p:spTree>
       <p:nvGrpSpPr>
-        <p:cNvPr id="190" name="Shape 190"/>
+        <p:cNvPr id="198" name="Shape 198"/>
         <p:cNvGrpSpPr/>
         <p:nvPr/>
       </p:nvGrpSpPr>
@@ -9521,7 +11569,242 @@
       </p:grpSpPr>
       <p:sp>
         <p:nvSpPr>
-          <p:cNvPr id="191" name="Google Shape;191;p24"/>
+          <p:cNvPr id="199" name="Google Shape;199;p25"/>
+          <p:cNvSpPr txBox="1"/>
+          <p:nvPr/>
+        </p:nvSpPr>
+        <p:spPr>
+          <a:xfrm>
+            <a:off x="5569675" y="1462225"/>
+            <a:ext cx="2880300" cy="1985700"/>
+          </a:xfrm>
+          <a:prstGeom prst="rect">
+            <a:avLst/>
+          </a:prstGeom>
+          <a:noFill/>
+          <a:ln>
+            <a:noFill/>
+          </a:ln>
+        </p:spPr>
+        <p:txBody>
+          <a:bodyPr anchorCtr="0" anchor="t" bIns="91425" lIns="91425" spcFirstLastPara="1" rIns="91425" wrap="square" tIns="91425">
+            <a:spAutoFit/>
+          </a:bodyPr>
+          <a:lstStyle/>
+          <a:p>
+            <a:pPr indent="0" lvl="0" marL="0" rtl="0" algn="l">
+              <a:spcBef>
+                <a:spcPts val="0"/>
+              </a:spcBef>
+              <a:spcAft>
+                <a:spcPts val="0"/>
+              </a:spcAft>
+              <a:buNone/>
+            </a:pPr>
+            <a:r>
+              <a:rPr b="1" lang="en" sz="1300">
+                <a:latin typeface="Open Sans"/>
+                <a:ea typeface="Open Sans"/>
+                <a:cs typeface="Open Sans"/>
+                <a:sym typeface="Open Sans"/>
+              </a:rPr>
+              <a:t>Comments</a:t>
+            </a:r>
+            <a:endParaRPr b="1" sz="1300">
+              <a:latin typeface="Open Sans"/>
+              <a:ea typeface="Open Sans"/>
+              <a:cs typeface="Open Sans"/>
+              <a:sym typeface="Open Sans"/>
+            </a:endParaRPr>
+          </a:p>
+          <a:p>
+            <a:pPr indent="0" lvl="0" marL="0" rtl="0" algn="l">
+              <a:spcBef>
+                <a:spcPts val="0"/>
+              </a:spcBef>
+              <a:spcAft>
+                <a:spcPts val="0"/>
+              </a:spcAft>
+              <a:buNone/>
+            </a:pPr>
+            <a:r>
+              <a:rPr lang="en" sz="1300">
+                <a:latin typeface="Open Sans"/>
+                <a:ea typeface="Open Sans"/>
+                <a:cs typeface="Open Sans"/>
+                <a:sym typeface="Open Sans"/>
+              </a:rPr>
+              <a:t>Simple </a:t>
+            </a:r>
+            <a:r>
+              <a:rPr lang="en" sz="1300">
+                <a:latin typeface="Open Sans"/>
+                <a:ea typeface="Open Sans"/>
+                <a:cs typeface="Open Sans"/>
+                <a:sym typeface="Open Sans"/>
+              </a:rPr>
+              <a:t>keyword search is an ineffective method of identifying toxic comments. This method has high recall but leads to high rates of false positives.</a:t>
+            </a:r>
+            <a:endParaRPr sz="1300">
+              <a:latin typeface="Open Sans"/>
+              <a:ea typeface="Open Sans"/>
+              <a:cs typeface="Open Sans"/>
+              <a:sym typeface="Open Sans"/>
+            </a:endParaRPr>
+          </a:p>
+          <a:p>
+            <a:pPr indent="0" lvl="0" marL="0" rtl="0" algn="l">
+              <a:spcBef>
+                <a:spcPts val="0"/>
+              </a:spcBef>
+              <a:spcAft>
+                <a:spcPts val="0"/>
+              </a:spcAft>
+              <a:buNone/>
+            </a:pPr>
+            <a:r>
+              <a:t/>
+            </a:r>
+            <a:endParaRPr sz="1300">
+              <a:latin typeface="Open Sans"/>
+              <a:ea typeface="Open Sans"/>
+              <a:cs typeface="Open Sans"/>
+              <a:sym typeface="Open Sans"/>
+            </a:endParaRPr>
+          </a:p>
+          <a:p>
+            <a:pPr indent="0" lvl="0" marL="0" rtl="0" algn="l">
+              <a:spcBef>
+                <a:spcPts val="0"/>
+              </a:spcBef>
+              <a:spcAft>
+                <a:spcPts val="0"/>
+              </a:spcAft>
+              <a:buNone/>
+            </a:pPr>
+            <a:r>
+              <a:rPr lang="en" sz="1300">
+                <a:latin typeface="Open Sans"/>
+                <a:ea typeface="Open Sans"/>
+                <a:cs typeface="Open Sans"/>
+                <a:sym typeface="Open Sans"/>
+              </a:rPr>
+              <a:t>The table compares cost of human moderation for 10,000 comments.</a:t>
+            </a:r>
+            <a:endParaRPr sz="1300">
+              <a:latin typeface="Open Sans"/>
+              <a:ea typeface="Open Sans"/>
+              <a:cs typeface="Open Sans"/>
+              <a:sym typeface="Open Sans"/>
+            </a:endParaRPr>
+          </a:p>
+        </p:txBody>
+      </p:sp>
+      <p:sp>
+        <p:nvSpPr>
+          <p:cNvPr id="200" name="Google Shape;200;p25"/>
+          <p:cNvSpPr txBox="1"/>
+          <p:nvPr>
+            <p:ph type="title"/>
+          </p:nvPr>
+        </p:nvSpPr>
+        <p:spPr>
+          <a:xfrm>
+            <a:off x="311700" y="315925"/>
+            <a:ext cx="8520600" cy="624600"/>
+          </a:xfrm>
+          <a:prstGeom prst="rect">
+            <a:avLst/>
+          </a:prstGeom>
+        </p:spPr>
+        <p:txBody>
+          <a:bodyPr anchorCtr="0" anchor="b" bIns="91425" lIns="91425" spcFirstLastPara="1" rIns="91425" wrap="square" tIns="91425">
+            <a:noAutofit/>
+          </a:bodyPr>
+          <a:lstStyle/>
+          <a:p>
+            <a:pPr indent="0" lvl="0" marL="0" rtl="0" algn="l">
+              <a:spcBef>
+                <a:spcPts val="0"/>
+              </a:spcBef>
+              <a:spcAft>
+                <a:spcPts val="0"/>
+              </a:spcAft>
+              <a:buSzPts val="990"/>
+              <a:buNone/>
+            </a:pPr>
+            <a:r>
+              <a:rPr lang="en" sz="2880"/>
+              <a:t>The N</a:t>
+            </a:r>
+            <a:r>
+              <a:rPr lang="en" sz="2880"/>
+              <a:t>LP model could reduce the content moderation cost </a:t>
+            </a:r>
+            <a:r>
+              <a:rPr b="1" lang="en" sz="2880"/>
+              <a:t>by 76% </a:t>
+            </a:r>
+            <a:endParaRPr b="1" sz="2880"/>
+          </a:p>
+        </p:txBody>
+      </p:sp>
+      <p:pic>
+        <p:nvPicPr>
+          <p:cNvPr id="201" name="Google Shape;201;p25"/>
+          <p:cNvPicPr preferRelativeResize="0"/>
+          <p:nvPr/>
+        </p:nvPicPr>
+        <p:blipFill>
+          <a:blip r:embed="rId3">
+            <a:alphaModFix/>
+          </a:blip>
+          <a:stretch>
+            <a:fillRect/>
+          </a:stretch>
+        </p:blipFill>
+        <p:spPr>
+          <a:xfrm>
+            <a:off x="311700" y="1097550"/>
+            <a:ext cx="4920100" cy="2948400"/>
+          </a:xfrm>
+          <a:prstGeom prst="rect">
+            <a:avLst/>
+          </a:prstGeom>
+          <a:noFill/>
+          <a:ln>
+            <a:noFill/>
+          </a:ln>
+        </p:spPr>
+      </p:pic>
+    </p:spTree>
+  </p:cSld>
+  <p:clrMapOvr>
+    <a:masterClrMapping/>
+  </p:clrMapOvr>
+</p:sld>
+</file>
+
+<file path=ppt/slides/slide14.xml><?xml version="1.0" encoding="utf-8"?>
+<p:sld xmlns:a="http://schemas.openxmlformats.org/drawingml/2006/main" xmlns:r="http://schemas.openxmlformats.org/officeDocument/2006/relationships" xmlns:mc="http://schemas.openxmlformats.org/markup-compatibility/2006" xmlns:mv="urn:schemas-microsoft-com:mac:vml" xmlns:p="http://schemas.openxmlformats.org/presentationml/2006/main" xmlns:c="http://schemas.openxmlformats.org/drawingml/2006/chart" xmlns:dgm="http://schemas.openxmlformats.org/drawingml/2006/diagram" xmlns:o="urn:schemas-microsoft-com:office:office" xmlns:v="urn:schemas-microsoft-com:vml" xmlns:pvml="urn:schemas-microsoft-com:office:powerpoint" xmlns:com="http://schemas.openxmlformats.org/drawingml/2006/compatibility" xmlns:p14="http://schemas.microsoft.com/office/powerpoint/2010/main" xmlns:p15="http://schemas.microsoft.com/office/powerpoint/2012/main" xmlns:ahyp="http://schemas.microsoft.com/office/drawing/2018/hyperlinkcolor">
+  <p:cSld>
+    <p:spTree>
+      <p:nvGrpSpPr>
+        <p:cNvPr id="205" name="Shape 205"/>
+        <p:cNvGrpSpPr/>
+        <p:nvPr/>
+      </p:nvGrpSpPr>
+      <p:grpSpPr>
+        <a:xfrm>
+          <a:off x="0" y="0"/>
+          <a:ext cx="0" cy="0"/>
+          <a:chOff x="0" y="0"/>
+          <a:chExt cx="0" cy="0"/>
+        </a:xfrm>
+      </p:grpSpPr>
+      <p:sp>
+        <p:nvSpPr>
+          <p:cNvPr id="206" name="Google Shape;206;p26"/>
           <p:cNvSpPr txBox="1"/>
           <p:nvPr>
             <p:ph type="title"/>
@@ -9553,7 +11836,7 @@
             </a:pPr>
             <a:r>
               <a:rPr lang="en"/>
-              <a:t>ROI</a:t>
+              <a:t>Limitations, Risk and Assumptions</a:t>
             </a:r>
             <a:endParaRPr/>
           </a:p>
@@ -9561,7 +11844,7 @@
       </p:sp>
       <p:sp>
         <p:nvSpPr>
-          <p:cNvPr id="192" name="Google Shape;192;p24"/>
+          <p:cNvPr id="207" name="Google Shape;207;p26"/>
           <p:cNvSpPr txBox="1"/>
           <p:nvPr>
             <p:ph idx="1" type="body"/>
@@ -9578,21 +11861,102 @@
         </p:spPr>
         <p:txBody>
           <a:bodyPr anchorCtr="0" anchor="t" bIns="91425" lIns="91425" spcFirstLastPara="1" rIns="91425" wrap="square" tIns="91425">
-            <a:normAutofit/>
+            <a:normAutofit lnSpcReduction="20000"/>
           </a:bodyPr>
           <a:lstStyle/>
           <a:p>
-            <a:pPr indent="0" lvl="0" marL="0" rtl="0" algn="l">
-              <a:spcBef>
-                <a:spcPts val="0"/>
-              </a:spcBef>
-              <a:spcAft>
-                <a:spcPts val="1200"/>
-              </a:spcAft>
-              <a:buNone/>
+            <a:pPr indent="-342900" lvl="0" marL="457200" rtl="0" algn="l">
+              <a:spcBef>
+                <a:spcPts val="0"/>
+              </a:spcBef>
+              <a:spcAft>
+                <a:spcPts val="0"/>
+              </a:spcAft>
+              <a:buSzPts val="1800"/>
+              <a:buChar char="●"/>
             </a:pPr>
             <a:r>
-              <a:t/>
+              <a:rPr lang="en"/>
+              <a:t>The case assumes that the company uses simple keyword search to moderate comments. We didn’t compare our model with existing solutions on the market </a:t>
+            </a:r>
+            <a:endParaRPr/>
+          </a:p>
+          <a:p>
+            <a:pPr indent="-342900" lvl="0" marL="457200" rtl="0" algn="l">
+              <a:spcBef>
+                <a:spcPts val="0"/>
+              </a:spcBef>
+              <a:spcAft>
+                <a:spcPts val="0"/>
+              </a:spcAft>
+              <a:buSzPts val="1800"/>
+              <a:buChar char="●"/>
+            </a:pPr>
+            <a:r>
+              <a:rPr lang="en"/>
+              <a:t>Although the best NLP model </a:t>
+            </a:r>
+            <a:r>
+              <a:rPr lang="en"/>
+              <a:t>reduces</a:t>
+            </a:r>
+            <a:r>
+              <a:rPr lang="en"/>
+              <a:t> the number of comments to be reviewed by humans, the number of false </a:t>
+            </a:r>
+            <a:r>
+              <a:rPr lang="en"/>
+              <a:t>negative</a:t>
+            </a:r>
+            <a:r>
+              <a:rPr lang="en"/>
+              <a:t> comments will increase</a:t>
+            </a:r>
+            <a:endParaRPr/>
+          </a:p>
+          <a:p>
+            <a:pPr indent="-342900" lvl="0" marL="457200" rtl="0" algn="l">
+              <a:spcBef>
+                <a:spcPts val="0"/>
+              </a:spcBef>
+              <a:spcAft>
+                <a:spcPts val="0"/>
+              </a:spcAft>
+              <a:buSzPts val="1800"/>
+              <a:buChar char="●"/>
+            </a:pPr>
+            <a:r>
+              <a:rPr lang="en"/>
+              <a:t>These false negatives carry a hidden cost because they could lead to bad user experiences on our platform. We are assuming that our increase in </a:t>
+            </a:r>
+            <a:r>
+              <a:rPr lang="en"/>
+              <a:t>precision</a:t>
+            </a:r>
+            <a:r>
+              <a:rPr lang="en"/>
+              <a:t> will </a:t>
+            </a:r>
+            <a:r>
+              <a:rPr lang="en"/>
+              <a:t>outweigh this decrease in recall</a:t>
+            </a:r>
+            <a:endParaRPr/>
+          </a:p>
+          <a:p>
+            <a:pPr indent="-342900" lvl="0" marL="457200" rtl="0" algn="l">
+              <a:spcBef>
+                <a:spcPts val="0"/>
+              </a:spcBef>
+              <a:spcAft>
+                <a:spcPts val="0"/>
+              </a:spcAft>
+              <a:buSzPts val="1800"/>
+              <a:buChar char="●"/>
+            </a:pPr>
+            <a:r>
+              <a:rPr lang="en"/>
+              <a:t>Even though our dataset was smaller than a real-world dataset, some of our models required a relatively longer time to run and we were limited by less processing power</a:t>
             </a:r>
             <a:endParaRPr/>
           </a:p>
@@ -9606,12 +11970,12 @@
 </p:sld>
 </file>
 
-<file path=ppt/slides/slide13.xml><?xml version="1.0" encoding="utf-8"?>
+<file path=ppt/slides/slide15.xml><?xml version="1.0" encoding="utf-8"?>
 <p:sld xmlns:a="http://schemas.openxmlformats.org/drawingml/2006/main" xmlns:r="http://schemas.openxmlformats.org/officeDocument/2006/relationships" xmlns:mc="http://schemas.openxmlformats.org/markup-compatibility/2006" xmlns:mv="urn:schemas-microsoft-com:mac:vml" xmlns:p="http://schemas.openxmlformats.org/presentationml/2006/main" xmlns:c="http://schemas.openxmlformats.org/drawingml/2006/chart" xmlns:dgm="http://schemas.openxmlformats.org/drawingml/2006/diagram" xmlns:o="urn:schemas-microsoft-com:office:office" xmlns:v="urn:schemas-microsoft-com:vml" xmlns:pvml="urn:schemas-microsoft-com:office:powerpoint" xmlns:com="http://schemas.openxmlformats.org/drawingml/2006/compatibility" xmlns:p14="http://schemas.microsoft.com/office/powerpoint/2010/main" xmlns:p15="http://schemas.microsoft.com/office/powerpoint/2012/main" xmlns:ahyp="http://schemas.microsoft.com/office/drawing/2018/hyperlinkcolor">
   <p:cSld>
     <p:spTree>
       <p:nvGrpSpPr>
-        <p:cNvPr id="196" name="Shape 196"/>
+        <p:cNvPr id="211" name="Shape 211"/>
         <p:cNvGrpSpPr/>
         <p:nvPr/>
       </p:nvGrpSpPr>
@@ -9625,7 +11989,7 @@
       </p:grpSpPr>
       <p:sp>
         <p:nvSpPr>
-          <p:cNvPr id="197" name="Google Shape;197;p25"/>
+          <p:cNvPr id="212" name="Google Shape;212;p27"/>
           <p:cNvSpPr txBox="1"/>
           <p:nvPr>
             <p:ph type="title"/>
@@ -9665,7 +12029,7 @@
       </p:sp>
       <p:sp>
         <p:nvSpPr>
-          <p:cNvPr id="198" name="Google Shape;198;p25"/>
+          <p:cNvPr id="213" name="Google Shape;213;p27"/>
           <p:cNvSpPr txBox="1"/>
           <p:nvPr>
             <p:ph idx="1" type="body"/>
@@ -9732,7 +12096,7 @@
             </a:pPr>
             <a:r>
               <a:rPr lang="en"/>
-              <a:t>The best model is _________ with an F1 score of 0.58 and AUC of 0.95</a:t>
+              <a:t>The best model is Logistic Regression with Average Word2Vec embeddings, providing an F1 score of 0.58 and AUC of 0.95</a:t>
             </a:r>
             <a:endParaRPr/>
           </a:p>
@@ -9749,7 +12113,15 @@
             </a:pPr>
             <a:r>
               <a:rPr lang="en"/>
-              <a:t>The approximate return on investment using this model is ______</a:t>
+              <a:t>The approximate ROI is a </a:t>
+            </a:r>
+            <a:r>
+              <a:rPr b="1" lang="en"/>
+              <a:t>76%</a:t>
+            </a:r>
+            <a:r>
+              <a:rPr lang="en"/>
+              <a:t> reduction in moderation cost</a:t>
             </a:r>
             <a:endParaRPr/>
           </a:p>
@@ -9793,12 +12165,12 @@
 </p:sld>
 </file>
 
-<file path=ppt/slides/slide14.xml><?xml version="1.0" encoding="utf-8"?>
+<file path=ppt/slides/slide16.xml><?xml version="1.0" encoding="utf-8"?>
 <p:sld xmlns:a="http://schemas.openxmlformats.org/drawingml/2006/main" xmlns:r="http://schemas.openxmlformats.org/officeDocument/2006/relationships" xmlns:mc="http://schemas.openxmlformats.org/markup-compatibility/2006" xmlns:mv="urn:schemas-microsoft-com:mac:vml" xmlns:p="http://schemas.openxmlformats.org/presentationml/2006/main" xmlns:c="http://schemas.openxmlformats.org/drawingml/2006/chart" xmlns:dgm="http://schemas.openxmlformats.org/drawingml/2006/diagram" xmlns:o="urn:schemas-microsoft-com:office:office" xmlns:v="urn:schemas-microsoft-com:vml" xmlns:pvml="urn:schemas-microsoft-com:office:powerpoint" xmlns:com="http://schemas.openxmlformats.org/drawingml/2006/compatibility" xmlns:p14="http://schemas.microsoft.com/office/powerpoint/2010/main" xmlns:p15="http://schemas.microsoft.com/office/powerpoint/2012/main" xmlns:ahyp="http://schemas.microsoft.com/office/drawing/2018/hyperlinkcolor">
   <p:cSld>
     <p:spTree>
       <p:nvGrpSpPr>
-        <p:cNvPr id="202" name="Shape 202"/>
+        <p:cNvPr id="217" name="Shape 217"/>
         <p:cNvGrpSpPr/>
         <p:nvPr/>
       </p:nvGrpSpPr>
@@ -9812,7 +12184,7 @@
       </p:grpSpPr>
       <p:sp>
         <p:nvSpPr>
-          <p:cNvPr id="203" name="Google Shape;203;p26"/>
+          <p:cNvPr id="218" name="Google Shape;218;p28"/>
           <p:cNvSpPr txBox="1"/>
           <p:nvPr>
             <p:ph type="title"/>
@@ -9856,7 +12228,7 @@
       </p:sp>
       <p:sp>
         <p:nvSpPr>
-          <p:cNvPr id="204" name="Google Shape;204;p26"/>
+          <p:cNvPr id="219" name="Google Shape;219;p28"/>
           <p:cNvSpPr txBox="1"/>
           <p:nvPr>
             <p:ph idx="1" type="body"/>
@@ -9937,7 +12309,7 @@
             </a:pPr>
             <a:r>
               <a:rPr lang="en" sz="1600"/>
-              <a:t>We attempted implementing tiny-BERT</a:t>
+              <a:t>We attempted implementing tiny-BERT but could have tried larger models given more processing power</a:t>
             </a:r>
             <a:endParaRPr sz="1600"/>
           </a:p>
@@ -9954,7 +12326,7 @@
             </a:pPr>
             <a:r>
               <a:rPr lang="en" sz="1600"/>
-              <a:t>But due to lack of time we could not </a:t>
+              <a:t>We could also explore </a:t>
             </a:r>
             <a:r>
               <a:rPr lang="en" sz="1600"/>
@@ -9962,7 +12334,7 @@
             </a:r>
             <a:r>
               <a:rPr lang="en" sz="1600"/>
-              <a:t> parameter tune the model. </a:t>
+              <a:t> parameter tuning given more time</a:t>
             </a:r>
             <a:endParaRPr sz="1600"/>
           </a:p>
@@ -9970,7 +12342,7 @@
       </p:sp>
       <p:pic>
         <p:nvPicPr>
-          <p:cNvPr id="205" name="Google Shape;205;p26"/>
+          <p:cNvPr id="220" name="Google Shape;220;p28"/>
           <p:cNvPicPr preferRelativeResize="0"/>
           <p:nvPr/>
         </p:nvPicPr>
@@ -10009,7 +12381,7 @@
   <p:cSld>
     <p:spTree>
       <p:nvGrpSpPr>
-        <p:cNvPr id="67" name="Shape 67"/>
+        <p:cNvPr id="68" name="Shape 68"/>
         <p:cNvGrpSpPr/>
         <p:nvPr/>
       </p:nvGrpSpPr>
@@ -10023,7 +12395,7 @@
       </p:grpSpPr>
       <p:sp>
         <p:nvSpPr>
-          <p:cNvPr id="68" name="Google Shape;68;p14"/>
+          <p:cNvPr id="69" name="Google Shape;69;p14"/>
           <p:cNvSpPr txBox="1"/>
           <p:nvPr>
             <p:ph idx="1" type="body"/>
@@ -10074,7 +12446,7 @@
       </p:sp>
       <p:sp>
         <p:nvSpPr>
-          <p:cNvPr id="69" name="Google Shape;69;p14"/>
+          <p:cNvPr id="70" name="Google Shape;70;p14"/>
           <p:cNvSpPr txBox="1"/>
           <p:nvPr>
             <p:ph type="title"/>
@@ -10114,7 +12486,7 @@
       </p:sp>
       <p:sp>
         <p:nvSpPr>
-          <p:cNvPr id="70" name="Google Shape;70;p14"/>
+          <p:cNvPr id="71" name="Google Shape;71;p14"/>
           <p:cNvSpPr txBox="1"/>
           <p:nvPr>
             <p:ph idx="1" type="body"/>
@@ -10173,7 +12545,7 @@
       </p:sp>
       <p:pic>
         <p:nvPicPr>
-          <p:cNvPr id="71" name="Google Shape;71;p14"/>
+          <p:cNvPr id="72" name="Google Shape;72;p14"/>
           <p:cNvPicPr preferRelativeResize="0"/>
           <p:nvPr/>
         </p:nvPicPr>
@@ -10201,7 +12573,7 @@
       </p:pic>
       <p:pic>
         <p:nvPicPr>
-          <p:cNvPr id="72" name="Google Shape;72;p14"/>
+          <p:cNvPr id="73" name="Google Shape;73;p14"/>
           <p:cNvPicPr preferRelativeResize="0"/>
           <p:nvPr/>
         </p:nvPicPr>
@@ -10229,7 +12601,7 @@
       </p:pic>
       <p:pic>
         <p:nvPicPr>
-          <p:cNvPr id="73" name="Google Shape;73;p14"/>
+          <p:cNvPr id="74" name="Google Shape;74;p14"/>
           <p:cNvPicPr preferRelativeResize="0"/>
           <p:nvPr/>
         </p:nvPicPr>
@@ -10257,7 +12629,7 @@
       </p:pic>
       <p:pic>
         <p:nvPicPr>
-          <p:cNvPr id="74" name="Google Shape;74;p14"/>
+          <p:cNvPr id="75" name="Google Shape;75;p14"/>
           <p:cNvPicPr preferRelativeResize="0"/>
           <p:nvPr/>
         </p:nvPicPr>
@@ -10285,7 +12657,7 @@
       </p:pic>
       <p:pic>
         <p:nvPicPr>
-          <p:cNvPr id="75" name="Google Shape;75;p14"/>
+          <p:cNvPr id="76" name="Google Shape;76;p14"/>
           <p:cNvPicPr preferRelativeResize="0"/>
           <p:nvPr/>
         </p:nvPicPr>
@@ -10313,7 +12685,7 @@
       </p:pic>
       <p:pic>
         <p:nvPicPr>
-          <p:cNvPr id="76" name="Google Shape;76;p14"/>
+          <p:cNvPr id="77" name="Google Shape;77;p14"/>
           <p:cNvPicPr preferRelativeResize="0"/>
           <p:nvPr/>
         </p:nvPicPr>
@@ -10327,8 +12699,8 @@
         </p:blipFill>
         <p:spPr>
           <a:xfrm>
-            <a:off x="4675900" y="2799225"/>
-            <a:ext cx="4176125" cy="696035"/>
+            <a:off x="4648375" y="2799225"/>
+            <a:ext cx="4203650" cy="696025"/>
           </a:xfrm>
           <a:prstGeom prst="rect">
             <a:avLst/>
@@ -10341,7 +12713,7 @@
       </p:pic>
       <p:pic>
         <p:nvPicPr>
-          <p:cNvPr id="77" name="Google Shape;77;p14"/>
+          <p:cNvPr id="78" name="Google Shape;78;p14"/>
           <p:cNvPicPr preferRelativeResize="0"/>
           <p:nvPr/>
         </p:nvPicPr>
@@ -10380,7 +12752,7 @@
   <p:cSld>
     <p:spTree>
       <p:nvGrpSpPr>
-        <p:cNvPr id="81" name="Shape 81"/>
+        <p:cNvPr id="82" name="Shape 82"/>
         <p:cNvGrpSpPr/>
         <p:nvPr/>
       </p:nvGrpSpPr>
@@ -10394,7 +12766,7 @@
       </p:grpSpPr>
       <p:sp>
         <p:nvSpPr>
-          <p:cNvPr id="82" name="Google Shape;82;p15"/>
+          <p:cNvPr id="83" name="Google Shape;83;p15"/>
           <p:cNvSpPr txBox="1"/>
           <p:nvPr>
             <p:ph type="title"/>
@@ -10434,7 +12806,7 @@
       </p:sp>
       <p:sp>
         <p:nvSpPr>
-          <p:cNvPr id="83" name="Google Shape;83;p15"/>
+          <p:cNvPr id="84" name="Google Shape;84;p15"/>
           <p:cNvSpPr txBox="1"/>
           <p:nvPr>
             <p:ph idx="1" type="body"/>
@@ -10588,7 +12960,7 @@
   <p:cSld>
     <p:spTree>
       <p:nvGrpSpPr>
-        <p:cNvPr id="87" name="Shape 87"/>
+        <p:cNvPr id="88" name="Shape 88"/>
         <p:cNvGrpSpPr/>
         <p:nvPr/>
       </p:nvGrpSpPr>
@@ -10602,7 +12974,7 @@
       </p:grpSpPr>
       <p:sp>
         <p:nvSpPr>
-          <p:cNvPr id="88" name="Google Shape;88;p16"/>
+          <p:cNvPr id="89" name="Google Shape;89;p16"/>
           <p:cNvSpPr txBox="1"/>
           <p:nvPr>
             <p:ph type="title"/>
@@ -10687,7 +13059,7 @@
       </p:sp>
       <p:sp>
         <p:nvSpPr>
-          <p:cNvPr id="89" name="Google Shape;89;p16"/>
+          <p:cNvPr id="90" name="Google Shape;90;p16"/>
           <p:cNvSpPr txBox="1"/>
           <p:nvPr>
             <p:ph idx="1" type="body"/>
@@ -10863,7 +13235,7 @@
       </p:sp>
       <p:pic>
         <p:nvPicPr>
-          <p:cNvPr id="90" name="Google Shape;90;p16"/>
+          <p:cNvPr id="91" name="Google Shape;91;p16"/>
           <p:cNvPicPr preferRelativeResize="0"/>
           <p:nvPr/>
         </p:nvPicPr>
@@ -10890,7 +13262,7 @@
       </p:pic>
       <p:pic>
         <p:nvPicPr>
-          <p:cNvPr id="91" name="Google Shape;91;p16"/>
+          <p:cNvPr id="92" name="Google Shape;92;p16"/>
           <p:cNvPicPr preferRelativeResize="0"/>
           <p:nvPr/>
         </p:nvPicPr>
@@ -10918,7 +13290,7 @@
       </p:pic>
       <p:pic>
         <p:nvPicPr>
-          <p:cNvPr id="92" name="Google Shape;92;p16"/>
+          <p:cNvPr id="93" name="Google Shape;93;p16"/>
           <p:cNvPicPr preferRelativeResize="0"/>
           <p:nvPr/>
         </p:nvPicPr>
@@ -10946,7 +13318,7 @@
       </p:pic>
       <p:pic>
         <p:nvPicPr>
-          <p:cNvPr id="93" name="Google Shape;93;p16"/>
+          <p:cNvPr id="94" name="Google Shape;94;p16"/>
           <p:cNvPicPr preferRelativeResize="0"/>
           <p:nvPr/>
         </p:nvPicPr>
@@ -10984,7 +13356,7 @@
   <p:cSld>
     <p:spTree>
       <p:nvGrpSpPr>
-        <p:cNvPr id="97" name="Shape 97"/>
+        <p:cNvPr id="98" name="Shape 98"/>
         <p:cNvGrpSpPr/>
         <p:nvPr/>
       </p:nvGrpSpPr>
@@ -10998,7 +13370,7 @@
       </p:grpSpPr>
       <p:sp>
         <p:nvSpPr>
-          <p:cNvPr id="98" name="Google Shape;98;p17"/>
+          <p:cNvPr id="99" name="Google Shape;99;p17"/>
           <p:cNvSpPr txBox="1"/>
           <p:nvPr>
             <p:ph type="title"/>
@@ -11038,7 +13410,7 @@
       </p:sp>
       <p:grpSp>
         <p:nvGrpSpPr>
-          <p:cNvPr id="99" name="Google Shape;99;p17"/>
+          <p:cNvPr id="100" name="Google Shape;100;p17"/>
           <p:cNvGrpSpPr/>
           <p:nvPr/>
         </p:nvGrpSpPr>
@@ -11052,7 +13424,7 @@
         </p:grpSpPr>
         <p:sp>
           <p:nvSpPr>
-            <p:cNvPr id="100" name="Google Shape;100;p17"/>
+            <p:cNvPr id="101" name="Google Shape;101;p17"/>
             <p:cNvSpPr/>
             <p:nvPr/>
           </p:nvSpPr>
@@ -11117,7 +13489,7 @@
         </p:sp>
         <p:sp>
           <p:nvSpPr>
-            <p:cNvPr id="101" name="Google Shape;101;p17"/>
+            <p:cNvPr id="102" name="Google Shape;102;p17"/>
             <p:cNvSpPr txBox="1"/>
             <p:nvPr/>
           </p:nvSpPr>
@@ -11322,7 +13694,7 @@
       </p:grpSp>
       <p:grpSp>
         <p:nvGrpSpPr>
-          <p:cNvPr id="102" name="Google Shape;102;p17"/>
+          <p:cNvPr id="103" name="Google Shape;103;p17"/>
           <p:cNvGrpSpPr/>
           <p:nvPr/>
         </p:nvGrpSpPr>
@@ -11336,7 +13708,7 @@
         </p:grpSpPr>
         <p:sp>
           <p:nvSpPr>
-            <p:cNvPr id="103" name="Google Shape;103;p17"/>
+            <p:cNvPr id="104" name="Google Shape;104;p17"/>
             <p:cNvSpPr/>
             <p:nvPr/>
           </p:nvSpPr>
@@ -11401,7 +13773,7 @@
         </p:sp>
         <p:sp>
           <p:nvSpPr>
-            <p:cNvPr id="104" name="Google Shape;104;p17"/>
+            <p:cNvPr id="105" name="Google Shape;105;p17"/>
             <p:cNvSpPr txBox="1"/>
             <p:nvPr/>
           </p:nvSpPr>
@@ -11806,7 +14178,7 @@
       </p:grpSp>
       <p:grpSp>
         <p:nvGrpSpPr>
-          <p:cNvPr id="105" name="Google Shape;105;p17"/>
+          <p:cNvPr id="106" name="Google Shape;106;p17"/>
           <p:cNvGrpSpPr/>
           <p:nvPr/>
         </p:nvGrpSpPr>
@@ -11820,7 +14192,7 @@
         </p:grpSpPr>
         <p:sp>
           <p:nvSpPr>
-            <p:cNvPr id="106" name="Google Shape;106;p17"/>
+            <p:cNvPr id="107" name="Google Shape;107;p17"/>
             <p:cNvSpPr/>
             <p:nvPr/>
           </p:nvSpPr>
@@ -11885,7 +14257,7 @@
         </p:sp>
         <p:sp>
           <p:nvSpPr>
-            <p:cNvPr id="107" name="Google Shape;107;p17"/>
+            <p:cNvPr id="108" name="Google Shape;108;p17"/>
             <p:cNvSpPr txBox="1"/>
             <p:nvPr/>
           </p:nvSpPr>
@@ -12212,7 +14584,7 @@
       </p:grpSp>
       <p:grpSp>
         <p:nvGrpSpPr>
-          <p:cNvPr id="108" name="Google Shape;108;p17"/>
+          <p:cNvPr id="109" name="Google Shape;109;p17"/>
           <p:cNvGrpSpPr/>
           <p:nvPr/>
         </p:nvGrpSpPr>
@@ -12226,7 +14598,7 @@
         </p:grpSpPr>
         <p:sp>
           <p:nvSpPr>
-            <p:cNvPr id="109" name="Google Shape;109;p17"/>
+            <p:cNvPr id="110" name="Google Shape;110;p17"/>
             <p:cNvSpPr/>
             <p:nvPr/>
           </p:nvSpPr>
@@ -12291,7 +14663,7 @@
         </p:sp>
         <p:sp>
           <p:nvSpPr>
-            <p:cNvPr id="110" name="Google Shape;110;p17"/>
+            <p:cNvPr id="111" name="Google Shape;111;p17"/>
             <p:cNvSpPr txBox="1"/>
             <p:nvPr/>
           </p:nvSpPr>
@@ -12533,7 +14905,7 @@
   <p:cSld>
     <p:spTree>
       <p:nvGrpSpPr>
-        <p:cNvPr id="114" name="Shape 114"/>
+        <p:cNvPr id="115" name="Shape 115"/>
         <p:cNvGrpSpPr/>
         <p:nvPr/>
       </p:nvGrpSpPr>
@@ -12547,7 +14919,7 @@
       </p:grpSpPr>
       <p:sp>
         <p:nvSpPr>
-          <p:cNvPr id="115" name="Google Shape;115;p18"/>
+          <p:cNvPr id="116" name="Google Shape;116;p18"/>
           <p:cNvSpPr txBox="1"/>
           <p:nvPr>
             <p:ph type="title"/>
@@ -12587,7 +14959,7 @@
       </p:sp>
       <p:sp>
         <p:nvSpPr>
-          <p:cNvPr id="116" name="Google Shape;116;p18"/>
+          <p:cNvPr id="117" name="Google Shape;117;p18"/>
           <p:cNvSpPr txBox="1"/>
           <p:nvPr>
             <p:ph idx="1" type="body"/>
@@ -12631,7 +15003,7 @@
       </p:sp>
       <p:pic>
         <p:nvPicPr>
-          <p:cNvPr id="117" name="Google Shape;117;p18"/>
+          <p:cNvPr id="118" name="Google Shape;118;p18"/>
           <p:cNvPicPr preferRelativeResize="0"/>
           <p:nvPr/>
         </p:nvPicPr>
@@ -12659,7 +15031,7 @@
       </p:pic>
       <p:graphicFrame>
         <p:nvGraphicFramePr>
-          <p:cNvPr id="118" name="Google Shape;118;p18"/>
+          <p:cNvPr id="119" name="Google Shape;119;p18"/>
           <p:cNvGraphicFramePr/>
           <p:nvPr/>
         </p:nvGraphicFramePr>
@@ -12672,7 +15044,7 @@
             <a:tbl>
               <a:tblPr>
                 <a:noFill/>
-                <a:tableStyleId>{893F770F-80C0-4CCF-B094-6CA2FD48C16E}</a:tableStyleId>
+                <a:tableStyleId>{6EB03115-C78E-4F44-9ACC-38D46992305E}</a:tableStyleId>
               </a:tblPr>
               <a:tblGrid>
                 <a:gridCol w="4260300"/>
@@ -13256,7 +15628,7 @@
   <p:cSld>
     <p:spTree>
       <p:nvGrpSpPr>
-        <p:cNvPr id="122" name="Shape 122"/>
+        <p:cNvPr id="123" name="Shape 123"/>
         <p:cNvGrpSpPr/>
         <p:nvPr/>
       </p:nvGrpSpPr>
@@ -13270,7 +15642,7 @@
       </p:grpSpPr>
       <p:sp>
         <p:nvSpPr>
-          <p:cNvPr id="123" name="Google Shape;123;p19"/>
+          <p:cNvPr id="124" name="Google Shape;124;p19"/>
           <p:cNvSpPr txBox="1"/>
           <p:nvPr>
             <p:ph type="title"/>
@@ -13310,7 +15682,7 @@
       </p:sp>
       <p:sp>
         <p:nvSpPr>
-          <p:cNvPr id="124" name="Google Shape;124;p19"/>
+          <p:cNvPr id="125" name="Google Shape;125;p19"/>
           <p:cNvSpPr txBox="1"/>
           <p:nvPr/>
         </p:nvSpPr>
@@ -13351,7 +15723,7 @@
       </p:sp>
       <p:sp>
         <p:nvSpPr>
-          <p:cNvPr id="125" name="Google Shape;125;p19"/>
+          <p:cNvPr id="126" name="Google Shape;126;p19"/>
           <p:cNvSpPr txBox="1"/>
           <p:nvPr/>
         </p:nvSpPr>
@@ -13525,7 +15897,7 @@
       </p:sp>
       <p:sp>
         <p:nvSpPr>
-          <p:cNvPr id="126" name="Google Shape;126;p19"/>
+          <p:cNvPr id="127" name="Google Shape;127;p19"/>
           <p:cNvSpPr/>
           <p:nvPr/>
         </p:nvSpPr>
@@ -13583,7 +15955,7 @@
       </p:sp>
       <p:sp>
         <p:nvSpPr>
-          <p:cNvPr id="127" name="Google Shape;127;p19"/>
+          <p:cNvPr id="128" name="Google Shape;128;p19"/>
           <p:cNvSpPr/>
           <p:nvPr/>
         </p:nvSpPr>
@@ -13641,7 +16013,7 @@
       </p:sp>
       <p:sp>
         <p:nvSpPr>
-          <p:cNvPr id="128" name="Google Shape;128;p19"/>
+          <p:cNvPr id="129" name="Google Shape;129;p19"/>
           <p:cNvSpPr/>
           <p:nvPr/>
         </p:nvSpPr>
@@ -13699,7 +16071,7 @@
       </p:sp>
       <p:sp>
         <p:nvSpPr>
-          <p:cNvPr id="129" name="Google Shape;129;p19"/>
+          <p:cNvPr id="130" name="Google Shape;130;p19"/>
           <p:cNvSpPr/>
           <p:nvPr/>
         </p:nvSpPr>
@@ -13757,7 +16129,7 @@
       </p:sp>
       <p:sp>
         <p:nvSpPr>
-          <p:cNvPr id="130" name="Google Shape;130;p19"/>
+          <p:cNvPr id="131" name="Google Shape;131;p19"/>
           <p:cNvSpPr/>
           <p:nvPr/>
         </p:nvSpPr>
@@ -13815,10 +16187,10 @@
       </p:sp>
       <p:cxnSp>
         <p:nvCxnSpPr>
-          <p:cNvPr id="131" name="Google Shape;131;p19"/>
+          <p:cNvPr id="132" name="Google Shape;132;p19"/>
           <p:cNvCxnSpPr>
-            <a:stCxn id="126" idx="2"/>
-            <a:endCxn id="127" idx="0"/>
+            <a:stCxn id="127" idx="2"/>
+            <a:endCxn id="128" idx="0"/>
           </p:cNvCxnSpPr>
           <p:nvPr/>
         </p:nvCxnSpPr>
@@ -13846,10 +16218,10 @@
       </p:cxnSp>
       <p:cxnSp>
         <p:nvCxnSpPr>
-          <p:cNvPr id="132" name="Google Shape;132;p19"/>
+          <p:cNvPr id="133" name="Google Shape;133;p19"/>
           <p:cNvCxnSpPr>
-            <a:stCxn id="128" idx="0"/>
-            <a:endCxn id="126" idx="2"/>
+            <a:stCxn id="129" idx="0"/>
+            <a:endCxn id="127" idx="2"/>
           </p:cNvCxnSpPr>
           <p:nvPr/>
         </p:nvCxnSpPr>
@@ -13877,10 +16249,10 @@
       </p:cxnSp>
       <p:cxnSp>
         <p:nvCxnSpPr>
-          <p:cNvPr id="133" name="Google Shape;133;p19"/>
+          <p:cNvPr id="134" name="Google Shape;134;p19"/>
           <p:cNvCxnSpPr>
-            <a:stCxn id="128" idx="2"/>
-            <a:endCxn id="130" idx="0"/>
+            <a:stCxn id="129" idx="2"/>
+            <a:endCxn id="131" idx="0"/>
           </p:cNvCxnSpPr>
           <p:nvPr/>
         </p:nvCxnSpPr>
@@ -13908,9 +16280,9 @@
       </p:cxnSp>
       <p:cxnSp>
         <p:nvCxnSpPr>
-          <p:cNvPr id="134" name="Google Shape;134;p19"/>
+          <p:cNvPr id="135" name="Google Shape;135;p19"/>
           <p:cNvCxnSpPr>
-            <a:stCxn id="129" idx="0"/>
+            <a:stCxn id="130" idx="0"/>
           </p:cNvCxnSpPr>
           <p:nvPr/>
         </p:nvCxnSpPr>
@@ -13938,7 +16310,7 @@
       </p:cxnSp>
       <p:sp>
         <p:nvSpPr>
-          <p:cNvPr id="135" name="Google Shape;135;p19"/>
+          <p:cNvPr id="136" name="Google Shape;136;p19"/>
           <p:cNvSpPr/>
           <p:nvPr/>
         </p:nvSpPr>
@@ -13996,7 +16368,7 @@
       </p:sp>
       <p:sp>
         <p:nvSpPr>
-          <p:cNvPr id="136" name="Google Shape;136;p19"/>
+          <p:cNvPr id="137" name="Google Shape;137;p19"/>
           <p:cNvSpPr/>
           <p:nvPr/>
         </p:nvSpPr>
@@ -14105,7 +16477,7 @@
       </p:sp>
       <p:sp>
         <p:nvSpPr>
-          <p:cNvPr id="137" name="Google Shape;137;p19"/>
+          <p:cNvPr id="138" name="Google Shape;138;p19"/>
           <p:cNvSpPr/>
           <p:nvPr/>
         </p:nvSpPr>
@@ -14214,7 +16586,7 @@
       </p:sp>
       <p:sp>
         <p:nvSpPr>
-          <p:cNvPr id="138" name="Google Shape;138;p19"/>
+          <p:cNvPr id="139" name="Google Shape;139;p19"/>
           <p:cNvSpPr/>
           <p:nvPr/>
         </p:nvSpPr>
@@ -14379,7 +16751,7 @@
       </p:sp>
       <p:sp>
         <p:nvSpPr>
-          <p:cNvPr id="139" name="Google Shape;139;p19"/>
+          <p:cNvPr id="140" name="Google Shape;140;p19"/>
           <p:cNvSpPr/>
           <p:nvPr/>
         </p:nvSpPr>
@@ -14488,7 +16860,7 @@
       </p:sp>
       <p:cxnSp>
         <p:nvCxnSpPr>
-          <p:cNvPr id="140" name="Google Shape;140;p19"/>
+          <p:cNvPr id="141" name="Google Shape;141;p19"/>
           <p:cNvCxnSpPr/>
           <p:nvPr/>
         </p:nvCxnSpPr>
@@ -14516,7 +16888,7 @@
       </p:cxnSp>
       <p:cxnSp>
         <p:nvCxnSpPr>
-          <p:cNvPr id="141" name="Google Shape;141;p19"/>
+          <p:cNvPr id="142" name="Google Shape;142;p19"/>
           <p:cNvCxnSpPr/>
           <p:nvPr/>
         </p:nvCxnSpPr>
@@ -14544,7 +16916,7 @@
       </p:cxnSp>
       <p:cxnSp>
         <p:nvCxnSpPr>
-          <p:cNvPr id="142" name="Google Shape;142;p19"/>
+          <p:cNvPr id="143" name="Google Shape;143;p19"/>
           <p:cNvCxnSpPr/>
           <p:nvPr/>
         </p:nvCxnSpPr>
@@ -14572,7 +16944,7 @@
       </p:cxnSp>
       <p:cxnSp>
         <p:nvCxnSpPr>
-          <p:cNvPr id="143" name="Google Shape;143;p19"/>
+          <p:cNvPr id="144" name="Google Shape;144;p19"/>
           <p:cNvCxnSpPr/>
           <p:nvPr/>
         </p:nvCxnSpPr>
@@ -14600,9 +16972,9 @@
       </p:cxnSp>
       <p:cxnSp>
         <p:nvCxnSpPr>
-          <p:cNvPr id="144" name="Google Shape;144;p19"/>
+          <p:cNvPr id="145" name="Google Shape;145;p19"/>
           <p:cNvCxnSpPr>
-            <a:stCxn id="135" idx="0"/>
+            <a:stCxn id="136" idx="0"/>
           </p:cNvCxnSpPr>
           <p:nvPr/>
         </p:nvCxnSpPr>
@@ -14641,7 +17013,7 @@
   <p:cSld>
     <p:spTree>
       <p:nvGrpSpPr>
-        <p:cNvPr id="148" name="Shape 148"/>
+        <p:cNvPr id="149" name="Shape 149"/>
         <p:cNvGrpSpPr/>
         <p:nvPr/>
       </p:nvGrpSpPr>
@@ -14655,7 +17027,7 @@
       </p:grpSpPr>
       <p:sp>
         <p:nvSpPr>
-          <p:cNvPr id="149" name="Google Shape;149;p20"/>
+          <p:cNvPr id="150" name="Google Shape;150;p20"/>
           <p:cNvSpPr txBox="1"/>
           <p:nvPr>
             <p:ph type="title"/>
@@ -14695,7 +17067,7 @@
       </p:sp>
       <p:sp>
         <p:nvSpPr>
-          <p:cNvPr id="150" name="Google Shape;150;p20"/>
+          <p:cNvPr id="151" name="Google Shape;151;p20"/>
           <p:cNvSpPr txBox="1"/>
           <p:nvPr>
             <p:ph idx="1" type="body"/>
@@ -14901,7 +17273,7 @@
       </p:sp>
       <p:pic>
         <p:nvPicPr>
-          <p:cNvPr id="151" name="Google Shape;151;p20"/>
+          <p:cNvPr id="152" name="Google Shape;152;p20"/>
           <p:cNvPicPr preferRelativeResize="0"/>
           <p:nvPr/>
         </p:nvPicPr>
@@ -14940,7 +17312,7 @@
   <p:cSld>
     <p:spTree>
       <p:nvGrpSpPr>
-        <p:cNvPr id="155" name="Shape 155"/>
+        <p:cNvPr id="156" name="Shape 156"/>
         <p:cNvGrpSpPr/>
         <p:nvPr/>
       </p:nvGrpSpPr>
@@ -14954,7 +17326,7 @@
       </p:grpSpPr>
       <p:sp>
         <p:nvSpPr>
-          <p:cNvPr id="156" name="Google Shape;156;p21"/>
+          <p:cNvPr id="157" name="Google Shape;157;p21"/>
           <p:cNvSpPr txBox="1"/>
           <p:nvPr>
             <p:ph type="title"/>
@@ -14971,7 +17343,7 @@
         </p:spPr>
         <p:txBody>
           <a:bodyPr anchorCtr="0" anchor="b" bIns="91425" lIns="91425" spcFirstLastPara="1" rIns="91425" wrap="square" tIns="91425">
-            <a:normAutofit fontScale="90000"/>
+            <a:normAutofit/>
           </a:bodyPr>
           <a:lstStyle/>
           <a:p>
@@ -14986,1450 +17358,499 @@
             </a:pPr>
             <a:r>
               <a:rPr lang="en"/>
-              <a:t>Deep learning</a:t>
-            </a:r>
-            <a:r>
-              <a:rPr lang="en"/>
-              <a:t> model using pre-trained word embedding</a:t>
+              <a:t>Logistic regression (Word2Vec)</a:t>
             </a:r>
             <a:endParaRPr/>
           </a:p>
         </p:txBody>
       </p:sp>
-      <p:grpSp>
-        <p:nvGrpSpPr>
-          <p:cNvPr id="157" name="Google Shape;157;p21"/>
-          <p:cNvGrpSpPr/>
+      <p:sp>
+        <p:nvSpPr>
+          <p:cNvPr id="158" name="Google Shape;158;p21"/>
+          <p:cNvSpPr txBox="1"/>
           <p:nvPr/>
-        </p:nvGrpSpPr>
-        <p:grpSpPr>
+        </p:nvSpPr>
+        <p:spPr>
           <a:xfrm>
-            <a:off x="0" y="1189989"/>
-            <a:ext cx="2214600" cy="3217636"/>
-            <a:chOff x="0" y="1189989"/>
-            <a:chExt cx="2214600" cy="3217636"/>
+            <a:off x="710674" y="1373350"/>
+            <a:ext cx="2004300" cy="629700"/>
           </a:xfrm>
-        </p:grpSpPr>
-        <p:sp>
-          <p:nvSpPr>
-            <p:cNvPr id="158" name="Google Shape;158;p21"/>
-            <p:cNvSpPr/>
-            <p:nvPr/>
-          </p:nvSpPr>
-          <p:spPr>
-            <a:xfrm>
-              <a:off x="0" y="1189989"/>
-              <a:ext cx="2214600" cy="669000"/>
-            </a:xfrm>
-            <a:prstGeom prst="homePlate">
-              <a:avLst>
-                <a:gd fmla="val 50000" name="adj"/>
-              </a:avLst>
-            </a:prstGeom>
-            <a:solidFill>
-              <a:srgbClr val="7F6000"/>
-            </a:solidFill>
-            <a:ln>
-              <a:noFill/>
-            </a:ln>
-            <a:effectLst>
-              <a:reflection blurRad="0" dir="5400000" dist="38100" endA="0" endPos="30000" fadeDir="5400012" kx="0" rotWithShape="0" algn="bl" stPos="0" sy="-100000" ky="0"/>
-            </a:effectLst>
-          </p:spPr>
-          <p:txBody>
-            <a:bodyPr anchorCtr="0" anchor="ctr" bIns="91425" lIns="91425" spcFirstLastPara="1" rIns="91425" wrap="square" tIns="91425">
-              <a:noAutofit/>
-            </a:bodyPr>
-            <a:lstStyle/>
-            <a:p>
-              <a:pPr indent="0" lvl="0" marL="0" rtl="0" algn="ctr">
-                <a:spcBef>
-                  <a:spcPts val="0"/>
-                </a:spcBef>
-                <a:spcAft>
-                  <a:spcPts val="0"/>
-                </a:spcAft>
-                <a:buNone/>
-              </a:pPr>
-              <a:r>
-                <a:rPr lang="en">
-                  <a:solidFill>
-                    <a:srgbClr val="FFFFFF"/>
-                  </a:solidFill>
-                  <a:latin typeface="Roboto"/>
-                  <a:ea typeface="Roboto"/>
-                  <a:cs typeface="Roboto"/>
-                  <a:sym typeface="Roboto"/>
-                </a:rPr>
-                <a:t>Input data</a:t>
-              </a:r>
-              <a:endParaRPr>
+          <a:prstGeom prst="rect">
+            <a:avLst/>
+          </a:prstGeom>
+          <a:noFill/>
+          <a:ln>
+            <a:noFill/>
+          </a:ln>
+        </p:spPr>
+        <p:txBody>
+          <a:bodyPr anchorCtr="0" anchor="ctr" bIns="45700" lIns="91425" spcFirstLastPara="1" rIns="91425" wrap="square" tIns="45700">
+            <a:noAutofit/>
+          </a:bodyPr>
+          <a:lstStyle/>
+          <a:p>
+            <a:pPr indent="0" lvl="0" marL="0" rtl="0" algn="r">
+              <a:lnSpc>
+                <a:spcPct val="90000"/>
+              </a:lnSpc>
+              <a:spcBef>
+                <a:spcPts val="0"/>
+              </a:spcBef>
+              <a:spcAft>
+                <a:spcPts val="0"/>
+              </a:spcAft>
+              <a:buNone/>
+            </a:pPr>
+            <a:r>
+              <a:rPr lang="en" sz="4400">
                 <a:solidFill>
-                  <a:srgbClr val="FFFFFF"/>
+                  <a:srgbClr val="085631"/>
                 </a:solidFill>
-                <a:latin typeface="Roboto"/>
-                <a:ea typeface="Roboto"/>
-                <a:cs typeface="Roboto"/>
-                <a:sym typeface="Roboto"/>
-              </a:endParaRPr>
-            </a:p>
-          </p:txBody>
-        </p:sp>
-        <p:sp>
-          <p:nvSpPr>
-            <p:cNvPr id="159" name="Google Shape;159;p21"/>
-            <p:cNvSpPr txBox="1"/>
-            <p:nvPr/>
-          </p:nvSpPr>
-          <p:spPr>
-            <a:xfrm>
-              <a:off x="295050" y="2057125"/>
-              <a:ext cx="1624500" cy="2350500"/>
-            </a:xfrm>
-            <a:prstGeom prst="rect">
-              <a:avLst/>
-            </a:prstGeom>
+                <a:latin typeface="Roboto Medium"/>
+                <a:ea typeface="Roboto Medium"/>
+                <a:cs typeface="Roboto Medium"/>
+                <a:sym typeface="Roboto Medium"/>
+              </a:rPr>
+              <a:t> </a:t>
+            </a:r>
+            <a:endParaRPr sz="4400">
+              <a:solidFill>
+                <a:srgbClr val="085631"/>
+              </a:solidFill>
+              <a:latin typeface="Roboto Medium"/>
+              <a:ea typeface="Roboto Medium"/>
+              <a:cs typeface="Roboto Medium"/>
+              <a:sym typeface="Roboto Medium"/>
+            </a:endParaRPr>
+          </a:p>
+        </p:txBody>
+      </p:sp>
+      <p:sp>
+        <p:nvSpPr>
+          <p:cNvPr id="159" name="Google Shape;159;p21"/>
+          <p:cNvSpPr txBox="1"/>
+          <p:nvPr/>
+        </p:nvSpPr>
+        <p:spPr>
+          <a:xfrm>
+            <a:off x="385550" y="1419500"/>
+            <a:ext cx="7530600" cy="3126300"/>
+          </a:xfrm>
+          <a:prstGeom prst="rect">
+            <a:avLst/>
+          </a:prstGeom>
+          <a:noFill/>
+          <a:ln>
             <a:noFill/>
-            <a:ln>
-              <a:noFill/>
-            </a:ln>
-          </p:spPr>
-          <p:txBody>
-            <a:bodyPr anchorCtr="0" anchor="t" bIns="91425" lIns="91425" spcFirstLastPara="1" rIns="91425" wrap="square" tIns="91425">
-              <a:noAutofit/>
-            </a:bodyPr>
-            <a:lstStyle/>
-            <a:p>
-              <a:pPr indent="0" lvl="0" marL="0" rtl="0" algn="l">
-                <a:lnSpc>
-                  <a:spcPct val="115000"/>
-                </a:lnSpc>
-                <a:spcBef>
-                  <a:spcPts val="0"/>
-                </a:spcBef>
-                <a:spcAft>
-                  <a:spcPts val="0"/>
-                </a:spcAft>
-                <a:buNone/>
-              </a:pPr>
-              <a:r>
-                <a:rPr lang="en" sz="1200">
-                  <a:latin typeface="Roboto"/>
-                  <a:ea typeface="Roboto"/>
-                  <a:cs typeface="Roboto"/>
-                  <a:sym typeface="Roboto"/>
-                </a:rPr>
-                <a:t>Training data set contains </a:t>
-              </a:r>
-              <a:r>
-                <a:rPr b="1" lang="en" sz="1200">
-                  <a:latin typeface="Roboto"/>
-                  <a:ea typeface="Roboto"/>
-                  <a:cs typeface="Roboto"/>
-                  <a:sym typeface="Roboto"/>
-                </a:rPr>
-                <a:t>127,656</a:t>
-              </a:r>
-              <a:r>
-                <a:rPr lang="en" sz="1200">
-                  <a:latin typeface="Roboto"/>
-                  <a:ea typeface="Roboto"/>
-                  <a:cs typeface="Roboto"/>
-                  <a:sym typeface="Roboto"/>
-                </a:rPr>
-                <a:t> words (</a:t>
-              </a:r>
-              <a:r>
-                <a:rPr lang="en" sz="1200">
-                  <a:latin typeface="Roboto"/>
-                  <a:ea typeface="Roboto"/>
-                  <a:cs typeface="Roboto"/>
-                  <a:sym typeface="Roboto"/>
-                </a:rPr>
-                <a:t>lemmatized</a:t>
-              </a:r>
-              <a:r>
-                <a:rPr lang="en" sz="1200">
-                  <a:latin typeface="Roboto"/>
-                  <a:ea typeface="Roboto"/>
-                  <a:cs typeface="Roboto"/>
-                  <a:sym typeface="Roboto"/>
-                </a:rPr>
-                <a:t>). We set the padding length </a:t>
-              </a:r>
-              <a:r>
-                <a:rPr b="1" lang="en" sz="1200">
-                  <a:latin typeface="Roboto"/>
-                  <a:ea typeface="Roboto"/>
-                  <a:cs typeface="Roboto"/>
-                  <a:sym typeface="Roboto"/>
-                </a:rPr>
-                <a:t>200 </a:t>
-              </a:r>
-              <a:r>
-                <a:rPr lang="en" sz="1200">
-                  <a:latin typeface="Roboto"/>
-                  <a:ea typeface="Roboto"/>
-                  <a:cs typeface="Roboto"/>
-                  <a:sym typeface="Roboto"/>
-                </a:rPr>
-                <a:t>based on histogram below.</a:t>
-              </a:r>
-              <a:endParaRPr sz="1200">
-                <a:latin typeface="Roboto"/>
-                <a:ea typeface="Roboto"/>
-                <a:cs typeface="Roboto"/>
-                <a:sym typeface="Roboto"/>
-              </a:endParaRPr>
-            </a:p>
-            <a:p>
-              <a:pPr indent="0" lvl="0" marL="0" rtl="0" algn="l">
-                <a:lnSpc>
-                  <a:spcPct val="115000"/>
-                </a:lnSpc>
-                <a:spcBef>
-                  <a:spcPts val="0"/>
-                </a:spcBef>
-                <a:spcAft>
-                  <a:spcPts val="0"/>
-                </a:spcAft>
-                <a:buNone/>
-              </a:pPr>
-              <a:r>
-                <a:rPr lang="en" sz="1200">
-                  <a:latin typeface="Roboto"/>
-                  <a:ea typeface="Roboto"/>
-                  <a:cs typeface="Roboto"/>
-                  <a:sym typeface="Roboto"/>
-                </a:rPr>
-                <a:t>Input matrix size is</a:t>
-              </a:r>
-              <a:endParaRPr sz="1200">
-                <a:latin typeface="Roboto"/>
-                <a:ea typeface="Roboto"/>
-                <a:cs typeface="Roboto"/>
-                <a:sym typeface="Roboto"/>
-              </a:endParaRPr>
-            </a:p>
-            <a:p>
-              <a:pPr indent="0" lvl="0" marL="0" rtl="0" algn="l">
-                <a:lnSpc>
-                  <a:spcPct val="115000"/>
-                </a:lnSpc>
-                <a:spcBef>
-                  <a:spcPts val="0"/>
-                </a:spcBef>
-                <a:spcAft>
-                  <a:spcPts val="0"/>
-                </a:spcAft>
-                <a:buNone/>
-              </a:pPr>
-              <a:r>
-                <a:rPr lang="en" sz="1200">
-                  <a:latin typeface="Roboto"/>
-                  <a:ea typeface="Roboto"/>
-                  <a:cs typeface="Roboto"/>
-                  <a:sym typeface="Roboto"/>
-                </a:rPr>
-                <a:t>127,656x200</a:t>
-              </a:r>
-              <a:endParaRPr sz="1200">
-                <a:latin typeface="Roboto"/>
-                <a:ea typeface="Roboto"/>
-                <a:cs typeface="Roboto"/>
-                <a:sym typeface="Roboto"/>
-              </a:endParaRPr>
-            </a:p>
-          </p:txBody>
-        </p:sp>
-      </p:grpSp>
-      <p:grpSp>
-        <p:nvGrpSpPr>
-          <p:cNvPr id="160" name="Google Shape;160;p21"/>
-          <p:cNvGrpSpPr/>
-          <p:nvPr/>
-        </p:nvGrpSpPr>
-        <p:grpSpPr>
-          <a:xfrm>
-            <a:off x="1838325" y="1189775"/>
-            <a:ext cx="2064000" cy="3217850"/>
-            <a:chOff x="1838325" y="1189775"/>
-            <a:chExt cx="2064000" cy="3217850"/>
-          </a:xfrm>
-        </p:grpSpPr>
-        <p:sp>
-          <p:nvSpPr>
-            <p:cNvPr id="161" name="Google Shape;161;p21"/>
-            <p:cNvSpPr/>
-            <p:nvPr/>
-          </p:nvSpPr>
-          <p:spPr>
-            <a:xfrm>
-              <a:off x="1838325" y="1189775"/>
-              <a:ext cx="2064000" cy="669000"/>
-            </a:xfrm>
-            <a:prstGeom prst="chevron">
-              <a:avLst>
-                <a:gd fmla="val 50000" name="adj"/>
-              </a:avLst>
-            </a:prstGeom>
-            <a:solidFill>
-              <a:srgbClr val="BF9000"/>
-            </a:solidFill>
-            <a:ln>
-              <a:noFill/>
-            </a:ln>
-            <a:effectLst>
-              <a:reflection blurRad="0" dir="5400000" dist="38100" endA="0" endPos="30000" fadeDir="5400012" kx="0" rotWithShape="0" algn="bl" stPos="0" sy="-100000" ky="0"/>
-            </a:effectLst>
-          </p:spPr>
-          <p:txBody>
-            <a:bodyPr anchorCtr="0" anchor="ctr" bIns="91425" lIns="91425" spcFirstLastPara="1" rIns="91425" wrap="square" tIns="91425">
-              <a:noAutofit/>
-            </a:bodyPr>
-            <a:lstStyle/>
-            <a:p>
-              <a:pPr indent="0" lvl="0" marL="0" rtl="0" algn="ctr">
-                <a:spcBef>
-                  <a:spcPts val="0"/>
-                </a:spcBef>
-                <a:spcAft>
-                  <a:spcPts val="0"/>
-                </a:spcAft>
-                <a:buNone/>
-              </a:pPr>
-              <a:r>
-                <a:rPr lang="en">
-                  <a:solidFill>
-                    <a:srgbClr val="FFFFFF"/>
-                  </a:solidFill>
-                  <a:latin typeface="Roboto"/>
-                  <a:ea typeface="Roboto"/>
-                  <a:cs typeface="Roboto"/>
-                  <a:sym typeface="Roboto"/>
-                </a:rPr>
-                <a:t>Embeddings</a:t>
-              </a:r>
-              <a:endParaRPr>
-                <a:solidFill>
-                  <a:srgbClr val="FFFFFF"/>
-                </a:solidFill>
-                <a:latin typeface="Roboto"/>
-                <a:ea typeface="Roboto"/>
-                <a:cs typeface="Roboto"/>
-                <a:sym typeface="Roboto"/>
-              </a:endParaRPr>
-            </a:p>
-          </p:txBody>
-        </p:sp>
-        <p:sp>
-          <p:nvSpPr>
-            <p:cNvPr id="162" name="Google Shape;162;p21"/>
-            <p:cNvSpPr txBox="1"/>
-            <p:nvPr/>
-          </p:nvSpPr>
-          <p:spPr>
-            <a:xfrm>
-              <a:off x="2017250" y="2057125"/>
-              <a:ext cx="1624500" cy="2350500"/>
-            </a:xfrm>
-            <a:prstGeom prst="rect">
-              <a:avLst/>
-            </a:prstGeom>
-            <a:noFill/>
-            <a:ln>
-              <a:noFill/>
-            </a:ln>
-          </p:spPr>
-          <p:txBody>
-            <a:bodyPr anchorCtr="0" anchor="t" bIns="91425" lIns="91425" spcFirstLastPara="1" rIns="91425" wrap="square" tIns="91425">
-              <a:noAutofit/>
-            </a:bodyPr>
-            <a:lstStyle/>
-            <a:p>
-              <a:pPr indent="0" lvl="0" marL="0" rtl="0" algn="l">
-                <a:lnSpc>
-                  <a:spcPct val="115000"/>
-                </a:lnSpc>
-                <a:spcBef>
-                  <a:spcPts val="0"/>
-                </a:spcBef>
-                <a:spcAft>
-                  <a:spcPts val="0"/>
-                </a:spcAft>
-                <a:buNone/>
-              </a:pPr>
-              <a:r>
-                <a:rPr lang="en" sz="1200">
-                  <a:latin typeface="Roboto"/>
-                  <a:ea typeface="Roboto"/>
-                  <a:cs typeface="Roboto"/>
-                  <a:sym typeface="Roboto"/>
-                </a:rPr>
-                <a:t>We used </a:t>
-              </a:r>
-              <a:r>
-                <a:rPr b="1" i="1" lang="en" sz="1200">
-                  <a:latin typeface="Roboto"/>
-                  <a:ea typeface="Roboto"/>
-                  <a:cs typeface="Roboto"/>
-                  <a:sym typeface="Roboto"/>
-                </a:rPr>
-                <a:t>glova</a:t>
-              </a:r>
-              <a:r>
-                <a:rPr lang="en" sz="1200">
-                  <a:latin typeface="Roboto"/>
-                  <a:ea typeface="Roboto"/>
-                  <a:cs typeface="Roboto"/>
-                  <a:sym typeface="Roboto"/>
-                </a:rPr>
-                <a:t> embedding that has size </a:t>
-              </a:r>
-              <a:r>
-                <a:rPr b="1" lang="en" sz="1200">
-                  <a:latin typeface="Roboto"/>
-                  <a:ea typeface="Roboto"/>
-                  <a:cs typeface="Roboto"/>
-                  <a:sym typeface="Roboto"/>
-                </a:rPr>
-                <a:t>100</a:t>
-              </a:r>
-              <a:r>
-                <a:rPr lang="en" sz="1200">
-                  <a:latin typeface="Roboto"/>
-                  <a:ea typeface="Roboto"/>
-                  <a:cs typeface="Roboto"/>
-                  <a:sym typeface="Roboto"/>
-                </a:rPr>
-                <a:t>.</a:t>
-              </a:r>
-              <a:endParaRPr sz="1200">
-                <a:latin typeface="Roboto"/>
-                <a:ea typeface="Roboto"/>
-                <a:cs typeface="Roboto"/>
-                <a:sym typeface="Roboto"/>
-              </a:endParaRPr>
-            </a:p>
-            <a:p>
-              <a:pPr indent="0" lvl="0" marL="0" rtl="0" algn="l">
-                <a:lnSpc>
-                  <a:spcPct val="115000"/>
-                </a:lnSpc>
-                <a:spcBef>
-                  <a:spcPts val="0"/>
-                </a:spcBef>
-                <a:spcAft>
-                  <a:spcPts val="0"/>
-                </a:spcAft>
-                <a:buNone/>
-              </a:pPr>
-              <a:r>
-                <a:t/>
-              </a:r>
-              <a:endParaRPr sz="1200">
-                <a:latin typeface="Roboto"/>
-                <a:ea typeface="Roboto"/>
-                <a:cs typeface="Roboto"/>
-                <a:sym typeface="Roboto"/>
-              </a:endParaRPr>
-            </a:p>
-            <a:p>
-              <a:pPr indent="0" lvl="0" marL="0" rtl="0" algn="l">
-                <a:lnSpc>
-                  <a:spcPct val="115000"/>
-                </a:lnSpc>
-                <a:spcBef>
-                  <a:spcPts val="0"/>
-                </a:spcBef>
-                <a:spcAft>
-                  <a:spcPts val="0"/>
-                </a:spcAft>
-                <a:buNone/>
-              </a:pPr>
-              <a:r>
-                <a:rPr lang="en" sz="1200">
-                  <a:latin typeface="Roboto"/>
-                  <a:ea typeface="Roboto"/>
-                  <a:cs typeface="Roboto"/>
-                  <a:sym typeface="Roboto"/>
-                </a:rPr>
-                <a:t>Vocab size of </a:t>
-              </a:r>
-              <a:r>
-                <a:rPr lang="en" sz="1200">
-                  <a:latin typeface="Roboto"/>
-                  <a:ea typeface="Roboto"/>
-                  <a:cs typeface="Roboto"/>
-                  <a:sym typeface="Roboto"/>
-                </a:rPr>
-                <a:t>training</a:t>
-              </a:r>
-              <a:r>
-                <a:rPr lang="en" sz="1200">
-                  <a:latin typeface="Roboto"/>
-                  <a:ea typeface="Roboto"/>
-                  <a:cs typeface="Roboto"/>
-                  <a:sym typeface="Roboto"/>
-                </a:rPr>
-                <a:t> set is 138,467.</a:t>
-              </a:r>
-              <a:endParaRPr sz="1200">
-                <a:latin typeface="Roboto"/>
-                <a:ea typeface="Roboto"/>
-                <a:cs typeface="Roboto"/>
-                <a:sym typeface="Roboto"/>
-              </a:endParaRPr>
-            </a:p>
-            <a:p>
-              <a:pPr indent="0" lvl="0" marL="0" rtl="0" algn="l">
-                <a:lnSpc>
-                  <a:spcPct val="115000"/>
-                </a:lnSpc>
-                <a:spcBef>
-                  <a:spcPts val="0"/>
-                </a:spcBef>
-                <a:spcAft>
-                  <a:spcPts val="0"/>
-                </a:spcAft>
-                <a:buNone/>
-              </a:pPr>
-              <a:r>
-                <a:t/>
-              </a:r>
-              <a:endParaRPr sz="1200">
-                <a:latin typeface="Roboto"/>
-                <a:ea typeface="Roboto"/>
-                <a:cs typeface="Roboto"/>
-                <a:sym typeface="Roboto"/>
-              </a:endParaRPr>
-            </a:p>
-            <a:p>
-              <a:pPr indent="0" lvl="0" marL="0" rtl="0" algn="l">
-                <a:lnSpc>
-                  <a:spcPct val="115000"/>
-                </a:lnSpc>
-                <a:spcBef>
-                  <a:spcPts val="0"/>
-                </a:spcBef>
-                <a:spcAft>
-                  <a:spcPts val="0"/>
-                </a:spcAft>
-                <a:buNone/>
-              </a:pPr>
-              <a:r>
-                <a:rPr lang="en" sz="1200">
-                  <a:latin typeface="Roboto"/>
-                  <a:ea typeface="Roboto"/>
-                  <a:cs typeface="Roboto"/>
-                  <a:sym typeface="Roboto"/>
-                </a:rPr>
-                <a:t>Embedding</a:t>
-              </a:r>
-              <a:r>
-                <a:rPr lang="en" sz="1200">
-                  <a:latin typeface="Roboto"/>
-                  <a:ea typeface="Roboto"/>
-                  <a:cs typeface="Roboto"/>
-                  <a:sym typeface="Roboto"/>
-                </a:rPr>
-                <a:t> matrix is </a:t>
-              </a:r>
-              <a:endParaRPr sz="1200">
-                <a:latin typeface="Roboto"/>
-                <a:ea typeface="Roboto"/>
-                <a:cs typeface="Roboto"/>
-                <a:sym typeface="Roboto"/>
-              </a:endParaRPr>
-            </a:p>
-            <a:p>
-              <a:pPr indent="0" lvl="0" marL="0" rtl="0" algn="l">
-                <a:lnSpc>
-                  <a:spcPct val="115000"/>
-                </a:lnSpc>
-                <a:spcBef>
-                  <a:spcPts val="0"/>
-                </a:spcBef>
-                <a:spcAft>
-                  <a:spcPts val="0"/>
-                </a:spcAft>
-                <a:buNone/>
-              </a:pPr>
-              <a:r>
-                <a:rPr lang="en" sz="1200">
-                  <a:solidFill>
-                    <a:schemeClr val="dk1"/>
-                  </a:solidFill>
-                  <a:latin typeface="Roboto"/>
-                  <a:ea typeface="Roboto"/>
-                  <a:cs typeface="Roboto"/>
-                  <a:sym typeface="Roboto"/>
-                </a:rPr>
-                <a:t>138,467 x 100 x 200</a:t>
-              </a:r>
-              <a:endParaRPr sz="1200">
+          </a:ln>
+        </p:spPr>
+        <p:txBody>
+          <a:bodyPr anchorCtr="0" anchor="t" bIns="91425" lIns="91425" spcFirstLastPara="1" rIns="91425" wrap="square" tIns="91425">
+            <a:spAutoFit/>
+          </a:bodyPr>
+          <a:lstStyle/>
+          <a:p>
+            <a:pPr indent="-342900" lvl="0" marL="457200" rtl="0" algn="l">
+              <a:lnSpc>
+                <a:spcPct val="115000"/>
+              </a:lnSpc>
+              <a:spcBef>
+                <a:spcPts val="0"/>
+              </a:spcBef>
+              <a:spcAft>
+                <a:spcPts val="0"/>
+              </a:spcAft>
+              <a:buClr>
+                <a:schemeClr val="dk1"/>
+              </a:buClr>
+              <a:buSzPts val="1800"/>
+              <a:buFont typeface="Open Sans"/>
+              <a:buChar char="●"/>
+            </a:pPr>
+            <a:r>
+              <a:rPr lang="en" sz="1800">
                 <a:solidFill>
                   <a:schemeClr val="dk1"/>
                 </a:solidFill>
-                <a:latin typeface="Roboto"/>
-                <a:ea typeface="Roboto"/>
-                <a:cs typeface="Roboto"/>
-                <a:sym typeface="Roboto"/>
-              </a:endParaRPr>
-            </a:p>
-            <a:p>
-              <a:pPr indent="0" lvl="0" marL="0" rtl="0" algn="l">
-                <a:lnSpc>
-                  <a:spcPct val="115000"/>
-                </a:lnSpc>
-                <a:spcBef>
-                  <a:spcPts val="0"/>
-                </a:spcBef>
-                <a:spcAft>
-                  <a:spcPts val="0"/>
-                </a:spcAft>
-                <a:buNone/>
-              </a:pPr>
-              <a:r>
-                <a:t/>
-              </a:r>
-              <a:endParaRPr sz="1200">
+                <a:latin typeface="Open Sans"/>
+                <a:ea typeface="Open Sans"/>
+                <a:cs typeface="Open Sans"/>
+                <a:sym typeface="Open Sans"/>
+              </a:rPr>
+              <a:t>Vectorized comments using average word2vec embedding</a:t>
+            </a:r>
+            <a:endParaRPr sz="1800">
+              <a:solidFill>
+                <a:schemeClr val="dk1"/>
+              </a:solidFill>
+              <a:latin typeface="Open Sans"/>
+              <a:ea typeface="Open Sans"/>
+              <a:cs typeface="Open Sans"/>
+              <a:sym typeface="Open Sans"/>
+            </a:endParaRPr>
+          </a:p>
+          <a:p>
+            <a:pPr indent="-317500" lvl="1" marL="914400" rtl="0" algn="l">
+              <a:lnSpc>
+                <a:spcPct val="115000"/>
+              </a:lnSpc>
+              <a:spcBef>
+                <a:spcPts val="0"/>
+              </a:spcBef>
+              <a:spcAft>
+                <a:spcPts val="0"/>
+              </a:spcAft>
+              <a:buClr>
+                <a:schemeClr val="dk1"/>
+              </a:buClr>
+              <a:buSzPts val="1400"/>
+              <a:buFont typeface="Open Sans"/>
+              <a:buChar char="○"/>
+            </a:pPr>
+            <a:r>
+              <a:rPr lang="en">
                 <a:solidFill>
                   <a:schemeClr val="dk1"/>
                 </a:solidFill>
-                <a:latin typeface="Roboto"/>
-                <a:ea typeface="Roboto"/>
-                <a:cs typeface="Roboto"/>
-                <a:sym typeface="Roboto"/>
-              </a:endParaRPr>
-            </a:p>
-            <a:p>
-              <a:pPr indent="0" lvl="0" marL="0" rtl="0" algn="l">
-                <a:lnSpc>
-                  <a:spcPct val="115000"/>
-                </a:lnSpc>
-                <a:spcBef>
-                  <a:spcPts val="0"/>
-                </a:spcBef>
-                <a:spcAft>
-                  <a:spcPts val="0"/>
-                </a:spcAft>
-                <a:buClr>
-                  <a:schemeClr val="dk1"/>
-                </a:buClr>
-                <a:buSzPts val="1100"/>
-                <a:buFont typeface="Arial"/>
-                <a:buNone/>
-              </a:pPr>
-              <a:r>
-                <a:t/>
-              </a:r>
-              <a:endParaRPr sz="1200">
+                <a:latin typeface="Open Sans"/>
+                <a:ea typeface="Open Sans"/>
+                <a:cs typeface="Open Sans"/>
+                <a:sym typeface="Open Sans"/>
+              </a:rPr>
+              <a:t>Used comments that had been cleaned, spell checked, and lemmatized (stopwords removed)</a:t>
+            </a:r>
+            <a:endParaRPr>
+              <a:solidFill>
+                <a:schemeClr val="dk1"/>
+              </a:solidFill>
+              <a:latin typeface="Open Sans"/>
+              <a:ea typeface="Open Sans"/>
+              <a:cs typeface="Open Sans"/>
+              <a:sym typeface="Open Sans"/>
+            </a:endParaRPr>
+          </a:p>
+          <a:p>
+            <a:pPr indent="-342900" lvl="0" marL="457200" rtl="0" algn="l">
+              <a:lnSpc>
+                <a:spcPct val="115000"/>
+              </a:lnSpc>
+              <a:spcBef>
+                <a:spcPts val="0"/>
+              </a:spcBef>
+              <a:spcAft>
+                <a:spcPts val="0"/>
+              </a:spcAft>
+              <a:buClr>
+                <a:schemeClr val="dk1"/>
+              </a:buClr>
+              <a:buSzPts val="1800"/>
+              <a:buFont typeface="Open Sans"/>
+              <a:buChar char="●"/>
+            </a:pPr>
+            <a:r>
+              <a:rPr lang="en" sz="1800">
                 <a:solidFill>
                   <a:schemeClr val="dk1"/>
                 </a:solidFill>
-                <a:latin typeface="Roboto"/>
-                <a:ea typeface="Roboto"/>
-                <a:cs typeface="Roboto"/>
-                <a:sym typeface="Roboto"/>
-              </a:endParaRPr>
-            </a:p>
-          </p:txBody>
-        </p:sp>
-      </p:grpSp>
-      <p:grpSp>
-        <p:nvGrpSpPr>
-          <p:cNvPr id="163" name="Google Shape;163;p21"/>
-          <p:cNvGrpSpPr/>
-          <p:nvPr/>
-        </p:nvGrpSpPr>
-        <p:grpSpPr>
-          <a:xfrm>
-            <a:off x="3516750" y="1189775"/>
-            <a:ext cx="2064000" cy="3217850"/>
-            <a:chOff x="3516750" y="1189775"/>
-            <a:chExt cx="2064000" cy="3217850"/>
-          </a:xfrm>
-        </p:grpSpPr>
-        <p:sp>
-          <p:nvSpPr>
-            <p:cNvPr id="164" name="Google Shape;164;p21"/>
-            <p:cNvSpPr/>
-            <p:nvPr/>
-          </p:nvSpPr>
-          <p:spPr>
-            <a:xfrm>
-              <a:off x="3516750" y="1189775"/>
-              <a:ext cx="2064000" cy="669000"/>
-            </a:xfrm>
-            <a:prstGeom prst="chevron">
-              <a:avLst>
-                <a:gd fmla="val 50000" name="adj"/>
-              </a:avLst>
-            </a:prstGeom>
-            <a:solidFill>
-              <a:schemeClr val="lt2"/>
-            </a:solidFill>
-            <a:ln>
-              <a:noFill/>
-            </a:ln>
-            <a:effectLst>
-              <a:reflection blurRad="0" dir="5400000" dist="38100" endA="0" endPos="30000" fadeDir="5400012" kx="0" rotWithShape="0" algn="bl" stPos="0" sy="-100000" ky="0"/>
-            </a:effectLst>
-          </p:spPr>
-          <p:txBody>
-            <a:bodyPr anchorCtr="0" anchor="ctr" bIns="91425" lIns="91425" spcFirstLastPara="1" rIns="91425" wrap="square" tIns="91425">
-              <a:noAutofit/>
-            </a:bodyPr>
-            <a:lstStyle/>
-            <a:p>
-              <a:pPr indent="0" lvl="0" marL="0" rtl="0" algn="ctr">
-                <a:spcBef>
-                  <a:spcPts val="0"/>
-                </a:spcBef>
-                <a:spcAft>
-                  <a:spcPts val="0"/>
-                </a:spcAft>
-                <a:buNone/>
-              </a:pPr>
-              <a:r>
-                <a:rPr lang="en">
-                  <a:solidFill>
-                    <a:srgbClr val="FFFFFF"/>
-                  </a:solidFill>
-                  <a:latin typeface="Roboto"/>
-                  <a:ea typeface="Roboto"/>
-                  <a:cs typeface="Roboto"/>
-                  <a:sym typeface="Roboto"/>
-                </a:rPr>
-                <a:t>Document embeddings</a:t>
-              </a:r>
-              <a:endParaRPr>
-                <a:solidFill>
-                  <a:srgbClr val="FFFFFF"/>
-                </a:solidFill>
-                <a:latin typeface="Roboto"/>
-                <a:ea typeface="Roboto"/>
-                <a:cs typeface="Roboto"/>
-                <a:sym typeface="Roboto"/>
-              </a:endParaRPr>
-            </a:p>
-          </p:txBody>
-        </p:sp>
-        <p:sp>
-          <p:nvSpPr>
-            <p:cNvPr id="165" name="Google Shape;165;p21"/>
-            <p:cNvSpPr txBox="1"/>
-            <p:nvPr/>
-          </p:nvSpPr>
-          <p:spPr>
-            <a:xfrm>
-              <a:off x="3739450" y="2057125"/>
-              <a:ext cx="1624500" cy="2350500"/>
-            </a:xfrm>
-            <a:prstGeom prst="rect">
-              <a:avLst/>
-            </a:prstGeom>
-            <a:noFill/>
-            <a:ln>
-              <a:noFill/>
-            </a:ln>
-          </p:spPr>
-          <p:txBody>
-            <a:bodyPr anchorCtr="0" anchor="t" bIns="91425" lIns="91425" spcFirstLastPara="1" rIns="91425" wrap="square" tIns="91425">
-              <a:noAutofit/>
-            </a:bodyPr>
-            <a:lstStyle/>
-            <a:p>
-              <a:pPr indent="0" lvl="0" marL="0" rtl="0" algn="l">
-                <a:lnSpc>
-                  <a:spcPct val="115000"/>
-                </a:lnSpc>
-                <a:spcBef>
-                  <a:spcPts val="0"/>
-                </a:spcBef>
-                <a:spcAft>
-                  <a:spcPts val="0"/>
-                </a:spcAft>
-                <a:buNone/>
-              </a:pPr>
-              <a:r>
-                <a:rPr lang="en" sz="1200">
-                  <a:latin typeface="Roboto"/>
-                  <a:ea typeface="Roboto"/>
-                  <a:cs typeface="Roboto"/>
-                  <a:sym typeface="Roboto"/>
-                </a:rPr>
-                <a:t>We defined that </a:t>
-              </a:r>
-              <a:r>
-                <a:rPr b="1" lang="en" sz="1200">
-                  <a:solidFill>
-                    <a:schemeClr val="dk1"/>
-                  </a:solidFill>
-                  <a:latin typeface="Roboto"/>
-                  <a:ea typeface="Roboto"/>
-                  <a:cs typeface="Roboto"/>
-                  <a:sym typeface="Roboto"/>
-                </a:rPr>
-                <a:t>138,467 x 100 </a:t>
-              </a:r>
-              <a:r>
-                <a:rPr lang="en" sz="1200">
-                  <a:solidFill>
-                    <a:schemeClr val="dk1"/>
-                  </a:solidFill>
-                  <a:latin typeface="Roboto"/>
-                  <a:ea typeface="Roboto"/>
-                  <a:cs typeface="Roboto"/>
-                  <a:sym typeface="Roboto"/>
-                </a:rPr>
-                <a:t>parameters as </a:t>
-              </a:r>
-              <a:r>
-                <a:rPr b="1" lang="en" sz="1200">
-                  <a:solidFill>
-                    <a:schemeClr val="dk1"/>
-                  </a:solidFill>
-                  <a:latin typeface="Roboto"/>
-                  <a:ea typeface="Roboto"/>
-                  <a:cs typeface="Roboto"/>
-                  <a:sym typeface="Roboto"/>
-                </a:rPr>
-                <a:t>non-trainable.</a:t>
-              </a:r>
-              <a:endParaRPr b="1" sz="1200">
+                <a:latin typeface="Open Sans"/>
+                <a:ea typeface="Open Sans"/>
+                <a:cs typeface="Open Sans"/>
+                <a:sym typeface="Open Sans"/>
+              </a:rPr>
+              <a:t>Built a Logistic Regression model for the feature set</a:t>
+            </a:r>
+            <a:endParaRPr sz="1800">
+              <a:solidFill>
+                <a:schemeClr val="dk1"/>
+              </a:solidFill>
+              <a:latin typeface="Open Sans"/>
+              <a:ea typeface="Open Sans"/>
+              <a:cs typeface="Open Sans"/>
+              <a:sym typeface="Open Sans"/>
+            </a:endParaRPr>
+          </a:p>
+          <a:p>
+            <a:pPr indent="-317500" lvl="1" marL="914400" rtl="0" algn="l">
+              <a:lnSpc>
+                <a:spcPct val="115000"/>
+              </a:lnSpc>
+              <a:spcBef>
+                <a:spcPts val="0"/>
+              </a:spcBef>
+              <a:spcAft>
+                <a:spcPts val="0"/>
+              </a:spcAft>
+              <a:buClr>
+                <a:schemeClr val="dk1"/>
+              </a:buClr>
+              <a:buSzPts val="1400"/>
+              <a:buFont typeface="Open Sans"/>
+              <a:buChar char="○"/>
+            </a:pPr>
+            <a:r>
+              <a:rPr lang="en">
                 <a:solidFill>
                   <a:schemeClr val="dk1"/>
                 </a:solidFill>
-                <a:latin typeface="Roboto"/>
-                <a:ea typeface="Roboto"/>
-                <a:cs typeface="Roboto"/>
-                <a:sym typeface="Roboto"/>
-              </a:endParaRPr>
-            </a:p>
-            <a:p>
-              <a:pPr indent="0" lvl="0" marL="0" rtl="0" algn="l">
-                <a:lnSpc>
-                  <a:spcPct val="115000"/>
-                </a:lnSpc>
-                <a:spcBef>
-                  <a:spcPts val="0"/>
-                </a:spcBef>
-                <a:spcAft>
-                  <a:spcPts val="0"/>
-                </a:spcAft>
-                <a:buNone/>
-              </a:pPr>
-              <a:r>
-                <a:t/>
-              </a:r>
-              <a:endParaRPr sz="1200">
+                <a:latin typeface="Open Sans"/>
+                <a:ea typeface="Open Sans"/>
+                <a:cs typeface="Open Sans"/>
+                <a:sym typeface="Open Sans"/>
+              </a:rPr>
+              <a:t>Put probability cutoffs 0.5</a:t>
+            </a:r>
+            <a:endParaRPr>
+              <a:solidFill>
+                <a:schemeClr val="dk1"/>
+              </a:solidFill>
+              <a:latin typeface="Open Sans"/>
+              <a:ea typeface="Open Sans"/>
+              <a:cs typeface="Open Sans"/>
+              <a:sym typeface="Open Sans"/>
+            </a:endParaRPr>
+          </a:p>
+          <a:p>
+            <a:pPr indent="-317500" lvl="1" marL="914400" rtl="0" algn="l">
+              <a:lnSpc>
+                <a:spcPct val="115000"/>
+              </a:lnSpc>
+              <a:spcBef>
+                <a:spcPts val="0"/>
+              </a:spcBef>
+              <a:spcAft>
+                <a:spcPts val="0"/>
+              </a:spcAft>
+              <a:buClr>
+                <a:schemeClr val="dk1"/>
+              </a:buClr>
+              <a:buSzPts val="1400"/>
+              <a:buFont typeface="Open Sans"/>
+              <a:buChar char="○"/>
+            </a:pPr>
+            <a:r>
+              <a:rPr lang="en">
                 <a:solidFill>
                   <a:schemeClr val="dk1"/>
                 </a:solidFill>
-                <a:latin typeface="Roboto"/>
-                <a:ea typeface="Roboto"/>
-                <a:cs typeface="Roboto"/>
-                <a:sym typeface="Roboto"/>
-              </a:endParaRPr>
-            </a:p>
-          </p:txBody>
-        </p:sp>
-      </p:grpSp>
-      <p:grpSp>
-        <p:nvGrpSpPr>
-          <p:cNvPr id="166" name="Google Shape;166;p21"/>
-          <p:cNvGrpSpPr/>
-          <p:nvPr/>
-        </p:nvGrpSpPr>
-        <p:grpSpPr>
-          <a:xfrm>
-            <a:off x="6874025" y="1189775"/>
-            <a:ext cx="2064000" cy="3217850"/>
-            <a:chOff x="6874025" y="1189775"/>
-            <a:chExt cx="2064000" cy="3217850"/>
-          </a:xfrm>
-        </p:grpSpPr>
-        <p:sp>
-          <p:nvSpPr>
-            <p:cNvPr id="167" name="Google Shape;167;p21"/>
-            <p:cNvSpPr/>
-            <p:nvPr/>
-          </p:nvSpPr>
-          <p:spPr>
-            <a:xfrm>
-              <a:off x="6874025" y="1189775"/>
-              <a:ext cx="2064000" cy="669000"/>
-            </a:xfrm>
-            <a:prstGeom prst="chevron">
-              <a:avLst>
-                <a:gd fmla="val 50000" name="adj"/>
-              </a:avLst>
-            </a:prstGeom>
-            <a:solidFill>
-              <a:schemeClr val="dk2"/>
-            </a:solidFill>
-            <a:ln>
-              <a:noFill/>
-            </a:ln>
-            <a:effectLst>
-              <a:reflection blurRad="0" dir="5400000" dist="38100" endA="0" endPos="30000" fadeDir="5400012" kx="0" rotWithShape="0" algn="bl" stPos="0" sy="-100000" ky="0"/>
-            </a:effectLst>
-          </p:spPr>
-          <p:txBody>
-            <a:bodyPr anchorCtr="0" anchor="ctr" bIns="91425" lIns="91425" spcFirstLastPara="1" rIns="91425" wrap="square" tIns="91425">
-              <a:noAutofit/>
-            </a:bodyPr>
-            <a:lstStyle/>
-            <a:p>
-              <a:pPr indent="0" lvl="0" marL="0" rtl="0" algn="ctr">
-                <a:spcBef>
-                  <a:spcPts val="0"/>
-                </a:spcBef>
-                <a:spcAft>
-                  <a:spcPts val="0"/>
-                </a:spcAft>
-                <a:buNone/>
-              </a:pPr>
-              <a:r>
-                <a:rPr lang="en">
-                  <a:solidFill>
-                    <a:srgbClr val="FFFFFF"/>
-                  </a:solidFill>
-                  <a:latin typeface="Roboto"/>
-                  <a:ea typeface="Roboto"/>
-                  <a:cs typeface="Roboto"/>
-                  <a:sym typeface="Roboto"/>
-                </a:rPr>
-                <a:t>Testing result</a:t>
-              </a:r>
-              <a:endParaRPr>
+                <a:latin typeface="Open Sans"/>
+                <a:ea typeface="Open Sans"/>
+                <a:cs typeface="Open Sans"/>
+                <a:sym typeface="Open Sans"/>
+              </a:rPr>
+              <a:t>Evaluated performance using precision, recall, and f1-score</a:t>
+            </a:r>
+            <a:endParaRPr>
+              <a:solidFill>
+                <a:schemeClr val="dk1"/>
+              </a:solidFill>
+              <a:latin typeface="Open Sans"/>
+              <a:ea typeface="Open Sans"/>
+              <a:cs typeface="Open Sans"/>
+              <a:sym typeface="Open Sans"/>
+            </a:endParaRPr>
+          </a:p>
+          <a:p>
+            <a:pPr indent="-342900" lvl="0" marL="457200" rtl="0" algn="l">
+              <a:lnSpc>
+                <a:spcPct val="115000"/>
+              </a:lnSpc>
+              <a:spcBef>
+                <a:spcPts val="0"/>
+              </a:spcBef>
+              <a:spcAft>
+                <a:spcPts val="0"/>
+              </a:spcAft>
+              <a:buClr>
+                <a:schemeClr val="dk1"/>
+              </a:buClr>
+              <a:buSzPts val="1800"/>
+              <a:buFont typeface="Open Sans"/>
+              <a:buChar char="●"/>
+            </a:pPr>
+            <a:r>
+              <a:rPr lang="en" sz="1800">
                 <a:solidFill>
-                  <a:srgbClr val="FFFFFF"/>
+                  <a:schemeClr val="dk1"/>
                 </a:solidFill>
-                <a:latin typeface="Roboto"/>
-                <a:ea typeface="Roboto"/>
-                <a:cs typeface="Roboto"/>
-                <a:sym typeface="Roboto"/>
-              </a:endParaRPr>
-            </a:p>
-          </p:txBody>
-        </p:sp>
-        <p:sp>
-          <p:nvSpPr>
-            <p:cNvPr id="168" name="Google Shape;168;p21"/>
-            <p:cNvSpPr txBox="1"/>
-            <p:nvPr/>
-          </p:nvSpPr>
-          <p:spPr>
-            <a:xfrm>
-              <a:off x="7183850" y="2057125"/>
-              <a:ext cx="1624500" cy="2350500"/>
-            </a:xfrm>
-            <a:prstGeom prst="rect">
-              <a:avLst/>
-            </a:prstGeom>
-            <a:noFill/>
-            <a:ln>
-              <a:noFill/>
-            </a:ln>
-          </p:spPr>
-          <p:txBody>
-            <a:bodyPr anchorCtr="0" anchor="t" bIns="91425" lIns="91425" spcFirstLastPara="1" rIns="91425" wrap="square" tIns="91425">
-              <a:noAutofit/>
-            </a:bodyPr>
-            <a:lstStyle/>
-            <a:p>
-              <a:pPr indent="0" lvl="0" marL="0" rtl="0" algn="l">
-                <a:lnSpc>
-                  <a:spcPct val="115000"/>
-                </a:lnSpc>
-                <a:spcBef>
-                  <a:spcPts val="0"/>
-                </a:spcBef>
-                <a:spcAft>
-                  <a:spcPts val="0"/>
-                </a:spcAft>
-                <a:buNone/>
-              </a:pPr>
-              <a:r>
-                <a:rPr lang="en" sz="1200">
-                  <a:latin typeface="Roboto"/>
-                  <a:ea typeface="Roboto"/>
-                  <a:cs typeface="Roboto"/>
-                  <a:sym typeface="Roboto"/>
-                </a:rPr>
-                <a:t>r</a:t>
-              </a:r>
-              <a:r>
-                <a:rPr lang="en" sz="1200">
-                  <a:latin typeface="Roboto"/>
-                  <a:ea typeface="Roboto"/>
-                  <a:cs typeface="Roboto"/>
-                  <a:sym typeface="Roboto"/>
-                </a:rPr>
-                <a:t>oc_auc_score: </a:t>
-              </a:r>
-              <a:r>
-                <a:rPr b="1" lang="en" sz="1200">
-                  <a:latin typeface="Roboto"/>
-                  <a:ea typeface="Roboto"/>
-                  <a:cs typeface="Roboto"/>
-                  <a:sym typeface="Roboto"/>
-                </a:rPr>
-                <a:t>0.87</a:t>
-              </a:r>
-              <a:endParaRPr b="1" sz="1200">
-                <a:latin typeface="Roboto"/>
-                <a:ea typeface="Roboto"/>
-                <a:cs typeface="Roboto"/>
-                <a:sym typeface="Roboto"/>
-              </a:endParaRPr>
-            </a:p>
-            <a:p>
-              <a:pPr indent="0" lvl="0" marL="0" rtl="0" algn="l">
-                <a:lnSpc>
-                  <a:spcPct val="115000"/>
-                </a:lnSpc>
-                <a:spcBef>
-                  <a:spcPts val="0"/>
-                </a:spcBef>
-                <a:spcAft>
-                  <a:spcPts val="0"/>
-                </a:spcAft>
-                <a:buNone/>
-              </a:pPr>
-              <a:r>
-                <a:t/>
-              </a:r>
-              <a:endParaRPr sz="1200">
-                <a:latin typeface="Roboto"/>
-                <a:ea typeface="Roboto"/>
-                <a:cs typeface="Roboto"/>
-                <a:sym typeface="Roboto"/>
-              </a:endParaRPr>
-            </a:p>
-            <a:p>
-              <a:pPr indent="0" lvl="0" marL="0" rtl="0" algn="l">
-                <a:lnSpc>
-                  <a:spcPct val="115000"/>
-                </a:lnSpc>
-                <a:spcBef>
-                  <a:spcPts val="0"/>
-                </a:spcBef>
-                <a:spcAft>
-                  <a:spcPts val="0"/>
-                </a:spcAft>
-                <a:buNone/>
-              </a:pPr>
-              <a:r>
-                <a:rPr lang="en" sz="1200">
-                  <a:latin typeface="Roboto"/>
-                  <a:ea typeface="Roboto"/>
-                  <a:cs typeface="Roboto"/>
-                  <a:sym typeface="Roboto"/>
-                </a:rPr>
-                <a:t>Recall: </a:t>
-              </a:r>
-              <a:r>
-                <a:rPr b="1" lang="en" sz="1200">
-                  <a:latin typeface="Roboto"/>
-                  <a:ea typeface="Roboto"/>
-                  <a:cs typeface="Roboto"/>
-                  <a:sym typeface="Roboto"/>
-                </a:rPr>
-                <a:t>0.52</a:t>
-              </a:r>
-              <a:endParaRPr b="1" sz="1200">
-                <a:latin typeface="Roboto"/>
-                <a:ea typeface="Roboto"/>
-                <a:cs typeface="Roboto"/>
-                <a:sym typeface="Roboto"/>
-              </a:endParaRPr>
-            </a:p>
-            <a:p>
-              <a:pPr indent="0" lvl="0" marL="0" rtl="0" algn="l">
-                <a:lnSpc>
-                  <a:spcPct val="115000"/>
-                </a:lnSpc>
-                <a:spcBef>
-                  <a:spcPts val="0"/>
-                </a:spcBef>
-                <a:spcAft>
-                  <a:spcPts val="0"/>
-                </a:spcAft>
-                <a:buNone/>
-              </a:pPr>
-              <a:r>
-                <a:t/>
-              </a:r>
-              <a:endParaRPr sz="1200">
-                <a:latin typeface="Roboto"/>
-                <a:ea typeface="Roboto"/>
-                <a:cs typeface="Roboto"/>
-                <a:sym typeface="Roboto"/>
-              </a:endParaRPr>
-            </a:p>
-            <a:p>
-              <a:pPr indent="0" lvl="0" marL="0" rtl="0" algn="l">
-                <a:lnSpc>
-                  <a:spcPct val="115000"/>
-                </a:lnSpc>
-                <a:spcBef>
-                  <a:spcPts val="0"/>
-                </a:spcBef>
-                <a:spcAft>
-                  <a:spcPts val="0"/>
-                </a:spcAft>
-                <a:buNone/>
-              </a:pPr>
-              <a:r>
-                <a:rPr lang="en" sz="1200">
-                  <a:latin typeface="Roboto"/>
-                  <a:ea typeface="Roboto"/>
-                  <a:cs typeface="Roboto"/>
-                  <a:sym typeface="Roboto"/>
-                </a:rPr>
-                <a:t>Precision: </a:t>
-              </a:r>
-              <a:r>
-                <a:rPr b="1" lang="en" sz="1200">
-                  <a:latin typeface="Roboto"/>
-                  <a:ea typeface="Roboto"/>
-                  <a:cs typeface="Roboto"/>
-                  <a:sym typeface="Roboto"/>
-                </a:rPr>
-                <a:t>0.67</a:t>
-              </a:r>
-              <a:endParaRPr b="1" sz="1200">
-                <a:latin typeface="Roboto"/>
-                <a:ea typeface="Roboto"/>
-                <a:cs typeface="Roboto"/>
-                <a:sym typeface="Roboto"/>
-              </a:endParaRPr>
-            </a:p>
-            <a:p>
-              <a:pPr indent="0" lvl="0" marL="0" rtl="0" algn="l">
-                <a:lnSpc>
-                  <a:spcPct val="115000"/>
-                </a:lnSpc>
-                <a:spcBef>
-                  <a:spcPts val="0"/>
-                </a:spcBef>
-                <a:spcAft>
-                  <a:spcPts val="0"/>
-                </a:spcAft>
-                <a:buNone/>
-              </a:pPr>
-              <a:r>
-                <a:t/>
-              </a:r>
-              <a:endParaRPr sz="1200">
-                <a:latin typeface="Roboto"/>
-                <a:ea typeface="Roboto"/>
-                <a:cs typeface="Roboto"/>
-                <a:sym typeface="Roboto"/>
-              </a:endParaRPr>
-            </a:p>
-            <a:p>
-              <a:pPr indent="0" lvl="0" marL="0" rtl="0" algn="l">
-                <a:lnSpc>
-                  <a:spcPct val="115000"/>
-                </a:lnSpc>
-                <a:spcBef>
-                  <a:spcPts val="0"/>
-                </a:spcBef>
-                <a:spcAft>
-                  <a:spcPts val="0"/>
-                </a:spcAft>
-                <a:buNone/>
-              </a:pPr>
-              <a:r>
-                <a:rPr lang="en" sz="1200">
-                  <a:latin typeface="Roboto"/>
-                  <a:ea typeface="Roboto"/>
-                  <a:cs typeface="Roboto"/>
-                  <a:sym typeface="Roboto"/>
-                </a:rPr>
-                <a:t>F1_score: </a:t>
-              </a:r>
-              <a:r>
-                <a:rPr b="1" lang="en" sz="1200">
-                  <a:latin typeface="Roboto"/>
-                  <a:ea typeface="Roboto"/>
-                  <a:cs typeface="Roboto"/>
-                  <a:sym typeface="Roboto"/>
-                </a:rPr>
-                <a:t>0.52</a:t>
-              </a:r>
-              <a:endParaRPr b="1" sz="1200">
-                <a:latin typeface="Roboto"/>
-                <a:ea typeface="Roboto"/>
-                <a:cs typeface="Roboto"/>
-                <a:sym typeface="Roboto"/>
-              </a:endParaRPr>
-            </a:p>
-          </p:txBody>
-        </p:sp>
-      </p:grpSp>
-      <p:grpSp>
-        <p:nvGrpSpPr>
-          <p:cNvPr id="169" name="Google Shape;169;p21"/>
-          <p:cNvGrpSpPr/>
-          <p:nvPr/>
-        </p:nvGrpSpPr>
-        <p:grpSpPr>
-          <a:xfrm>
-            <a:off x="5195350" y="1189775"/>
-            <a:ext cx="2064000" cy="3217850"/>
-            <a:chOff x="5195350" y="1189775"/>
-            <a:chExt cx="2064000" cy="3217850"/>
-          </a:xfrm>
-        </p:grpSpPr>
-        <p:sp>
-          <p:nvSpPr>
-            <p:cNvPr id="170" name="Google Shape;170;p21"/>
-            <p:cNvSpPr/>
-            <p:nvPr/>
-          </p:nvSpPr>
-          <p:spPr>
-            <a:xfrm>
-              <a:off x="5195350" y="1189775"/>
-              <a:ext cx="2064000" cy="669000"/>
-            </a:xfrm>
-            <a:prstGeom prst="chevron">
-              <a:avLst>
-                <a:gd fmla="val 50000" name="adj"/>
-              </a:avLst>
-            </a:prstGeom>
-            <a:solidFill>
-              <a:srgbClr val="F1C232"/>
-            </a:solidFill>
-            <a:ln>
-              <a:noFill/>
-            </a:ln>
-            <a:effectLst>
-              <a:reflection blurRad="0" dir="5400000" dist="38100" endA="0" endPos="30000" fadeDir="5400012" kx="0" rotWithShape="0" algn="bl" stPos="0" sy="-100000" ky="0"/>
-            </a:effectLst>
-          </p:spPr>
-          <p:txBody>
-            <a:bodyPr anchorCtr="0" anchor="ctr" bIns="91425" lIns="91425" spcFirstLastPara="1" rIns="91425" wrap="square" tIns="91425">
-              <a:noAutofit/>
-            </a:bodyPr>
-            <a:lstStyle/>
-            <a:p>
-              <a:pPr indent="0" lvl="0" marL="0" rtl="0" algn="ctr">
-                <a:spcBef>
-                  <a:spcPts val="0"/>
-                </a:spcBef>
-                <a:spcAft>
-                  <a:spcPts val="0"/>
-                </a:spcAft>
-                <a:buNone/>
-              </a:pPr>
-              <a:r>
-                <a:rPr lang="en">
-                  <a:solidFill>
-                    <a:srgbClr val="FFFFFF"/>
-                  </a:solidFill>
-                  <a:latin typeface="Roboto"/>
-                  <a:ea typeface="Roboto"/>
-                  <a:cs typeface="Roboto"/>
-                  <a:sym typeface="Roboto"/>
-                </a:rPr>
-                <a:t>Flatten and Dense</a:t>
-              </a:r>
-              <a:endParaRPr>
+                <a:latin typeface="Open Sans"/>
+                <a:ea typeface="Open Sans"/>
+                <a:cs typeface="Open Sans"/>
+                <a:sym typeface="Open Sans"/>
+              </a:rPr>
+              <a:t>Best performance: </a:t>
+            </a:r>
+            <a:endParaRPr sz="1800">
+              <a:solidFill>
+                <a:schemeClr val="dk1"/>
+              </a:solidFill>
+              <a:latin typeface="Open Sans"/>
+              <a:ea typeface="Open Sans"/>
+              <a:cs typeface="Open Sans"/>
+              <a:sym typeface="Open Sans"/>
+            </a:endParaRPr>
+          </a:p>
+          <a:p>
+            <a:pPr indent="-330200" lvl="3" marL="1828800" rtl="0" algn="l">
+              <a:lnSpc>
+                <a:spcPct val="115000"/>
+              </a:lnSpc>
+              <a:spcBef>
+                <a:spcPts val="0"/>
+              </a:spcBef>
+              <a:spcAft>
+                <a:spcPts val="0"/>
+              </a:spcAft>
+              <a:buClr>
+                <a:schemeClr val="dk1"/>
+              </a:buClr>
+              <a:buSzPts val="1600"/>
+              <a:buFont typeface="Open Sans"/>
+              <a:buChar char="●"/>
+            </a:pPr>
+            <a:r>
+              <a:rPr lang="en">
                 <a:solidFill>
-                  <a:srgbClr val="FFFFFF"/>
+                  <a:schemeClr val="dk1"/>
                 </a:solidFill>
-                <a:latin typeface="Roboto"/>
-                <a:ea typeface="Roboto"/>
-                <a:cs typeface="Roboto"/>
-                <a:sym typeface="Roboto"/>
-              </a:endParaRPr>
-            </a:p>
-          </p:txBody>
-        </p:sp>
-        <p:sp>
-          <p:nvSpPr>
-            <p:cNvPr id="171" name="Google Shape;171;p21"/>
-            <p:cNvSpPr txBox="1"/>
-            <p:nvPr/>
-          </p:nvSpPr>
-          <p:spPr>
-            <a:xfrm>
-              <a:off x="5461650" y="2057125"/>
-              <a:ext cx="1624500" cy="2350500"/>
-            </a:xfrm>
-            <a:prstGeom prst="rect">
-              <a:avLst/>
-            </a:prstGeom>
-            <a:noFill/>
-            <a:ln>
-              <a:noFill/>
-            </a:ln>
-          </p:spPr>
-          <p:txBody>
-            <a:bodyPr anchorCtr="0" anchor="t" bIns="91425" lIns="91425" spcFirstLastPara="1" rIns="91425" wrap="square" tIns="91425">
-              <a:noAutofit/>
-            </a:bodyPr>
-            <a:lstStyle/>
-            <a:p>
-              <a:pPr indent="0" lvl="0" marL="0" rtl="0" algn="l">
-                <a:lnSpc>
-                  <a:spcPct val="115000"/>
-                </a:lnSpc>
-                <a:spcBef>
-                  <a:spcPts val="0"/>
-                </a:spcBef>
-                <a:spcAft>
-                  <a:spcPts val="0"/>
-                </a:spcAft>
-                <a:buNone/>
-              </a:pPr>
-              <a:r>
-                <a:rPr lang="en" sz="1200">
-                  <a:latin typeface="Roboto"/>
-                  <a:ea typeface="Roboto"/>
-                  <a:cs typeface="Roboto"/>
-                  <a:sym typeface="Roboto"/>
-                </a:rPr>
-                <a:t>Flatten layer has 20,000 parameters (200 x 100).</a:t>
-              </a:r>
-              <a:endParaRPr sz="1200">
-                <a:latin typeface="Roboto"/>
-                <a:ea typeface="Roboto"/>
-                <a:cs typeface="Roboto"/>
-                <a:sym typeface="Roboto"/>
-              </a:endParaRPr>
-            </a:p>
-            <a:p>
-              <a:pPr indent="0" lvl="0" marL="0" rtl="0" algn="l">
-                <a:lnSpc>
-                  <a:spcPct val="115000"/>
-                </a:lnSpc>
-                <a:spcBef>
-                  <a:spcPts val="0"/>
-                </a:spcBef>
-                <a:spcAft>
-                  <a:spcPts val="0"/>
-                </a:spcAft>
-                <a:buNone/>
-              </a:pPr>
-              <a:r>
-                <a:t/>
-              </a:r>
-              <a:endParaRPr sz="1200">
-                <a:latin typeface="Roboto"/>
-                <a:ea typeface="Roboto"/>
-                <a:cs typeface="Roboto"/>
-                <a:sym typeface="Roboto"/>
-              </a:endParaRPr>
-            </a:p>
-            <a:p>
-              <a:pPr indent="0" lvl="0" marL="0" rtl="0" algn="l">
-                <a:lnSpc>
-                  <a:spcPct val="115000"/>
-                </a:lnSpc>
-                <a:spcBef>
-                  <a:spcPts val="0"/>
-                </a:spcBef>
-                <a:spcAft>
-                  <a:spcPts val="0"/>
-                </a:spcAft>
-                <a:buNone/>
-              </a:pPr>
-              <a:r>
-                <a:rPr lang="en" sz="1200">
-                  <a:latin typeface="Roboto"/>
-                  <a:ea typeface="Roboto"/>
-                  <a:cs typeface="Roboto"/>
-                  <a:sym typeface="Roboto"/>
-                </a:rPr>
-                <a:t>Dense = 1</a:t>
-              </a:r>
-              <a:endParaRPr sz="1200">
-                <a:latin typeface="Roboto"/>
-                <a:ea typeface="Roboto"/>
-                <a:cs typeface="Roboto"/>
-                <a:sym typeface="Roboto"/>
-              </a:endParaRPr>
-            </a:p>
-            <a:p>
-              <a:pPr indent="0" lvl="0" marL="0" rtl="0" algn="l">
-                <a:lnSpc>
-                  <a:spcPct val="115000"/>
-                </a:lnSpc>
-                <a:spcBef>
-                  <a:spcPts val="0"/>
-                </a:spcBef>
-                <a:spcAft>
-                  <a:spcPts val="0"/>
-                </a:spcAft>
-                <a:buNone/>
-              </a:pPr>
-              <a:r>
-                <a:t/>
-              </a:r>
-              <a:endParaRPr sz="1200">
-                <a:latin typeface="Roboto"/>
-                <a:ea typeface="Roboto"/>
-                <a:cs typeface="Roboto"/>
-                <a:sym typeface="Roboto"/>
-              </a:endParaRPr>
-            </a:p>
-            <a:p>
-              <a:pPr indent="0" lvl="0" marL="0" rtl="0" algn="l">
-                <a:lnSpc>
-                  <a:spcPct val="115000"/>
-                </a:lnSpc>
-                <a:spcBef>
-                  <a:spcPts val="0"/>
-                </a:spcBef>
-                <a:spcAft>
-                  <a:spcPts val="0"/>
-                </a:spcAft>
-                <a:buNone/>
-              </a:pPr>
-              <a:r>
-                <a:rPr lang="en" sz="1200">
-                  <a:latin typeface="Roboto"/>
-                  <a:ea typeface="Roboto"/>
-                  <a:cs typeface="Roboto"/>
-                  <a:sym typeface="Roboto"/>
-                </a:rPr>
-                <a:t>Total </a:t>
-              </a:r>
-              <a:r>
-                <a:rPr b="1" lang="en" sz="1200">
-                  <a:latin typeface="Roboto"/>
-                  <a:ea typeface="Roboto"/>
-                  <a:cs typeface="Roboto"/>
-                  <a:sym typeface="Roboto"/>
-                </a:rPr>
-                <a:t>20,001 trainable</a:t>
-              </a:r>
-              <a:r>
-                <a:rPr lang="en" sz="1200">
-                  <a:latin typeface="Roboto"/>
-                  <a:ea typeface="Roboto"/>
-                  <a:cs typeface="Roboto"/>
-                  <a:sym typeface="Roboto"/>
-                </a:rPr>
-                <a:t> parameters. </a:t>
-              </a:r>
-              <a:endParaRPr sz="1200">
-                <a:latin typeface="Roboto"/>
-                <a:ea typeface="Roboto"/>
-                <a:cs typeface="Roboto"/>
-                <a:sym typeface="Roboto"/>
-              </a:endParaRPr>
-            </a:p>
-          </p:txBody>
-        </p:sp>
-      </p:grpSp>
+                <a:latin typeface="Open Sans"/>
+                <a:ea typeface="Open Sans"/>
+                <a:cs typeface="Open Sans"/>
+                <a:sym typeface="Open Sans"/>
+              </a:rPr>
+              <a:t>Roc_auc_score: 0.95</a:t>
+            </a:r>
+            <a:endParaRPr>
+              <a:solidFill>
+                <a:schemeClr val="dk1"/>
+              </a:solidFill>
+              <a:latin typeface="Open Sans"/>
+              <a:ea typeface="Open Sans"/>
+              <a:cs typeface="Open Sans"/>
+              <a:sym typeface="Open Sans"/>
+            </a:endParaRPr>
+          </a:p>
+          <a:p>
+            <a:pPr indent="-317500" lvl="3" marL="1828800" rtl="0" algn="l">
+              <a:lnSpc>
+                <a:spcPct val="115000"/>
+              </a:lnSpc>
+              <a:spcBef>
+                <a:spcPts val="0"/>
+              </a:spcBef>
+              <a:spcAft>
+                <a:spcPts val="0"/>
+              </a:spcAft>
+              <a:buClr>
+                <a:schemeClr val="dk1"/>
+              </a:buClr>
+              <a:buSzPts val="1400"/>
+              <a:buFont typeface="Roboto"/>
+              <a:buChar char="●"/>
+            </a:pPr>
+            <a:r>
+              <a:rPr lang="en">
+                <a:solidFill>
+                  <a:schemeClr val="dk1"/>
+                </a:solidFill>
+                <a:latin typeface="Open Sans"/>
+                <a:ea typeface="Open Sans"/>
+                <a:cs typeface="Open Sans"/>
+                <a:sym typeface="Open Sans"/>
+              </a:rPr>
+              <a:t>Recall: 0.56</a:t>
+            </a:r>
+            <a:endParaRPr>
+              <a:solidFill>
+                <a:schemeClr val="dk1"/>
+              </a:solidFill>
+              <a:latin typeface="Open Sans"/>
+              <a:ea typeface="Open Sans"/>
+              <a:cs typeface="Open Sans"/>
+              <a:sym typeface="Open Sans"/>
+            </a:endParaRPr>
+          </a:p>
+          <a:p>
+            <a:pPr indent="-317500" lvl="3" marL="1828800" rtl="0" algn="l">
+              <a:lnSpc>
+                <a:spcPct val="115000"/>
+              </a:lnSpc>
+              <a:spcBef>
+                <a:spcPts val="0"/>
+              </a:spcBef>
+              <a:spcAft>
+                <a:spcPts val="0"/>
+              </a:spcAft>
+              <a:buClr>
+                <a:schemeClr val="dk1"/>
+              </a:buClr>
+              <a:buSzPts val="1400"/>
+              <a:buFont typeface="Roboto"/>
+              <a:buChar char="●"/>
+            </a:pPr>
+            <a:r>
+              <a:rPr lang="en">
+                <a:solidFill>
+                  <a:schemeClr val="dk1"/>
+                </a:solidFill>
+                <a:latin typeface="Open Sans"/>
+                <a:ea typeface="Open Sans"/>
+                <a:cs typeface="Open Sans"/>
+                <a:sym typeface="Open Sans"/>
+              </a:rPr>
+              <a:t>Precision: 0.82</a:t>
+            </a:r>
+            <a:endParaRPr>
+              <a:solidFill>
+                <a:schemeClr val="dk1"/>
+              </a:solidFill>
+              <a:latin typeface="Open Sans"/>
+              <a:ea typeface="Open Sans"/>
+              <a:cs typeface="Open Sans"/>
+              <a:sym typeface="Open Sans"/>
+            </a:endParaRPr>
+          </a:p>
+          <a:p>
+            <a:pPr indent="-317500" lvl="3" marL="1828800" rtl="0" algn="l">
+              <a:lnSpc>
+                <a:spcPct val="115000"/>
+              </a:lnSpc>
+              <a:spcBef>
+                <a:spcPts val="0"/>
+              </a:spcBef>
+              <a:spcAft>
+                <a:spcPts val="0"/>
+              </a:spcAft>
+              <a:buClr>
+                <a:schemeClr val="dk1"/>
+              </a:buClr>
+              <a:buSzPts val="1400"/>
+              <a:buFont typeface="Roboto"/>
+              <a:buChar char="●"/>
+            </a:pPr>
+            <a:r>
+              <a:rPr lang="en">
+                <a:solidFill>
+                  <a:schemeClr val="dk1"/>
+                </a:solidFill>
+                <a:latin typeface="Open Sans"/>
+                <a:ea typeface="Open Sans"/>
+                <a:cs typeface="Open Sans"/>
+                <a:sym typeface="Open Sans"/>
+              </a:rPr>
+              <a:t>F1_score: 0.66</a:t>
+            </a:r>
+            <a:endParaRPr sz="2000">
+              <a:solidFill>
+                <a:schemeClr val="dk1"/>
+              </a:solidFill>
+              <a:latin typeface="Open Sans"/>
+              <a:ea typeface="Open Sans"/>
+              <a:cs typeface="Open Sans"/>
+              <a:sym typeface="Open Sans"/>
+            </a:endParaRPr>
+          </a:p>
+        </p:txBody>
+      </p:sp>
     </p:spTree>
   </p:cSld>
   <p:clrMapOvr>
@@ -16439,6 +17860,285 @@
 </file>
 
 <file path=ppt/theme/theme1.xml><?xml version="1.0" encoding="utf-8"?>
+<a:theme xmlns:a="http://schemas.openxmlformats.org/drawingml/2006/main" xmlns:r="http://schemas.openxmlformats.org/officeDocument/2006/relationships" name="Luxe">
+  <a:themeElements>
+    <a:clrScheme name="Luxe">
+      <a:dk1>
+        <a:srgbClr val="000000"/>
+      </a:dk1>
+      <a:lt1>
+        <a:srgbClr val="FFFFFF"/>
+      </a:lt1>
+      <a:dk2>
+        <a:srgbClr val="B7B7B7"/>
+      </a:dk2>
+      <a:lt2>
+        <a:srgbClr val="CCA677"/>
+      </a:lt2>
+      <a:accent1>
+        <a:srgbClr val="5D4037"/>
+      </a:accent1>
+      <a:accent2>
+        <a:srgbClr val="455A64"/>
+      </a:accent2>
+      <a:accent3>
+        <a:srgbClr val="57BB8A"/>
+      </a:accent3>
+      <a:accent4>
+        <a:srgbClr val="78909C"/>
+      </a:accent4>
+      <a:accent5>
+        <a:srgbClr val="607D8B"/>
+      </a:accent5>
+      <a:accent6>
+        <a:srgbClr val="DCE755"/>
+      </a:accent6>
+      <a:hlink>
+        <a:srgbClr val="607D8B"/>
+      </a:hlink>
+      <a:folHlink>
+        <a:srgbClr val="607D8B"/>
+      </a:folHlink>
+    </a:clrScheme>
+    <a:fontScheme name="Office">
+      <a:majorFont>
+        <a:latin typeface="Arial"/>
+        <a:ea typeface=""/>
+        <a:cs typeface=""/>
+        <a:font script="Jpan" typeface="ＭＳ Ｐゴシック"/>
+        <a:font script="Hang" typeface="맑은 고딕"/>
+        <a:font script="Hans" typeface="宋体"/>
+        <a:font script="Hant" typeface="新細明體"/>
+        <a:font script="Arab" typeface="Times New Roman"/>
+        <a:font script="Hebr" typeface="Times New Roman"/>
+        <a:font script="Thai" typeface="Angsana New"/>
+        <a:font script="Ethi" typeface="Nyala"/>
+        <a:font script="Beng" typeface="Vrinda"/>
+        <a:font script="Gujr" typeface="Shruti"/>
+        <a:font script="Khmr" typeface="MoolBoran"/>
+        <a:font script="Knda" typeface="Tunga"/>
+        <a:font script="Guru" typeface="Raavi"/>
+        <a:font script="Cans" typeface="Euphemia"/>
+        <a:font script="Cher" typeface="Plantagenet Cherokee"/>
+        <a:font script="Yiii" typeface="Microsoft Yi Baiti"/>
+        <a:font script="Tibt" typeface="Microsoft Himalaya"/>
+        <a:font script="Thaa" typeface="MV Boli"/>
+        <a:font script="Deva" typeface="Mangal"/>
+        <a:font script="Telu" typeface="Gautami"/>
+        <a:font script="Taml" typeface="Latha"/>
+        <a:font script="Syrc" typeface="Estrangelo Edessa"/>
+        <a:font script="Orya" typeface="Kalinga"/>
+        <a:font script="Mlym" typeface="Kartika"/>
+        <a:font script="Laoo" typeface="DokChampa"/>
+        <a:font script="Sinh" typeface="Iskoola Pota"/>
+        <a:font script="Mong" typeface="Mongolian Baiti"/>
+        <a:font script="Viet" typeface="Times New Roman"/>
+        <a:font script="Uigh" typeface="Microsoft Uighur"/>
+        <a:font script="Geor" typeface="Sylfaen"/>
+      </a:majorFont>
+      <a:minorFont>
+        <a:latin typeface="Arial"/>
+        <a:ea typeface=""/>
+        <a:cs typeface=""/>
+        <a:font script="Jpan" typeface="ＭＳ Ｐゴシック"/>
+        <a:font script="Hang" typeface="맑은 고딕"/>
+        <a:font script="Hans" typeface="宋体"/>
+        <a:font script="Hant" typeface="新細明體"/>
+        <a:font script="Arab" typeface="Arial"/>
+        <a:font script="Hebr" typeface="Arial"/>
+        <a:font script="Thai" typeface="Cordia New"/>
+        <a:font script="Ethi" typeface="Nyala"/>
+        <a:font script="Beng" typeface="Vrinda"/>
+        <a:font script="Gujr" typeface="Shruti"/>
+        <a:font script="Khmr" typeface="DaunPenh"/>
+        <a:font script="Knda" typeface="Tunga"/>
+        <a:font script="Guru" typeface="Raavi"/>
+        <a:font script="Cans" typeface="Euphemia"/>
+        <a:font script="Cher" typeface="Plantagenet Cherokee"/>
+        <a:font script="Yiii" typeface="Microsoft Yi Baiti"/>
+        <a:font script="Tibt" typeface="Microsoft Himalaya"/>
+        <a:font script="Thaa" typeface="MV Boli"/>
+        <a:font script="Deva" typeface="Mangal"/>
+        <a:font script="Telu" typeface="Gautami"/>
+        <a:font script="Taml" typeface="Latha"/>
+        <a:font script="Syrc" typeface="Estrangelo Edessa"/>
+        <a:font script="Orya" typeface="Kalinga"/>
+        <a:font script="Mlym" typeface="Kartika"/>
+        <a:font script="Laoo" typeface="DokChampa"/>
+        <a:font script="Sinh" typeface="Iskoola Pota"/>
+        <a:font script="Mong" typeface="Mongolian Baiti"/>
+        <a:font script="Viet" typeface="Arial"/>
+        <a:font script="Uigh" typeface="Microsoft Uighur"/>
+        <a:font script="Geor" typeface="Sylfaen"/>
+      </a:minorFont>
+    </a:fontScheme>
+    <a:fmtScheme name="Office">
+      <a:fillStyleLst>
+        <a:solidFill>
+          <a:schemeClr val="phClr"/>
+        </a:solidFill>
+        <a:gradFill rotWithShape="1">
+          <a:gsLst>
+            <a:gs pos="0">
+              <a:schemeClr val="phClr">
+                <a:tint val="50000"/>
+                <a:satMod val="300000"/>
+              </a:schemeClr>
+            </a:gs>
+            <a:gs pos="35000">
+              <a:schemeClr val="phClr">
+                <a:tint val="37000"/>
+                <a:satMod val="300000"/>
+              </a:schemeClr>
+            </a:gs>
+            <a:gs pos="100000">
+              <a:schemeClr val="phClr">
+                <a:tint val="15000"/>
+                <a:satMod val="350000"/>
+              </a:schemeClr>
+            </a:gs>
+          </a:gsLst>
+          <a:lin ang="16200000" scaled="1"/>
+        </a:gradFill>
+        <a:gradFill rotWithShape="1">
+          <a:gsLst>
+            <a:gs pos="0">
+              <a:schemeClr val="phClr">
+                <a:tint val="100000"/>
+                <a:shade val="100000"/>
+                <a:satMod val="130000"/>
+              </a:schemeClr>
+            </a:gs>
+            <a:gs pos="100000">
+              <a:schemeClr val="phClr">
+                <a:tint val="50000"/>
+                <a:shade val="100000"/>
+                <a:satMod val="350000"/>
+              </a:schemeClr>
+            </a:gs>
+          </a:gsLst>
+          <a:lin ang="16200000" scaled="0"/>
+        </a:gradFill>
+      </a:fillStyleLst>
+      <a:lnStyleLst>
+        <a:ln w="9525" cap="flat" cmpd="sng" algn="ctr">
+          <a:solidFill>
+            <a:schemeClr val="phClr">
+              <a:shade val="95000"/>
+              <a:satMod val="105000"/>
+            </a:schemeClr>
+          </a:solidFill>
+          <a:prstDash val="solid"/>
+        </a:ln>
+        <a:ln w="25400" cap="flat" cmpd="sng" algn="ctr">
+          <a:solidFill>
+            <a:schemeClr val="phClr"/>
+          </a:solidFill>
+          <a:prstDash val="solid"/>
+        </a:ln>
+        <a:ln w="38100" cap="flat" cmpd="sng" algn="ctr">
+          <a:solidFill>
+            <a:schemeClr val="phClr"/>
+          </a:solidFill>
+          <a:prstDash val="solid"/>
+        </a:ln>
+      </a:lnStyleLst>
+      <a:effectStyleLst>
+        <a:effectStyle>
+          <a:effectLst>
+            <a:outerShdw blurRad="40000" dist="20000" dir="5400000" rotWithShape="0">
+              <a:srgbClr val="000000">
+                <a:alpha val="38000"/>
+              </a:srgbClr>
+            </a:outerShdw>
+          </a:effectLst>
+        </a:effectStyle>
+        <a:effectStyle>
+          <a:effectLst>
+            <a:outerShdw blurRad="40000" dist="23000" dir="5400000" rotWithShape="0">
+              <a:srgbClr val="000000">
+                <a:alpha val="35000"/>
+              </a:srgbClr>
+            </a:outerShdw>
+          </a:effectLst>
+        </a:effectStyle>
+        <a:effectStyle>
+          <a:effectLst>
+            <a:outerShdw blurRad="40000" dist="23000" dir="5400000" rotWithShape="0">
+              <a:srgbClr val="000000">
+                <a:alpha val="35000"/>
+              </a:srgbClr>
+            </a:outerShdw>
+          </a:effectLst>
+          <a:scene3d>
+            <a:camera prst="orthographicFront">
+              <a:rot lat="0" lon="0" rev="0"/>
+            </a:camera>
+            <a:lightRig rig="threePt" dir="t">
+              <a:rot lat="0" lon="0" rev="1200000"/>
+            </a:lightRig>
+          </a:scene3d>
+          <a:sp3d>
+            <a:bevelT w="63500" h="25400"/>
+          </a:sp3d>
+        </a:effectStyle>
+      </a:effectStyleLst>
+      <a:bgFillStyleLst>
+        <a:solidFill>
+          <a:schemeClr val="phClr"/>
+        </a:solidFill>
+        <a:gradFill rotWithShape="1">
+          <a:gsLst>
+            <a:gs pos="0">
+              <a:schemeClr val="phClr">
+                <a:tint val="40000"/>
+                <a:satMod val="350000"/>
+              </a:schemeClr>
+            </a:gs>
+            <a:gs pos="40000">
+              <a:schemeClr val="phClr">
+                <a:tint val="45000"/>
+                <a:shade val="99000"/>
+                <a:satMod val="350000"/>
+              </a:schemeClr>
+            </a:gs>
+            <a:gs pos="100000">
+              <a:schemeClr val="phClr">
+                <a:shade val="20000"/>
+                <a:satMod val="255000"/>
+              </a:schemeClr>
+            </a:gs>
+          </a:gsLst>
+          <a:path path="circle">
+            <a:fillToRect l="50000" t="-80000" r="50000" b="180000"/>
+          </a:path>
+        </a:gradFill>
+        <a:gradFill rotWithShape="1">
+          <a:gsLst>
+            <a:gs pos="0">
+              <a:schemeClr val="phClr">
+                <a:tint val="80000"/>
+                <a:satMod val="300000"/>
+              </a:schemeClr>
+            </a:gs>
+            <a:gs pos="100000">
+              <a:schemeClr val="phClr">
+                <a:shade val="30000"/>
+                <a:satMod val="200000"/>
+              </a:schemeClr>
+            </a:gs>
+          </a:gsLst>
+          <a:path path="circle">
+            <a:fillToRect l="50000" t="50000" r="50000" b="50000"/>
+          </a:path>
+        </a:gradFill>
+      </a:bgFillStyleLst>
+    </a:fmtScheme>
+  </a:themeElements>
+</a:theme>
+</file>
+
+<file path=ppt/theme/theme2.xml><?xml version="1.0" encoding="utf-8"?>
 <a:theme xmlns:a="http://schemas.openxmlformats.org/drawingml/2006/main" xmlns:r="http://schemas.openxmlformats.org/officeDocument/2006/relationships">
   <a:themeElements>
     <a:clrScheme name="Default">
@@ -16715,283 +18415,4 @@
     </a:fmtScheme>
   </a:themeElements>
 </a:theme>
-</file>
-
-<file path=ppt/theme/theme2.xml><?xml version="1.0" encoding="utf-8"?>
-<a:theme xmlns:a="http://schemas.openxmlformats.org/drawingml/2006/main" xmlns:r="http://schemas.openxmlformats.org/officeDocument/2006/relationships" name="Luxe">
-  <a:themeElements>
-    <a:clrScheme name="Luxe">
-      <a:dk1>
-        <a:srgbClr val="000000"/>
-      </a:dk1>
-      <a:lt1>
-        <a:srgbClr val="FFFFFF"/>
-      </a:lt1>
-      <a:dk2>
-        <a:srgbClr val="B7B7B7"/>
-      </a:dk2>
-      <a:lt2>
-        <a:srgbClr val="CCA677"/>
-      </a:lt2>
-      <a:accent1>
-        <a:srgbClr val="5D4037"/>
-      </a:accent1>
-      <a:accent2>
-        <a:srgbClr val="455A64"/>
-      </a:accent2>
-      <a:accent3>
-        <a:srgbClr val="57BB8A"/>
-      </a:accent3>
-      <a:accent4>
-        <a:srgbClr val="78909C"/>
-      </a:accent4>
-      <a:accent5>
-        <a:srgbClr val="607D8B"/>
-      </a:accent5>
-      <a:accent6>
-        <a:srgbClr val="DCE755"/>
-      </a:accent6>
-      <a:hlink>
-        <a:srgbClr val="607D8B"/>
-      </a:hlink>
-      <a:folHlink>
-        <a:srgbClr val="607D8B"/>
-      </a:folHlink>
-    </a:clrScheme>
-    <a:fontScheme name="Office">
-      <a:majorFont>
-        <a:latin typeface="Arial"/>
-        <a:ea typeface=""/>
-        <a:cs typeface=""/>
-        <a:font script="Jpan" typeface="ＭＳ Ｐゴシック"/>
-        <a:font script="Hang" typeface="맑은 고딕"/>
-        <a:font script="Hans" typeface="宋体"/>
-        <a:font script="Hant" typeface="新細明體"/>
-        <a:font script="Arab" typeface="Times New Roman"/>
-        <a:font script="Hebr" typeface="Times New Roman"/>
-        <a:font script="Thai" typeface="Angsana New"/>
-        <a:font script="Ethi" typeface="Nyala"/>
-        <a:font script="Beng" typeface="Vrinda"/>
-        <a:font script="Gujr" typeface="Shruti"/>
-        <a:font script="Khmr" typeface="MoolBoran"/>
-        <a:font script="Knda" typeface="Tunga"/>
-        <a:font script="Guru" typeface="Raavi"/>
-        <a:font script="Cans" typeface="Euphemia"/>
-        <a:font script="Cher" typeface="Plantagenet Cherokee"/>
-        <a:font script="Yiii" typeface="Microsoft Yi Baiti"/>
-        <a:font script="Tibt" typeface="Microsoft Himalaya"/>
-        <a:font script="Thaa" typeface="MV Boli"/>
-        <a:font script="Deva" typeface="Mangal"/>
-        <a:font script="Telu" typeface="Gautami"/>
-        <a:font script="Taml" typeface="Latha"/>
-        <a:font script="Syrc" typeface="Estrangelo Edessa"/>
-        <a:font script="Orya" typeface="Kalinga"/>
-        <a:font script="Mlym" typeface="Kartika"/>
-        <a:font script="Laoo" typeface="DokChampa"/>
-        <a:font script="Sinh" typeface="Iskoola Pota"/>
-        <a:font script="Mong" typeface="Mongolian Baiti"/>
-        <a:font script="Viet" typeface="Times New Roman"/>
-        <a:font script="Uigh" typeface="Microsoft Uighur"/>
-        <a:font script="Geor" typeface="Sylfaen"/>
-      </a:majorFont>
-      <a:minorFont>
-        <a:latin typeface="Arial"/>
-        <a:ea typeface=""/>
-        <a:cs typeface=""/>
-        <a:font script="Jpan" typeface="ＭＳ Ｐゴシック"/>
-        <a:font script="Hang" typeface="맑은 고딕"/>
-        <a:font script="Hans" typeface="宋体"/>
-        <a:font script="Hant" typeface="新細明體"/>
-        <a:font script="Arab" typeface="Arial"/>
-        <a:font script="Hebr" typeface="Arial"/>
-        <a:font script="Thai" typeface="Cordia New"/>
-        <a:font script="Ethi" typeface="Nyala"/>
-        <a:font script="Beng" typeface="Vrinda"/>
-        <a:font script="Gujr" typeface="Shruti"/>
-        <a:font script="Khmr" typeface="DaunPenh"/>
-        <a:font script="Knda" typeface="Tunga"/>
-        <a:font script="Guru" typeface="Raavi"/>
-        <a:font script="Cans" typeface="Euphemia"/>
-        <a:font script="Cher" typeface="Plantagenet Cherokee"/>
-        <a:font script="Yiii" typeface="Microsoft Yi Baiti"/>
-        <a:font script="Tibt" typeface="Microsoft Himalaya"/>
-        <a:font script="Thaa" typeface="MV Boli"/>
-        <a:font script="Deva" typeface="Mangal"/>
-        <a:font script="Telu" typeface="Gautami"/>
-        <a:font script="Taml" typeface="Latha"/>
-        <a:font script="Syrc" typeface="Estrangelo Edessa"/>
-        <a:font script="Orya" typeface="Kalinga"/>
-        <a:font script="Mlym" typeface="Kartika"/>
-        <a:font script="Laoo" typeface="DokChampa"/>
-        <a:font script="Sinh" typeface="Iskoola Pota"/>
-        <a:font script="Mong" typeface="Mongolian Baiti"/>
-        <a:font script="Viet" typeface="Arial"/>
-        <a:font script="Uigh" typeface="Microsoft Uighur"/>
-        <a:font script="Geor" typeface="Sylfaen"/>
-      </a:minorFont>
-    </a:fontScheme>
-    <a:fmtScheme name="Office">
-      <a:fillStyleLst>
-        <a:solidFill>
-          <a:schemeClr val="phClr"/>
-        </a:solidFill>
-        <a:gradFill rotWithShape="1">
-          <a:gsLst>
-            <a:gs pos="0">
-              <a:schemeClr val="phClr">
-                <a:tint val="50000"/>
-                <a:satMod val="300000"/>
-              </a:schemeClr>
-            </a:gs>
-            <a:gs pos="35000">
-              <a:schemeClr val="phClr">
-                <a:tint val="37000"/>
-                <a:satMod val="300000"/>
-              </a:schemeClr>
-            </a:gs>
-            <a:gs pos="100000">
-              <a:schemeClr val="phClr">
-                <a:tint val="15000"/>
-                <a:satMod val="350000"/>
-              </a:schemeClr>
-            </a:gs>
-          </a:gsLst>
-          <a:lin ang="16200000" scaled="1"/>
-        </a:gradFill>
-        <a:gradFill rotWithShape="1">
-          <a:gsLst>
-            <a:gs pos="0">
-              <a:schemeClr val="phClr">
-                <a:tint val="100000"/>
-                <a:shade val="100000"/>
-                <a:satMod val="130000"/>
-              </a:schemeClr>
-            </a:gs>
-            <a:gs pos="100000">
-              <a:schemeClr val="phClr">
-                <a:tint val="50000"/>
-                <a:shade val="100000"/>
-                <a:satMod val="350000"/>
-              </a:schemeClr>
-            </a:gs>
-          </a:gsLst>
-          <a:lin ang="16200000" scaled="0"/>
-        </a:gradFill>
-      </a:fillStyleLst>
-      <a:lnStyleLst>
-        <a:ln w="9525" cap="flat" cmpd="sng" algn="ctr">
-          <a:solidFill>
-            <a:schemeClr val="phClr">
-              <a:shade val="95000"/>
-              <a:satMod val="105000"/>
-            </a:schemeClr>
-          </a:solidFill>
-          <a:prstDash val="solid"/>
-        </a:ln>
-        <a:ln w="25400" cap="flat" cmpd="sng" algn="ctr">
-          <a:solidFill>
-            <a:schemeClr val="phClr"/>
-          </a:solidFill>
-          <a:prstDash val="solid"/>
-        </a:ln>
-        <a:ln w="38100" cap="flat" cmpd="sng" algn="ctr">
-          <a:solidFill>
-            <a:schemeClr val="phClr"/>
-          </a:solidFill>
-          <a:prstDash val="solid"/>
-        </a:ln>
-      </a:lnStyleLst>
-      <a:effectStyleLst>
-        <a:effectStyle>
-          <a:effectLst>
-            <a:outerShdw blurRad="40000" dist="20000" dir="5400000" rotWithShape="0">
-              <a:srgbClr val="000000">
-                <a:alpha val="38000"/>
-              </a:srgbClr>
-            </a:outerShdw>
-          </a:effectLst>
-        </a:effectStyle>
-        <a:effectStyle>
-          <a:effectLst>
-            <a:outerShdw blurRad="40000" dist="23000" dir="5400000" rotWithShape="0">
-              <a:srgbClr val="000000">
-                <a:alpha val="35000"/>
-              </a:srgbClr>
-            </a:outerShdw>
-          </a:effectLst>
-        </a:effectStyle>
-        <a:effectStyle>
-          <a:effectLst>
-            <a:outerShdw blurRad="40000" dist="23000" dir="5400000" rotWithShape="0">
-              <a:srgbClr val="000000">
-                <a:alpha val="35000"/>
-              </a:srgbClr>
-            </a:outerShdw>
-          </a:effectLst>
-          <a:scene3d>
-            <a:camera prst="orthographicFront">
-              <a:rot lat="0" lon="0" rev="0"/>
-            </a:camera>
-            <a:lightRig rig="threePt" dir="t">
-              <a:rot lat="0" lon="0" rev="1200000"/>
-            </a:lightRig>
-          </a:scene3d>
-          <a:sp3d>
-            <a:bevelT w="63500" h="25400"/>
-          </a:sp3d>
-        </a:effectStyle>
-      </a:effectStyleLst>
-      <a:bgFillStyleLst>
-        <a:solidFill>
-          <a:schemeClr val="phClr"/>
-        </a:solidFill>
-        <a:gradFill rotWithShape="1">
-          <a:gsLst>
-            <a:gs pos="0">
-              <a:schemeClr val="phClr">
-                <a:tint val="40000"/>
-                <a:satMod val="350000"/>
-              </a:schemeClr>
-            </a:gs>
-            <a:gs pos="40000">
-              <a:schemeClr val="phClr">
-                <a:tint val="45000"/>
-                <a:shade val="99000"/>
-                <a:satMod val="350000"/>
-              </a:schemeClr>
-            </a:gs>
-            <a:gs pos="100000">
-              <a:schemeClr val="phClr">
-                <a:shade val="20000"/>
-                <a:satMod val="255000"/>
-              </a:schemeClr>
-            </a:gs>
-          </a:gsLst>
-          <a:path path="circle">
-            <a:fillToRect l="50000" t="-80000" r="50000" b="180000"/>
-          </a:path>
-        </a:gradFill>
-        <a:gradFill rotWithShape="1">
-          <a:gsLst>
-            <a:gs pos="0">
-              <a:schemeClr val="phClr">
-                <a:tint val="80000"/>
-                <a:satMod val="300000"/>
-              </a:schemeClr>
-            </a:gs>
-            <a:gs pos="100000">
-              <a:schemeClr val="phClr">
-                <a:shade val="30000"/>
-                <a:satMod val="200000"/>
-              </a:schemeClr>
-            </a:gs>
-          </a:gsLst>
-          <a:path path="circle">
-            <a:fillToRect l="50000" t="50000" r="50000" b="50000"/>
-          </a:path>
-        </a:gradFill>
-      </a:bgFillStyleLst>
-    </a:fmtScheme>
-  </a:themeElements>
-</a:theme>
 </file>